--- a/presentazione.pptx
+++ b/presentazione.pptx
@@ -5,17 +5,22 @@
     <p:sldMasterId id="2147483648" r:id="rId1"/>
   </p:sldMasterIdLst>
   <p:notesMasterIdLst>
-    <p:notesMasterId r:id="rId10"/>
+    <p:notesMasterId r:id="rId15"/>
   </p:notesMasterIdLst>
   <p:sldIdLst>
     <p:sldId id="256" r:id="rId2"/>
     <p:sldId id="286" r:id="rId3"/>
-    <p:sldId id="289" r:id="rId4"/>
-    <p:sldId id="290" r:id="rId5"/>
-    <p:sldId id="291" r:id="rId6"/>
-    <p:sldId id="292" r:id="rId7"/>
-    <p:sldId id="293" r:id="rId8"/>
-    <p:sldId id="295" r:id="rId9"/>
+    <p:sldId id="296" r:id="rId4"/>
+    <p:sldId id="289" r:id="rId5"/>
+    <p:sldId id="297" r:id="rId6"/>
+    <p:sldId id="298" r:id="rId7"/>
+    <p:sldId id="299" r:id="rId8"/>
+    <p:sldId id="300" r:id="rId9"/>
+    <p:sldId id="301" r:id="rId10"/>
+    <p:sldId id="291" r:id="rId11"/>
+    <p:sldId id="292" r:id="rId12"/>
+    <p:sldId id="293" r:id="rId13"/>
+    <p:sldId id="295" r:id="rId14"/>
   </p:sldIdLst>
   <p:sldSz cx="9144000" cy="6858000" type="screen4x3"/>
   <p:notesSz cx="9144000" cy="6858000"/>
@@ -215,7 +220,7 @@
           <a:p>
             <a:fld id="{4D664BCA-F992-468F-B46E-6739ECD6201B}" type="datetimeFigureOut">
               <a:rPr lang="it-IT" smtClean="0"/>
-              <a:t>24/06/2023</a:t>
+              <a:t>25/06/2023</a:t>
             </a:fld>
             <a:endParaRPr lang="it-IT"/>
           </a:p>
@@ -2089,7 +2094,7 @@
               </a:rPr>
               <a:t>23</a:t>
             </a:r>
-            <a:endParaRPr sz="1200">
+            <a:endParaRPr sz="1200" dirty="0">
               <a:latin typeface="Calibri"/>
               <a:cs typeface="Calibri"/>
             </a:endParaRPr>
@@ -2108,7 +2113,7 @@
         </p:nvSpPr>
         <p:spPr>
           <a:xfrm>
-            <a:off x="2209800" y="1295400"/>
+            <a:off x="2133600" y="1295400"/>
             <a:ext cx="5201411" cy="939800"/>
           </a:xfrm>
           <a:prstGeom prst="rect">
@@ -2262,8 +2267,8 @@
         </p:blipFill>
         <p:spPr>
           <a:xfrm>
-            <a:off x="2209800" y="685800"/>
-            <a:ext cx="4114800" cy="4114800"/>
+            <a:off x="1371600" y="457200"/>
+            <a:ext cx="5638800" cy="5638800"/>
           </a:xfrm>
           <a:prstGeom prst="rect">
             <a:avLst/>
@@ -2300,6 +2305,38 @@
               <a:rPr lang="it-IT" smtClean="0"/>
               <a:t>1</a:t>
             </a:fld>
+            <a:endParaRPr lang="it-IT" dirty="0"/>
+          </a:p>
+        </p:txBody>
+      </p:sp>
+      <p:sp>
+        <p:nvSpPr>
+          <p:cNvPr id="7" name="CasellaDiTesto 6">
+            <a:extLst>
+              <a:ext uri="{FF2B5EF4-FFF2-40B4-BE49-F238E27FC236}">
+                <a16:creationId xmlns:a16="http://schemas.microsoft.com/office/drawing/2014/main" id="{FBDAFE94-D38D-ADDA-0480-9A3E87A5A948}"/>
+              </a:ext>
+            </a:extLst>
+          </p:cNvPr>
+          <p:cNvSpPr txBox="1"/>
+          <p:nvPr/>
+        </p:nvSpPr>
+        <p:spPr>
+          <a:xfrm>
+            <a:off x="2286000" y="3244334"/>
+            <a:ext cx="4572000" cy="369332"/>
+          </a:xfrm>
+          <a:prstGeom prst="rect">
+            <a:avLst/>
+          </a:prstGeom>
+          <a:noFill/>
+        </p:spPr>
+        <p:txBody>
+          <a:bodyPr wrap="square">
+            <a:spAutoFit/>
+          </a:bodyPr>
+          <a:lstStyle/>
+          <a:p>
             <a:endParaRPr lang="it-IT" dirty="0"/>
           </a:p>
         </p:txBody>
@@ -2312,7 +2349,7 @@
 </p:sld>
 </file>
 
-<file path=ppt/slides/slide2.xml><?xml version="1.0" encoding="utf-8"?>
+<file path=ppt/slides/slide10.xml><?xml version="1.0" encoding="utf-8"?>
 <p:sld xmlns:a="http://schemas.openxmlformats.org/drawingml/2006/main" xmlns:r="http://schemas.openxmlformats.org/officeDocument/2006/relationships" xmlns:p="http://schemas.openxmlformats.org/presentationml/2006/main" showMasterSp="0">
   <p:cSld>
     <p:spTree>
@@ -2428,7 +2465,7 @@
               </a:rPr>
               <a:t>23</a:t>
             </a:r>
-            <a:endParaRPr sz="1200">
+            <a:endParaRPr sz="1200" dirty="0">
               <a:latin typeface="Calibri"/>
               <a:cs typeface="Calibri"/>
             </a:endParaRPr>
@@ -2462,10 +2499,9 @@
               </a:lnSpc>
             </a:pPr>
             <a:r>
-              <a:rPr lang="it-IT"/>
+              <a:rPr lang="it-IT" dirty="0"/>
               <a:t>06/07/2023</a:t>
             </a:r>
-            <a:endParaRPr lang="it-IT" dirty="0"/>
           </a:p>
         </p:txBody>
       </p:sp>
@@ -2496,26 +2532,25 @@
               </a:lnSpc>
             </a:pPr>
             <a:r>
-              <a:rPr lang="it-IT"/>
+              <a:rPr lang="it-IT" dirty="0"/>
               <a:t>Mobile</a:t>
             </a:r>
             <a:r>
-              <a:rPr lang="it-IT" spc="-55"/>
+              <a:rPr lang="it-IT" spc="-55" dirty="0"/>
               <a:t> </a:t>
             </a:r>
             <a:r>
-              <a:rPr lang="it-IT" spc="-5"/>
+              <a:rPr lang="it-IT" spc="-5" dirty="0"/>
               <a:t>Programming</a:t>
             </a:r>
             <a:r>
-              <a:rPr lang="it-IT" spc="-40"/>
+              <a:rPr lang="it-IT" spc="-40" dirty="0"/>
               <a:t> </a:t>
             </a:r>
             <a:r>
-              <a:rPr lang="it-IT"/>
+              <a:rPr lang="it-IT" dirty="0"/>
               <a:t>2022/2023</a:t>
             </a:r>
-            <a:endParaRPr lang="it-IT" dirty="0"/>
           </a:p>
         </p:txBody>
       </p:sp>
@@ -2574,6 +2609,1837 @@
         <p:spPr>
           <a:xfrm>
             <a:off x="457200" y="457200"/>
+            <a:ext cx="5791200" cy="1243930"/>
+          </a:xfrm>
+          <a:prstGeom prst="rect">
+            <a:avLst/>
+          </a:prstGeom>
+        </p:spPr>
+        <p:txBody>
+          <a:bodyPr vert="horz" wrap="square" lIns="0" tIns="12700" rIns="0" bIns="0" rtlCol="0">
+            <a:spAutoFit/>
+          </a:bodyPr>
+          <a:lstStyle/>
+          <a:p>
+            <a:pPr marL="12700">
+              <a:spcBef>
+                <a:spcPts val="100"/>
+              </a:spcBef>
+            </a:pPr>
+            <a:r>
+              <a:rPr lang="it-IT" sz="4000" b="1" kern="0" spc="-20" dirty="0"/>
+              <a:t>Nel concreto su cosa poggia la nostra app </a:t>
+            </a:r>
+            <a:endParaRPr lang="it-IT" sz="4000" b="1" kern="0" dirty="0"/>
+          </a:p>
+        </p:txBody>
+      </p:sp>
+      <p:sp>
+        <p:nvSpPr>
+          <p:cNvPr id="17" name="Segnaposto numero diapositiva 16">
+            <a:extLst>
+              <a:ext uri="{FF2B5EF4-FFF2-40B4-BE49-F238E27FC236}">
+                <a16:creationId xmlns:a16="http://schemas.microsoft.com/office/drawing/2014/main" id="{AE88F6A4-BD43-D4D6-810D-B38E7A80D6C0}"/>
+              </a:ext>
+            </a:extLst>
+          </p:cNvPr>
+          <p:cNvSpPr>
+            <a:spLocks noGrp="1"/>
+          </p:cNvSpPr>
+          <p:nvPr>
+            <p:ph type="sldNum" sz="quarter" idx="7"/>
+          </p:nvPr>
+        </p:nvSpPr>
+        <p:spPr/>
+        <p:txBody>
+          <a:bodyPr/>
+          <a:lstStyle/>
+          <a:p>
+            <a:pPr marL="38100">
+              <a:lnSpc>
+                <a:spcPts val="1240"/>
+              </a:lnSpc>
+            </a:pPr>
+            <a:fld id="{81D60167-4931-47E6-BA6A-407CBD079E47}" type="slidenum">
+              <a:rPr lang="it-IT" smtClean="0"/>
+              <a:t>10</a:t>
+            </a:fld>
+            <a:endParaRPr lang="it-IT" dirty="0"/>
+          </a:p>
+        </p:txBody>
+      </p:sp>
+      <p:sp>
+        <p:nvSpPr>
+          <p:cNvPr id="3" name="object 3">
+            <a:extLst>
+              <a:ext uri="{FF2B5EF4-FFF2-40B4-BE49-F238E27FC236}">
+                <a16:creationId xmlns:a16="http://schemas.microsoft.com/office/drawing/2014/main" id="{20896BFC-5460-8B18-EE59-70F26D6808F2}"/>
+              </a:ext>
+            </a:extLst>
+          </p:cNvPr>
+          <p:cNvSpPr txBox="1"/>
+          <p:nvPr/>
+        </p:nvSpPr>
+        <p:spPr>
+          <a:xfrm>
+            <a:off x="304800" y="1600200"/>
+            <a:ext cx="7254875" cy="411010"/>
+          </a:xfrm>
+          <a:prstGeom prst="rect">
+            <a:avLst/>
+          </a:prstGeom>
+        </p:spPr>
+        <p:txBody>
+          <a:bodyPr vert="horz" wrap="square" lIns="0" tIns="60960" rIns="0" bIns="0" rtlCol="0">
+            <a:spAutoFit/>
+          </a:bodyPr>
+          <a:lstStyle/>
+          <a:p>
+            <a:pPr marL="698500" marR="179070" lvl="1" indent="-228600">
+              <a:lnSpc>
+                <a:spcPts val="3020"/>
+              </a:lnSpc>
+              <a:spcBef>
+                <a:spcPts val="480"/>
+              </a:spcBef>
+              <a:buFont typeface="Arial MT"/>
+              <a:buChar char="•"/>
+              <a:tabLst>
+                <a:tab pos="241300" algn="l"/>
+              </a:tabLst>
+            </a:pPr>
+            <a:r>
+              <a:rPr lang="it-IT" spc="-10" dirty="0">
+                <a:latin typeface="Calibri"/>
+                <a:cs typeface="Calibri"/>
+              </a:rPr>
+              <a:t>Grafica implementata grazie alle funzionalità offerte da Compose </a:t>
+            </a:r>
+            <a:endParaRPr sz="1600" dirty="0">
+              <a:latin typeface="Calibri"/>
+              <a:cs typeface="Calibri"/>
+            </a:endParaRPr>
+          </a:p>
+        </p:txBody>
+      </p:sp>
+      <p:sp>
+        <p:nvSpPr>
+          <p:cNvPr id="8" name="object 3">
+            <a:extLst>
+              <a:ext uri="{FF2B5EF4-FFF2-40B4-BE49-F238E27FC236}">
+                <a16:creationId xmlns:a16="http://schemas.microsoft.com/office/drawing/2014/main" id="{74CDD981-3A3B-749E-964B-DF87346D8EE4}"/>
+              </a:ext>
+            </a:extLst>
+          </p:cNvPr>
+          <p:cNvSpPr txBox="1"/>
+          <p:nvPr/>
+        </p:nvSpPr>
+        <p:spPr>
+          <a:xfrm>
+            <a:off x="304800" y="2011210"/>
+            <a:ext cx="7254875" cy="411010"/>
+          </a:xfrm>
+          <a:prstGeom prst="rect">
+            <a:avLst/>
+          </a:prstGeom>
+        </p:spPr>
+        <p:txBody>
+          <a:bodyPr vert="horz" wrap="square" lIns="0" tIns="60960" rIns="0" bIns="0" rtlCol="0">
+            <a:spAutoFit/>
+          </a:bodyPr>
+          <a:lstStyle/>
+          <a:p>
+            <a:pPr marL="698500" marR="179070" lvl="1" indent="-228600">
+              <a:lnSpc>
+                <a:spcPts val="3020"/>
+              </a:lnSpc>
+              <a:spcBef>
+                <a:spcPts val="480"/>
+              </a:spcBef>
+              <a:buFont typeface="Arial MT"/>
+              <a:buChar char="•"/>
+              <a:tabLst>
+                <a:tab pos="241300" algn="l"/>
+              </a:tabLst>
+            </a:pPr>
+            <a:r>
+              <a:rPr lang="it-IT" spc="-10" dirty="0">
+                <a:latin typeface="Calibri"/>
+                <a:cs typeface="Calibri"/>
+              </a:rPr>
+              <a:t>Una logica di elementi </a:t>
+            </a:r>
+            <a:r>
+              <a:rPr lang="it-IT" spc="-10" dirty="0" err="1">
+                <a:latin typeface="Calibri"/>
+                <a:cs typeface="Calibri"/>
+              </a:rPr>
+              <a:t>parcelable</a:t>
+            </a:r>
+            <a:r>
+              <a:rPr lang="it-IT" spc="-10" dirty="0">
+                <a:latin typeface="Calibri"/>
+                <a:cs typeface="Calibri"/>
+              </a:rPr>
+              <a:t> e </a:t>
+            </a:r>
+            <a:r>
+              <a:rPr lang="it-IT" spc="-10" dirty="0" err="1">
+                <a:latin typeface="Calibri"/>
+                <a:cs typeface="Calibri"/>
+              </a:rPr>
+              <a:t>mutable</a:t>
+            </a:r>
+            <a:r>
+              <a:rPr lang="it-IT" spc="-10" dirty="0">
+                <a:latin typeface="Calibri"/>
+                <a:cs typeface="Calibri"/>
+              </a:rPr>
+              <a:t> state</a:t>
+            </a:r>
+            <a:endParaRPr sz="1600" dirty="0">
+              <a:latin typeface="Calibri"/>
+              <a:cs typeface="Calibri"/>
+            </a:endParaRPr>
+          </a:p>
+        </p:txBody>
+      </p:sp>
+      <p:sp>
+        <p:nvSpPr>
+          <p:cNvPr id="9" name="object 3">
+            <a:extLst>
+              <a:ext uri="{FF2B5EF4-FFF2-40B4-BE49-F238E27FC236}">
+                <a16:creationId xmlns:a16="http://schemas.microsoft.com/office/drawing/2014/main" id="{68721F0C-D6E7-EDE7-AAF8-6F989B707DED}"/>
+              </a:ext>
+            </a:extLst>
+          </p:cNvPr>
+          <p:cNvSpPr txBox="1"/>
+          <p:nvPr/>
+        </p:nvSpPr>
+        <p:spPr>
+          <a:xfrm>
+            <a:off x="304800" y="2844130"/>
+            <a:ext cx="7254875" cy="411010"/>
+          </a:xfrm>
+          <a:prstGeom prst="rect">
+            <a:avLst/>
+          </a:prstGeom>
+        </p:spPr>
+        <p:txBody>
+          <a:bodyPr vert="horz" wrap="square" lIns="0" tIns="60960" rIns="0" bIns="0" rtlCol="0">
+            <a:spAutoFit/>
+          </a:bodyPr>
+          <a:lstStyle/>
+          <a:p>
+            <a:pPr marL="698500" marR="179070" lvl="1" indent="-228600">
+              <a:lnSpc>
+                <a:spcPts val="3020"/>
+              </a:lnSpc>
+              <a:spcBef>
+                <a:spcPts val="480"/>
+              </a:spcBef>
+              <a:buFont typeface="Arial MT"/>
+              <a:buChar char="•"/>
+              <a:tabLst>
+                <a:tab pos="241300" algn="l"/>
+              </a:tabLst>
+            </a:pPr>
+            <a:r>
+              <a:rPr lang="it-IT" spc="-10" dirty="0">
+                <a:latin typeface="Calibri"/>
+                <a:cs typeface="Calibri"/>
+              </a:rPr>
+              <a:t>Un applicazione del pattern MVVC </a:t>
+            </a:r>
+            <a:endParaRPr sz="1600" dirty="0">
+              <a:latin typeface="Calibri"/>
+              <a:cs typeface="Calibri"/>
+            </a:endParaRPr>
+          </a:p>
+        </p:txBody>
+      </p:sp>
+      <p:sp>
+        <p:nvSpPr>
+          <p:cNvPr id="10" name="object 3">
+            <a:extLst>
+              <a:ext uri="{FF2B5EF4-FFF2-40B4-BE49-F238E27FC236}">
+                <a16:creationId xmlns:a16="http://schemas.microsoft.com/office/drawing/2014/main" id="{E6144946-4665-BBED-B0EF-C375B0725E12}"/>
+              </a:ext>
+            </a:extLst>
+          </p:cNvPr>
+          <p:cNvSpPr txBox="1"/>
+          <p:nvPr/>
+        </p:nvSpPr>
+        <p:spPr>
+          <a:xfrm>
+            <a:off x="268224" y="2419669"/>
+            <a:ext cx="7254875" cy="411010"/>
+          </a:xfrm>
+          <a:prstGeom prst="rect">
+            <a:avLst/>
+          </a:prstGeom>
+        </p:spPr>
+        <p:txBody>
+          <a:bodyPr vert="horz" wrap="square" lIns="0" tIns="60960" rIns="0" bIns="0" rtlCol="0">
+            <a:spAutoFit/>
+          </a:bodyPr>
+          <a:lstStyle/>
+          <a:p>
+            <a:pPr marL="698500" marR="179070" lvl="1" indent="-228600">
+              <a:lnSpc>
+                <a:spcPts val="3020"/>
+              </a:lnSpc>
+              <a:spcBef>
+                <a:spcPts val="480"/>
+              </a:spcBef>
+              <a:buFont typeface="Arial MT"/>
+              <a:buChar char="•"/>
+              <a:tabLst>
+                <a:tab pos="241300" algn="l"/>
+              </a:tabLst>
+            </a:pPr>
+            <a:r>
+              <a:rPr lang="it-IT" spc="-10" dirty="0">
+                <a:latin typeface="Calibri"/>
+                <a:cs typeface="Calibri"/>
+              </a:rPr>
+              <a:t>Comunicazione con il database tramite Room </a:t>
+            </a:r>
+            <a:endParaRPr sz="1600" dirty="0">
+              <a:latin typeface="Calibri"/>
+              <a:cs typeface="Calibri"/>
+            </a:endParaRPr>
+          </a:p>
+        </p:txBody>
+      </p:sp>
+      <p:sp>
+        <p:nvSpPr>
+          <p:cNvPr id="13" name="object 3">
+            <a:extLst>
+              <a:ext uri="{FF2B5EF4-FFF2-40B4-BE49-F238E27FC236}">
+                <a16:creationId xmlns:a16="http://schemas.microsoft.com/office/drawing/2014/main" id="{92C7C76A-F7ED-4D46-CAB9-A6A5607411FC}"/>
+              </a:ext>
+            </a:extLst>
+          </p:cNvPr>
+          <p:cNvSpPr txBox="1"/>
+          <p:nvPr/>
+        </p:nvSpPr>
+        <p:spPr>
+          <a:xfrm>
+            <a:off x="323088" y="3274460"/>
+            <a:ext cx="7254875" cy="795731"/>
+          </a:xfrm>
+          <a:prstGeom prst="rect">
+            <a:avLst/>
+          </a:prstGeom>
+        </p:spPr>
+        <p:txBody>
+          <a:bodyPr vert="horz" wrap="square" lIns="0" tIns="60960" rIns="0" bIns="0" rtlCol="0">
+            <a:spAutoFit/>
+          </a:bodyPr>
+          <a:lstStyle/>
+          <a:p>
+            <a:pPr marL="698500" marR="179070" lvl="1" indent="-228600">
+              <a:lnSpc>
+                <a:spcPts val="3020"/>
+              </a:lnSpc>
+              <a:spcBef>
+                <a:spcPts val="480"/>
+              </a:spcBef>
+              <a:buFont typeface="Arial MT"/>
+              <a:buChar char="•"/>
+              <a:tabLst>
+                <a:tab pos="241300" algn="l"/>
+              </a:tabLst>
+            </a:pPr>
+            <a:r>
+              <a:rPr lang="it-IT" spc="-10" dirty="0">
+                <a:latin typeface="Calibri"/>
+                <a:cs typeface="Calibri"/>
+              </a:rPr>
+              <a:t>Gestione della directory </a:t>
+            </a:r>
+            <a:r>
+              <a:rPr lang="it-IT" spc="-10" dirty="0" err="1">
+                <a:latin typeface="Calibri"/>
+                <a:cs typeface="Calibri"/>
+              </a:rPr>
+              <a:t>resources</a:t>
+            </a:r>
+            <a:r>
+              <a:rPr lang="it-IT" spc="-10" dirty="0">
+                <a:latin typeface="Calibri"/>
+                <a:cs typeface="Calibri"/>
+              </a:rPr>
+              <a:t> per contenere le stringhe di testo utilizzate e facilitarne la traduzione successiva </a:t>
+            </a:r>
+            <a:endParaRPr sz="1600" dirty="0">
+              <a:latin typeface="Calibri"/>
+              <a:cs typeface="Calibri"/>
+            </a:endParaRPr>
+          </a:p>
+        </p:txBody>
+      </p:sp>
+    </p:spTree>
+    <p:extLst>
+      <p:ext uri="{BB962C8B-B14F-4D97-AF65-F5344CB8AC3E}">
+        <p14:creationId xmlns:p14="http://schemas.microsoft.com/office/powerpoint/2010/main" val="881666052"/>
+      </p:ext>
+    </p:extLst>
+  </p:cSld>
+  <p:clrMapOvr>
+    <a:masterClrMapping/>
+  </p:clrMapOvr>
+</p:sld>
+</file>
+
+<file path=ppt/slides/slide11.xml><?xml version="1.0" encoding="utf-8"?>
+<p:sld xmlns:a="http://schemas.openxmlformats.org/drawingml/2006/main" xmlns:r="http://schemas.openxmlformats.org/officeDocument/2006/relationships" xmlns:p="http://schemas.openxmlformats.org/presentationml/2006/main" showMasterSp="0">
+  <p:cSld>
+    <p:spTree>
+      <p:nvGrpSpPr>
+        <p:cNvPr id="1" name=""/>
+        <p:cNvGrpSpPr/>
+        <p:nvPr/>
+      </p:nvGrpSpPr>
+      <p:grpSpPr>
+        <a:xfrm>
+          <a:off x="0" y="0"/>
+          <a:ext cx="0" cy="0"/>
+          <a:chOff x="0" y="0"/>
+          <a:chExt cx="0" cy="0"/>
+        </a:xfrm>
+      </p:grpSpPr>
+      <p:sp>
+        <p:nvSpPr>
+          <p:cNvPr id="2" name="object 2"/>
+          <p:cNvSpPr txBox="1"/>
+          <p:nvPr/>
+        </p:nvSpPr>
+        <p:spPr>
+          <a:xfrm>
+            <a:off x="707542" y="6427114"/>
+            <a:ext cx="764540" cy="208279"/>
+          </a:xfrm>
+          <a:prstGeom prst="rect">
+            <a:avLst/>
+          </a:prstGeom>
+        </p:spPr>
+        <p:txBody>
+          <a:bodyPr vert="horz" wrap="square" lIns="0" tIns="12700" rIns="0" bIns="0" rtlCol="0">
+            <a:spAutoFit/>
+          </a:bodyPr>
+          <a:lstStyle/>
+          <a:p>
+            <a:pPr marL="12700">
+              <a:lnSpc>
+                <a:spcPct val="100000"/>
+              </a:lnSpc>
+              <a:spcBef>
+                <a:spcPts val="100"/>
+              </a:spcBef>
+            </a:pPr>
+            <a:r>
+              <a:rPr sz="1200" dirty="0">
+                <a:solidFill>
+                  <a:srgbClr val="888888"/>
+                </a:solidFill>
+                <a:latin typeface="Calibri"/>
+                <a:cs typeface="Calibri"/>
+              </a:rPr>
+              <a:t>0</a:t>
+            </a:r>
+            <a:r>
+              <a:rPr sz="1200" spc="5" dirty="0">
+                <a:solidFill>
+                  <a:srgbClr val="888888"/>
+                </a:solidFill>
+                <a:latin typeface="Calibri"/>
+                <a:cs typeface="Calibri"/>
+              </a:rPr>
+              <a:t>5</a:t>
+            </a:r>
+            <a:r>
+              <a:rPr sz="1200" dirty="0">
+                <a:solidFill>
+                  <a:srgbClr val="888888"/>
+                </a:solidFill>
+                <a:latin typeface="Calibri"/>
+                <a:cs typeface="Calibri"/>
+              </a:rPr>
+              <a:t>/0</a:t>
+            </a:r>
+            <a:r>
+              <a:rPr sz="1200" spc="5" dirty="0">
+                <a:solidFill>
+                  <a:srgbClr val="888888"/>
+                </a:solidFill>
+                <a:latin typeface="Calibri"/>
+                <a:cs typeface="Calibri"/>
+              </a:rPr>
+              <a:t>5</a:t>
+            </a:r>
+            <a:r>
+              <a:rPr sz="1200" dirty="0">
+                <a:solidFill>
+                  <a:srgbClr val="888888"/>
+                </a:solidFill>
+                <a:latin typeface="Calibri"/>
+                <a:cs typeface="Calibri"/>
+              </a:rPr>
+              <a:t>/2</a:t>
+            </a:r>
+            <a:r>
+              <a:rPr sz="1200" spc="5" dirty="0">
+                <a:solidFill>
+                  <a:srgbClr val="888888"/>
+                </a:solidFill>
+                <a:latin typeface="Calibri"/>
+                <a:cs typeface="Calibri"/>
+              </a:rPr>
+              <a:t>0</a:t>
+            </a:r>
+            <a:r>
+              <a:rPr sz="1200" dirty="0">
+                <a:solidFill>
+                  <a:srgbClr val="888888"/>
+                </a:solidFill>
+                <a:latin typeface="Calibri"/>
+                <a:cs typeface="Calibri"/>
+              </a:rPr>
+              <a:t>23</a:t>
+            </a:r>
+            <a:endParaRPr sz="1200">
+              <a:latin typeface="Calibri"/>
+              <a:cs typeface="Calibri"/>
+            </a:endParaRPr>
+          </a:p>
+        </p:txBody>
+      </p:sp>
+      <p:sp>
+        <p:nvSpPr>
+          <p:cNvPr id="5" name="Segnaposto data 4">
+            <a:extLst>
+              <a:ext uri="{FF2B5EF4-FFF2-40B4-BE49-F238E27FC236}">
+                <a16:creationId xmlns:a16="http://schemas.microsoft.com/office/drawing/2014/main" id="{3D493355-2017-15AE-8E1A-6179B572A57D}"/>
+              </a:ext>
+            </a:extLst>
+          </p:cNvPr>
+          <p:cNvSpPr>
+            <a:spLocks noGrp="1"/>
+          </p:cNvSpPr>
+          <p:nvPr>
+            <p:ph type="dt" sz="half" idx="6"/>
+          </p:nvPr>
+        </p:nvSpPr>
+        <p:spPr/>
+        <p:txBody>
+          <a:bodyPr/>
+          <a:lstStyle/>
+          <a:p>
+            <a:pPr marL="12700">
+              <a:lnSpc>
+                <a:spcPts val="1240"/>
+              </a:lnSpc>
+            </a:pPr>
+            <a:r>
+              <a:rPr lang="it-IT"/>
+              <a:t>06/07/2023</a:t>
+            </a:r>
+            <a:endParaRPr lang="it-IT" dirty="0"/>
+          </a:p>
+        </p:txBody>
+      </p:sp>
+      <p:sp>
+        <p:nvSpPr>
+          <p:cNvPr id="6" name="Segnaposto piè di pagina 5">
+            <a:extLst>
+              <a:ext uri="{FF2B5EF4-FFF2-40B4-BE49-F238E27FC236}">
+                <a16:creationId xmlns:a16="http://schemas.microsoft.com/office/drawing/2014/main" id="{D65EC6AC-EFEE-4310-6A5A-28EFFCBEA084}"/>
+              </a:ext>
+            </a:extLst>
+          </p:cNvPr>
+          <p:cNvSpPr>
+            <a:spLocks noGrp="1"/>
+          </p:cNvSpPr>
+          <p:nvPr>
+            <p:ph type="ftr" sz="quarter" idx="5"/>
+          </p:nvPr>
+        </p:nvSpPr>
+        <p:spPr/>
+        <p:txBody>
+          <a:bodyPr/>
+          <a:lstStyle/>
+          <a:p>
+            <a:pPr marL="12700">
+              <a:lnSpc>
+                <a:spcPts val="1240"/>
+              </a:lnSpc>
+            </a:pPr>
+            <a:r>
+              <a:rPr lang="it-IT"/>
+              <a:t>Mobile</a:t>
+            </a:r>
+            <a:r>
+              <a:rPr lang="it-IT" spc="-55"/>
+              <a:t> </a:t>
+            </a:r>
+            <a:r>
+              <a:rPr lang="it-IT" spc="-5"/>
+              <a:t>Programming</a:t>
+            </a:r>
+            <a:r>
+              <a:rPr lang="it-IT" spc="-40"/>
+              <a:t> </a:t>
+            </a:r>
+            <a:r>
+              <a:rPr lang="it-IT"/>
+              <a:t>2022/2023</a:t>
+            </a:r>
+            <a:endParaRPr lang="it-IT" dirty="0"/>
+          </a:p>
+        </p:txBody>
+      </p:sp>
+      <p:pic>
+        <p:nvPicPr>
+          <p:cNvPr id="11" name="Immagine 10">
+            <a:extLst>
+              <a:ext uri="{FF2B5EF4-FFF2-40B4-BE49-F238E27FC236}">
+                <a16:creationId xmlns:a16="http://schemas.microsoft.com/office/drawing/2014/main" id="{383E511C-4392-2E3C-9E32-845BBCEF3B49}"/>
+              </a:ext>
+            </a:extLst>
+          </p:cNvPr>
+          <p:cNvPicPr>
+            <a:picLocks noChangeAspect="1"/>
+          </p:cNvPicPr>
+          <p:nvPr/>
+        </p:nvPicPr>
+        <p:blipFill rotWithShape="1">
+          <a:blip r:embed="rId2"/>
+          <a:srcRect l="22222" t="37037" r="24074" b="33333"/>
+          <a:stretch/>
+        </p:blipFill>
+        <p:spPr>
+          <a:xfrm>
+            <a:off x="6858000" y="152400"/>
+            <a:ext cx="2209800" cy="1219200"/>
+          </a:xfrm>
+          <a:prstGeom prst="rect">
+            <a:avLst/>
+          </a:prstGeom>
+          <a:effectLst>
+            <a:outerShdw blurRad="330200" dist="38100" dir="5400000" algn="t" rotWithShape="0">
+              <a:prstClr val="black">
+                <a:alpha val="76000"/>
+              </a:prstClr>
+            </a:outerShdw>
+          </a:effectLst>
+        </p:spPr>
+      </p:pic>
+      <p:sp>
+        <p:nvSpPr>
+          <p:cNvPr id="12" name="object 2">
+            <a:extLst>
+              <a:ext uri="{FF2B5EF4-FFF2-40B4-BE49-F238E27FC236}">
+                <a16:creationId xmlns:a16="http://schemas.microsoft.com/office/drawing/2014/main" id="{A8B449FE-4217-D30A-378E-1700D58FFDA4}"/>
+              </a:ext>
+            </a:extLst>
+          </p:cNvPr>
+          <p:cNvSpPr txBox="1">
+            <a:spLocks noGrp="1"/>
+          </p:cNvSpPr>
+          <p:nvPr>
+            <p:ph type="title"/>
+          </p:nvPr>
+        </p:nvSpPr>
+        <p:spPr>
+          <a:xfrm>
+            <a:off x="457200" y="457200"/>
+            <a:ext cx="5791200" cy="1859483"/>
+          </a:xfrm>
+          <a:prstGeom prst="rect">
+            <a:avLst/>
+          </a:prstGeom>
+        </p:spPr>
+        <p:txBody>
+          <a:bodyPr vert="horz" wrap="square" lIns="0" tIns="12700" rIns="0" bIns="0" rtlCol="0">
+            <a:spAutoFit/>
+          </a:bodyPr>
+          <a:lstStyle/>
+          <a:p>
+            <a:pPr marL="12700">
+              <a:spcBef>
+                <a:spcPts val="100"/>
+              </a:spcBef>
+            </a:pPr>
+            <a:r>
+              <a:rPr lang="it-IT" sz="4000" b="1" kern="0" spc="-20" dirty="0"/>
+              <a:t>Grafica implementata grazie alle funzionalità offerte da Compose </a:t>
+            </a:r>
+          </a:p>
+        </p:txBody>
+      </p:sp>
+      <p:sp>
+        <p:nvSpPr>
+          <p:cNvPr id="17" name="Segnaposto numero diapositiva 16">
+            <a:extLst>
+              <a:ext uri="{FF2B5EF4-FFF2-40B4-BE49-F238E27FC236}">
+                <a16:creationId xmlns:a16="http://schemas.microsoft.com/office/drawing/2014/main" id="{AE88F6A4-BD43-D4D6-810D-B38E7A80D6C0}"/>
+              </a:ext>
+            </a:extLst>
+          </p:cNvPr>
+          <p:cNvSpPr>
+            <a:spLocks noGrp="1"/>
+          </p:cNvSpPr>
+          <p:nvPr>
+            <p:ph type="sldNum" sz="quarter" idx="7"/>
+          </p:nvPr>
+        </p:nvSpPr>
+        <p:spPr/>
+        <p:txBody>
+          <a:bodyPr/>
+          <a:lstStyle/>
+          <a:p>
+            <a:pPr marL="38100">
+              <a:lnSpc>
+                <a:spcPts val="1240"/>
+              </a:lnSpc>
+            </a:pPr>
+            <a:fld id="{81D60167-4931-47E6-BA6A-407CBD079E47}" type="slidenum">
+              <a:rPr lang="it-IT" smtClean="0"/>
+              <a:t>11</a:t>
+            </a:fld>
+            <a:endParaRPr lang="it-IT" dirty="0"/>
+          </a:p>
+        </p:txBody>
+      </p:sp>
+      <p:sp>
+        <p:nvSpPr>
+          <p:cNvPr id="3" name="object 3">
+            <a:extLst>
+              <a:ext uri="{FF2B5EF4-FFF2-40B4-BE49-F238E27FC236}">
+                <a16:creationId xmlns:a16="http://schemas.microsoft.com/office/drawing/2014/main" id="{20896BFC-5460-8B18-EE59-70F26D6808F2}"/>
+              </a:ext>
+            </a:extLst>
+          </p:cNvPr>
+          <p:cNvSpPr txBox="1"/>
+          <p:nvPr/>
+        </p:nvSpPr>
+        <p:spPr>
+          <a:xfrm>
+            <a:off x="152400" y="2298395"/>
+            <a:ext cx="7254875" cy="1949893"/>
+          </a:xfrm>
+          <a:prstGeom prst="rect">
+            <a:avLst/>
+          </a:prstGeom>
+        </p:spPr>
+        <p:txBody>
+          <a:bodyPr vert="horz" wrap="square" lIns="0" tIns="60960" rIns="0" bIns="0" rtlCol="0">
+            <a:spAutoFit/>
+          </a:bodyPr>
+          <a:lstStyle/>
+          <a:p>
+            <a:pPr marL="469900" marR="179070" lvl="1">
+              <a:lnSpc>
+                <a:spcPts val="3020"/>
+              </a:lnSpc>
+              <a:spcBef>
+                <a:spcPts val="480"/>
+              </a:spcBef>
+              <a:tabLst>
+                <a:tab pos="241300" algn="l"/>
+              </a:tabLst>
+            </a:pPr>
+            <a:r>
+              <a:rPr lang="it-IT" spc="-10" dirty="0">
+                <a:latin typeface="Calibri"/>
+                <a:cs typeface="Calibri"/>
+              </a:rPr>
+              <a:t>Per far si che l’interfaccia sia scritta nello stesso linguaggio di programmazione con cui scrivo il codice, garantendo una più facile gestione e leggibilità , inoltre tale sistema permette anche la facilità con cui si sa ridimensionare sui diversi schermi e tener conto delle preferenze utente  </a:t>
+            </a:r>
+            <a:endParaRPr sz="1600" dirty="0">
+              <a:latin typeface="Calibri"/>
+              <a:cs typeface="Calibri"/>
+            </a:endParaRPr>
+          </a:p>
+        </p:txBody>
+      </p:sp>
+    </p:spTree>
+    <p:extLst>
+      <p:ext uri="{BB962C8B-B14F-4D97-AF65-F5344CB8AC3E}">
+        <p14:creationId xmlns:p14="http://schemas.microsoft.com/office/powerpoint/2010/main" val="2458634237"/>
+      </p:ext>
+    </p:extLst>
+  </p:cSld>
+  <p:clrMapOvr>
+    <a:masterClrMapping/>
+  </p:clrMapOvr>
+</p:sld>
+</file>
+
+<file path=ppt/slides/slide12.xml><?xml version="1.0" encoding="utf-8"?>
+<p:sld xmlns:a="http://schemas.openxmlformats.org/drawingml/2006/main" xmlns:r="http://schemas.openxmlformats.org/officeDocument/2006/relationships" xmlns:p="http://schemas.openxmlformats.org/presentationml/2006/main" showMasterSp="0">
+  <p:cSld>
+    <p:spTree>
+      <p:nvGrpSpPr>
+        <p:cNvPr id="1" name=""/>
+        <p:cNvGrpSpPr/>
+        <p:nvPr/>
+      </p:nvGrpSpPr>
+      <p:grpSpPr>
+        <a:xfrm>
+          <a:off x="0" y="0"/>
+          <a:ext cx="0" cy="0"/>
+          <a:chOff x="0" y="0"/>
+          <a:chExt cx="0" cy="0"/>
+        </a:xfrm>
+      </p:grpSpPr>
+      <p:sp>
+        <p:nvSpPr>
+          <p:cNvPr id="2" name="object 2"/>
+          <p:cNvSpPr txBox="1"/>
+          <p:nvPr/>
+        </p:nvSpPr>
+        <p:spPr>
+          <a:xfrm>
+            <a:off x="707542" y="6427114"/>
+            <a:ext cx="764540" cy="208279"/>
+          </a:xfrm>
+          <a:prstGeom prst="rect">
+            <a:avLst/>
+          </a:prstGeom>
+        </p:spPr>
+        <p:txBody>
+          <a:bodyPr vert="horz" wrap="square" lIns="0" tIns="12700" rIns="0" bIns="0" rtlCol="0">
+            <a:spAutoFit/>
+          </a:bodyPr>
+          <a:lstStyle/>
+          <a:p>
+            <a:pPr marL="12700">
+              <a:lnSpc>
+                <a:spcPct val="100000"/>
+              </a:lnSpc>
+              <a:spcBef>
+                <a:spcPts val="100"/>
+              </a:spcBef>
+            </a:pPr>
+            <a:r>
+              <a:rPr sz="1200" dirty="0">
+                <a:solidFill>
+                  <a:srgbClr val="888888"/>
+                </a:solidFill>
+                <a:latin typeface="Calibri"/>
+                <a:cs typeface="Calibri"/>
+              </a:rPr>
+              <a:t>0</a:t>
+            </a:r>
+            <a:r>
+              <a:rPr sz="1200" spc="5" dirty="0">
+                <a:solidFill>
+                  <a:srgbClr val="888888"/>
+                </a:solidFill>
+                <a:latin typeface="Calibri"/>
+                <a:cs typeface="Calibri"/>
+              </a:rPr>
+              <a:t>5</a:t>
+            </a:r>
+            <a:r>
+              <a:rPr sz="1200" dirty="0">
+                <a:solidFill>
+                  <a:srgbClr val="888888"/>
+                </a:solidFill>
+                <a:latin typeface="Calibri"/>
+                <a:cs typeface="Calibri"/>
+              </a:rPr>
+              <a:t>/0</a:t>
+            </a:r>
+            <a:r>
+              <a:rPr sz="1200" spc="5" dirty="0">
+                <a:solidFill>
+                  <a:srgbClr val="888888"/>
+                </a:solidFill>
+                <a:latin typeface="Calibri"/>
+                <a:cs typeface="Calibri"/>
+              </a:rPr>
+              <a:t>5</a:t>
+            </a:r>
+            <a:r>
+              <a:rPr sz="1200" dirty="0">
+                <a:solidFill>
+                  <a:srgbClr val="888888"/>
+                </a:solidFill>
+                <a:latin typeface="Calibri"/>
+                <a:cs typeface="Calibri"/>
+              </a:rPr>
+              <a:t>/2</a:t>
+            </a:r>
+            <a:r>
+              <a:rPr sz="1200" spc="5" dirty="0">
+                <a:solidFill>
+                  <a:srgbClr val="888888"/>
+                </a:solidFill>
+                <a:latin typeface="Calibri"/>
+                <a:cs typeface="Calibri"/>
+              </a:rPr>
+              <a:t>0</a:t>
+            </a:r>
+            <a:r>
+              <a:rPr sz="1200" dirty="0">
+                <a:solidFill>
+                  <a:srgbClr val="888888"/>
+                </a:solidFill>
+                <a:latin typeface="Calibri"/>
+                <a:cs typeface="Calibri"/>
+              </a:rPr>
+              <a:t>23</a:t>
+            </a:r>
+            <a:endParaRPr sz="1200">
+              <a:latin typeface="Calibri"/>
+              <a:cs typeface="Calibri"/>
+            </a:endParaRPr>
+          </a:p>
+        </p:txBody>
+      </p:sp>
+      <p:sp>
+        <p:nvSpPr>
+          <p:cNvPr id="5" name="Segnaposto data 4">
+            <a:extLst>
+              <a:ext uri="{FF2B5EF4-FFF2-40B4-BE49-F238E27FC236}">
+                <a16:creationId xmlns:a16="http://schemas.microsoft.com/office/drawing/2014/main" id="{3D493355-2017-15AE-8E1A-6179B572A57D}"/>
+              </a:ext>
+            </a:extLst>
+          </p:cNvPr>
+          <p:cNvSpPr>
+            <a:spLocks noGrp="1"/>
+          </p:cNvSpPr>
+          <p:nvPr>
+            <p:ph type="dt" sz="half" idx="6"/>
+          </p:nvPr>
+        </p:nvSpPr>
+        <p:spPr/>
+        <p:txBody>
+          <a:bodyPr/>
+          <a:lstStyle/>
+          <a:p>
+            <a:pPr marL="12700">
+              <a:lnSpc>
+                <a:spcPts val="1240"/>
+              </a:lnSpc>
+            </a:pPr>
+            <a:r>
+              <a:rPr lang="it-IT"/>
+              <a:t>06/07/2023</a:t>
+            </a:r>
+            <a:endParaRPr lang="it-IT" dirty="0"/>
+          </a:p>
+        </p:txBody>
+      </p:sp>
+      <p:sp>
+        <p:nvSpPr>
+          <p:cNvPr id="6" name="Segnaposto piè di pagina 5">
+            <a:extLst>
+              <a:ext uri="{FF2B5EF4-FFF2-40B4-BE49-F238E27FC236}">
+                <a16:creationId xmlns:a16="http://schemas.microsoft.com/office/drawing/2014/main" id="{D65EC6AC-EFEE-4310-6A5A-28EFFCBEA084}"/>
+              </a:ext>
+            </a:extLst>
+          </p:cNvPr>
+          <p:cNvSpPr>
+            <a:spLocks noGrp="1"/>
+          </p:cNvSpPr>
+          <p:nvPr>
+            <p:ph type="ftr" sz="quarter" idx="5"/>
+          </p:nvPr>
+        </p:nvSpPr>
+        <p:spPr/>
+        <p:txBody>
+          <a:bodyPr/>
+          <a:lstStyle/>
+          <a:p>
+            <a:pPr marL="12700">
+              <a:lnSpc>
+                <a:spcPts val="1240"/>
+              </a:lnSpc>
+            </a:pPr>
+            <a:r>
+              <a:rPr lang="it-IT"/>
+              <a:t>Mobile</a:t>
+            </a:r>
+            <a:r>
+              <a:rPr lang="it-IT" spc="-55"/>
+              <a:t> </a:t>
+            </a:r>
+            <a:r>
+              <a:rPr lang="it-IT" spc="-5"/>
+              <a:t>Programming</a:t>
+            </a:r>
+            <a:r>
+              <a:rPr lang="it-IT" spc="-40"/>
+              <a:t> </a:t>
+            </a:r>
+            <a:r>
+              <a:rPr lang="it-IT"/>
+              <a:t>2022/2023</a:t>
+            </a:r>
+            <a:endParaRPr lang="it-IT" dirty="0"/>
+          </a:p>
+        </p:txBody>
+      </p:sp>
+      <p:pic>
+        <p:nvPicPr>
+          <p:cNvPr id="11" name="Immagine 10">
+            <a:extLst>
+              <a:ext uri="{FF2B5EF4-FFF2-40B4-BE49-F238E27FC236}">
+                <a16:creationId xmlns:a16="http://schemas.microsoft.com/office/drawing/2014/main" id="{383E511C-4392-2E3C-9E32-845BBCEF3B49}"/>
+              </a:ext>
+            </a:extLst>
+          </p:cNvPr>
+          <p:cNvPicPr>
+            <a:picLocks noChangeAspect="1"/>
+          </p:cNvPicPr>
+          <p:nvPr/>
+        </p:nvPicPr>
+        <p:blipFill rotWithShape="1">
+          <a:blip r:embed="rId2"/>
+          <a:srcRect l="22222" t="37037" r="24074" b="33333"/>
+          <a:stretch/>
+        </p:blipFill>
+        <p:spPr>
+          <a:xfrm>
+            <a:off x="6858000" y="152400"/>
+            <a:ext cx="2209800" cy="1219200"/>
+          </a:xfrm>
+          <a:prstGeom prst="rect">
+            <a:avLst/>
+          </a:prstGeom>
+          <a:effectLst>
+            <a:outerShdw blurRad="330200" dist="38100" dir="5400000" algn="t" rotWithShape="0">
+              <a:prstClr val="black">
+                <a:alpha val="76000"/>
+              </a:prstClr>
+            </a:outerShdw>
+          </a:effectLst>
+        </p:spPr>
+      </p:pic>
+      <p:sp>
+        <p:nvSpPr>
+          <p:cNvPr id="12" name="object 2">
+            <a:extLst>
+              <a:ext uri="{FF2B5EF4-FFF2-40B4-BE49-F238E27FC236}">
+                <a16:creationId xmlns:a16="http://schemas.microsoft.com/office/drawing/2014/main" id="{A8B449FE-4217-D30A-378E-1700D58FFDA4}"/>
+              </a:ext>
+            </a:extLst>
+          </p:cNvPr>
+          <p:cNvSpPr txBox="1">
+            <a:spLocks noGrp="1"/>
+          </p:cNvSpPr>
+          <p:nvPr>
+            <p:ph type="title"/>
+          </p:nvPr>
+        </p:nvSpPr>
+        <p:spPr>
+          <a:xfrm>
+            <a:off x="457200" y="457200"/>
+            <a:ext cx="5791200" cy="1243930"/>
+          </a:xfrm>
+          <a:prstGeom prst="rect">
+            <a:avLst/>
+          </a:prstGeom>
+        </p:spPr>
+        <p:txBody>
+          <a:bodyPr vert="horz" wrap="square" lIns="0" tIns="12700" rIns="0" bIns="0" rtlCol="0">
+            <a:spAutoFit/>
+          </a:bodyPr>
+          <a:lstStyle/>
+          <a:p>
+            <a:pPr marL="12700">
+              <a:spcBef>
+                <a:spcPts val="100"/>
+              </a:spcBef>
+            </a:pPr>
+            <a:r>
+              <a:rPr lang="it-IT" sz="4000" b="1" kern="0" spc="-20" dirty="0"/>
+              <a:t>Comunicazione con il database tramite Room </a:t>
+            </a:r>
+          </a:p>
+        </p:txBody>
+      </p:sp>
+      <p:sp>
+        <p:nvSpPr>
+          <p:cNvPr id="17" name="Segnaposto numero diapositiva 16">
+            <a:extLst>
+              <a:ext uri="{FF2B5EF4-FFF2-40B4-BE49-F238E27FC236}">
+                <a16:creationId xmlns:a16="http://schemas.microsoft.com/office/drawing/2014/main" id="{AE88F6A4-BD43-D4D6-810D-B38E7A80D6C0}"/>
+              </a:ext>
+            </a:extLst>
+          </p:cNvPr>
+          <p:cNvSpPr>
+            <a:spLocks noGrp="1"/>
+          </p:cNvSpPr>
+          <p:nvPr>
+            <p:ph type="sldNum" sz="quarter" idx="7"/>
+          </p:nvPr>
+        </p:nvSpPr>
+        <p:spPr/>
+        <p:txBody>
+          <a:bodyPr/>
+          <a:lstStyle/>
+          <a:p>
+            <a:pPr marL="38100">
+              <a:lnSpc>
+                <a:spcPts val="1240"/>
+              </a:lnSpc>
+            </a:pPr>
+            <a:fld id="{81D60167-4931-47E6-BA6A-407CBD079E47}" type="slidenum">
+              <a:rPr lang="it-IT" smtClean="0"/>
+              <a:t>12</a:t>
+            </a:fld>
+            <a:endParaRPr lang="it-IT" dirty="0"/>
+          </a:p>
+        </p:txBody>
+      </p:sp>
+      <p:sp>
+        <p:nvSpPr>
+          <p:cNvPr id="3" name="object 3">
+            <a:extLst>
+              <a:ext uri="{FF2B5EF4-FFF2-40B4-BE49-F238E27FC236}">
+                <a16:creationId xmlns:a16="http://schemas.microsoft.com/office/drawing/2014/main" id="{20896BFC-5460-8B18-EE59-70F26D6808F2}"/>
+              </a:ext>
+            </a:extLst>
+          </p:cNvPr>
+          <p:cNvSpPr txBox="1"/>
+          <p:nvPr/>
+        </p:nvSpPr>
+        <p:spPr>
+          <a:xfrm>
+            <a:off x="152400" y="2298395"/>
+            <a:ext cx="7254875" cy="1558375"/>
+          </a:xfrm>
+          <a:prstGeom prst="rect">
+            <a:avLst/>
+          </a:prstGeom>
+        </p:spPr>
+        <p:txBody>
+          <a:bodyPr vert="horz" wrap="square" lIns="0" tIns="60960" rIns="0" bIns="0" rtlCol="0">
+            <a:spAutoFit/>
+          </a:bodyPr>
+          <a:lstStyle/>
+          <a:p>
+            <a:pPr marL="469900" marR="179070" lvl="1">
+              <a:lnSpc>
+                <a:spcPts val="3020"/>
+              </a:lnSpc>
+              <a:spcBef>
+                <a:spcPts val="480"/>
+              </a:spcBef>
+              <a:tabLst>
+                <a:tab pos="241300" algn="l"/>
+              </a:tabLst>
+            </a:pPr>
+            <a:r>
+              <a:rPr lang="it-IT" sz="1600" spc="-10" dirty="0">
+                <a:latin typeface="Calibri"/>
+                <a:cs typeface="Calibri"/>
+              </a:rPr>
+              <a:t>Attualmente il database è in locale e si opta gia per una versione centralizzata, con room viene facilitato tutto il meccanismo di astrazione con cui il programmatore comunica con il database, tramite un astrazione della DAO delle </a:t>
+            </a:r>
+            <a:r>
+              <a:rPr lang="it-IT" sz="1600" spc="-10" dirty="0" err="1">
+                <a:latin typeface="Calibri"/>
+                <a:cs typeface="Calibri"/>
+              </a:rPr>
+              <a:t>entity</a:t>
+            </a:r>
+            <a:r>
+              <a:rPr lang="it-IT" sz="1600" spc="-10" dirty="0">
+                <a:latin typeface="Calibri"/>
+                <a:cs typeface="Calibri"/>
+              </a:rPr>
+              <a:t> </a:t>
+            </a:r>
+            <a:endParaRPr sz="1600" dirty="0">
+              <a:latin typeface="Calibri"/>
+              <a:cs typeface="Calibri"/>
+            </a:endParaRPr>
+          </a:p>
+        </p:txBody>
+      </p:sp>
+    </p:spTree>
+    <p:extLst>
+      <p:ext uri="{BB962C8B-B14F-4D97-AF65-F5344CB8AC3E}">
+        <p14:creationId xmlns:p14="http://schemas.microsoft.com/office/powerpoint/2010/main" val="3321835859"/>
+      </p:ext>
+    </p:extLst>
+  </p:cSld>
+  <p:clrMapOvr>
+    <a:masterClrMapping/>
+  </p:clrMapOvr>
+</p:sld>
+</file>
+
+<file path=ppt/slides/slide13.xml><?xml version="1.0" encoding="utf-8"?>
+<p:sld xmlns:a="http://schemas.openxmlformats.org/drawingml/2006/main" xmlns:r="http://schemas.openxmlformats.org/officeDocument/2006/relationships" xmlns:p="http://schemas.openxmlformats.org/presentationml/2006/main" showMasterSp="0">
+  <p:cSld>
+    <p:spTree>
+      <p:nvGrpSpPr>
+        <p:cNvPr id="1" name=""/>
+        <p:cNvGrpSpPr/>
+        <p:nvPr/>
+      </p:nvGrpSpPr>
+      <p:grpSpPr>
+        <a:xfrm>
+          <a:off x="0" y="0"/>
+          <a:ext cx="0" cy="0"/>
+          <a:chOff x="0" y="0"/>
+          <a:chExt cx="0" cy="0"/>
+        </a:xfrm>
+      </p:grpSpPr>
+      <p:sp>
+        <p:nvSpPr>
+          <p:cNvPr id="2" name="object 2"/>
+          <p:cNvSpPr txBox="1"/>
+          <p:nvPr/>
+        </p:nvSpPr>
+        <p:spPr>
+          <a:xfrm>
+            <a:off x="707542" y="6427114"/>
+            <a:ext cx="764540" cy="208279"/>
+          </a:xfrm>
+          <a:prstGeom prst="rect">
+            <a:avLst/>
+          </a:prstGeom>
+        </p:spPr>
+        <p:txBody>
+          <a:bodyPr vert="horz" wrap="square" lIns="0" tIns="12700" rIns="0" bIns="0" rtlCol="0">
+            <a:spAutoFit/>
+          </a:bodyPr>
+          <a:lstStyle/>
+          <a:p>
+            <a:pPr marL="12700">
+              <a:lnSpc>
+                <a:spcPct val="100000"/>
+              </a:lnSpc>
+              <a:spcBef>
+                <a:spcPts val="100"/>
+              </a:spcBef>
+            </a:pPr>
+            <a:r>
+              <a:rPr sz="1200" dirty="0">
+                <a:solidFill>
+                  <a:srgbClr val="888888"/>
+                </a:solidFill>
+                <a:latin typeface="Calibri"/>
+                <a:cs typeface="Calibri"/>
+              </a:rPr>
+              <a:t>0</a:t>
+            </a:r>
+            <a:r>
+              <a:rPr sz="1200" spc="5" dirty="0">
+                <a:solidFill>
+                  <a:srgbClr val="888888"/>
+                </a:solidFill>
+                <a:latin typeface="Calibri"/>
+                <a:cs typeface="Calibri"/>
+              </a:rPr>
+              <a:t>5</a:t>
+            </a:r>
+            <a:r>
+              <a:rPr sz="1200" dirty="0">
+                <a:solidFill>
+                  <a:srgbClr val="888888"/>
+                </a:solidFill>
+                <a:latin typeface="Calibri"/>
+                <a:cs typeface="Calibri"/>
+              </a:rPr>
+              <a:t>/0</a:t>
+            </a:r>
+            <a:r>
+              <a:rPr sz="1200" spc="5" dirty="0">
+                <a:solidFill>
+                  <a:srgbClr val="888888"/>
+                </a:solidFill>
+                <a:latin typeface="Calibri"/>
+                <a:cs typeface="Calibri"/>
+              </a:rPr>
+              <a:t>5</a:t>
+            </a:r>
+            <a:r>
+              <a:rPr sz="1200" dirty="0">
+                <a:solidFill>
+                  <a:srgbClr val="888888"/>
+                </a:solidFill>
+                <a:latin typeface="Calibri"/>
+                <a:cs typeface="Calibri"/>
+              </a:rPr>
+              <a:t>/2</a:t>
+            </a:r>
+            <a:r>
+              <a:rPr sz="1200" spc="5" dirty="0">
+                <a:solidFill>
+                  <a:srgbClr val="888888"/>
+                </a:solidFill>
+                <a:latin typeface="Calibri"/>
+                <a:cs typeface="Calibri"/>
+              </a:rPr>
+              <a:t>0</a:t>
+            </a:r>
+            <a:r>
+              <a:rPr sz="1200" dirty="0">
+                <a:solidFill>
+                  <a:srgbClr val="888888"/>
+                </a:solidFill>
+                <a:latin typeface="Calibri"/>
+                <a:cs typeface="Calibri"/>
+              </a:rPr>
+              <a:t>23</a:t>
+            </a:r>
+            <a:endParaRPr sz="1200">
+              <a:latin typeface="Calibri"/>
+              <a:cs typeface="Calibri"/>
+            </a:endParaRPr>
+          </a:p>
+        </p:txBody>
+      </p:sp>
+      <p:sp>
+        <p:nvSpPr>
+          <p:cNvPr id="5" name="Segnaposto data 4">
+            <a:extLst>
+              <a:ext uri="{FF2B5EF4-FFF2-40B4-BE49-F238E27FC236}">
+                <a16:creationId xmlns:a16="http://schemas.microsoft.com/office/drawing/2014/main" id="{3D493355-2017-15AE-8E1A-6179B572A57D}"/>
+              </a:ext>
+            </a:extLst>
+          </p:cNvPr>
+          <p:cNvSpPr>
+            <a:spLocks noGrp="1"/>
+          </p:cNvSpPr>
+          <p:nvPr>
+            <p:ph type="dt" sz="half" idx="6"/>
+          </p:nvPr>
+        </p:nvSpPr>
+        <p:spPr/>
+        <p:txBody>
+          <a:bodyPr/>
+          <a:lstStyle/>
+          <a:p>
+            <a:pPr marL="12700">
+              <a:lnSpc>
+                <a:spcPts val="1240"/>
+              </a:lnSpc>
+            </a:pPr>
+            <a:r>
+              <a:rPr lang="it-IT"/>
+              <a:t>06/07/2023</a:t>
+            </a:r>
+            <a:endParaRPr lang="it-IT" dirty="0"/>
+          </a:p>
+        </p:txBody>
+      </p:sp>
+      <p:sp>
+        <p:nvSpPr>
+          <p:cNvPr id="6" name="Segnaposto piè di pagina 5">
+            <a:extLst>
+              <a:ext uri="{FF2B5EF4-FFF2-40B4-BE49-F238E27FC236}">
+                <a16:creationId xmlns:a16="http://schemas.microsoft.com/office/drawing/2014/main" id="{D65EC6AC-EFEE-4310-6A5A-28EFFCBEA084}"/>
+              </a:ext>
+            </a:extLst>
+          </p:cNvPr>
+          <p:cNvSpPr>
+            <a:spLocks noGrp="1"/>
+          </p:cNvSpPr>
+          <p:nvPr>
+            <p:ph type="ftr" sz="quarter" idx="5"/>
+          </p:nvPr>
+        </p:nvSpPr>
+        <p:spPr/>
+        <p:txBody>
+          <a:bodyPr/>
+          <a:lstStyle/>
+          <a:p>
+            <a:pPr marL="12700">
+              <a:lnSpc>
+                <a:spcPts val="1240"/>
+              </a:lnSpc>
+            </a:pPr>
+            <a:r>
+              <a:rPr lang="it-IT"/>
+              <a:t>Mobile</a:t>
+            </a:r>
+            <a:r>
+              <a:rPr lang="it-IT" spc="-55"/>
+              <a:t> </a:t>
+            </a:r>
+            <a:r>
+              <a:rPr lang="it-IT" spc="-5"/>
+              <a:t>Programming</a:t>
+            </a:r>
+            <a:r>
+              <a:rPr lang="it-IT" spc="-40"/>
+              <a:t> </a:t>
+            </a:r>
+            <a:r>
+              <a:rPr lang="it-IT"/>
+              <a:t>2022/2023</a:t>
+            </a:r>
+            <a:endParaRPr lang="it-IT" dirty="0"/>
+          </a:p>
+        </p:txBody>
+      </p:sp>
+      <p:pic>
+        <p:nvPicPr>
+          <p:cNvPr id="11" name="Immagine 10">
+            <a:extLst>
+              <a:ext uri="{FF2B5EF4-FFF2-40B4-BE49-F238E27FC236}">
+                <a16:creationId xmlns:a16="http://schemas.microsoft.com/office/drawing/2014/main" id="{383E511C-4392-2E3C-9E32-845BBCEF3B49}"/>
+              </a:ext>
+            </a:extLst>
+          </p:cNvPr>
+          <p:cNvPicPr>
+            <a:picLocks noChangeAspect="1"/>
+          </p:cNvPicPr>
+          <p:nvPr/>
+        </p:nvPicPr>
+        <p:blipFill rotWithShape="1">
+          <a:blip r:embed="rId2"/>
+          <a:srcRect l="22222" t="37037" r="24074" b="33333"/>
+          <a:stretch/>
+        </p:blipFill>
+        <p:spPr>
+          <a:xfrm>
+            <a:off x="6858000" y="152400"/>
+            <a:ext cx="2209800" cy="1219200"/>
+          </a:xfrm>
+          <a:prstGeom prst="rect">
+            <a:avLst/>
+          </a:prstGeom>
+          <a:effectLst>
+            <a:outerShdw blurRad="330200" dist="38100" dir="5400000" algn="t" rotWithShape="0">
+              <a:prstClr val="black">
+                <a:alpha val="76000"/>
+              </a:prstClr>
+            </a:outerShdw>
+          </a:effectLst>
+        </p:spPr>
+      </p:pic>
+      <p:sp>
+        <p:nvSpPr>
+          <p:cNvPr id="12" name="object 2">
+            <a:extLst>
+              <a:ext uri="{FF2B5EF4-FFF2-40B4-BE49-F238E27FC236}">
+                <a16:creationId xmlns:a16="http://schemas.microsoft.com/office/drawing/2014/main" id="{A8B449FE-4217-D30A-378E-1700D58FFDA4}"/>
+              </a:ext>
+            </a:extLst>
+          </p:cNvPr>
+          <p:cNvSpPr txBox="1">
+            <a:spLocks noGrp="1"/>
+          </p:cNvSpPr>
+          <p:nvPr>
+            <p:ph type="title"/>
+          </p:nvPr>
+        </p:nvSpPr>
+        <p:spPr>
+          <a:xfrm>
+            <a:off x="457200" y="457200"/>
+            <a:ext cx="5791200" cy="1243930"/>
+          </a:xfrm>
+          <a:prstGeom prst="rect">
+            <a:avLst/>
+          </a:prstGeom>
+        </p:spPr>
+        <p:txBody>
+          <a:bodyPr vert="horz" wrap="square" lIns="0" tIns="12700" rIns="0" bIns="0" rtlCol="0">
+            <a:spAutoFit/>
+          </a:bodyPr>
+          <a:lstStyle/>
+          <a:p>
+            <a:pPr marL="12700">
+              <a:spcBef>
+                <a:spcPts val="100"/>
+              </a:spcBef>
+            </a:pPr>
+            <a:r>
+              <a:rPr lang="it-IT" sz="4000" b="1" kern="0" spc="-20" dirty="0"/>
+              <a:t>Applicazione del pattern MVVC</a:t>
+            </a:r>
+          </a:p>
+        </p:txBody>
+      </p:sp>
+      <p:sp>
+        <p:nvSpPr>
+          <p:cNvPr id="17" name="Segnaposto numero diapositiva 16">
+            <a:extLst>
+              <a:ext uri="{FF2B5EF4-FFF2-40B4-BE49-F238E27FC236}">
+                <a16:creationId xmlns:a16="http://schemas.microsoft.com/office/drawing/2014/main" id="{AE88F6A4-BD43-D4D6-810D-B38E7A80D6C0}"/>
+              </a:ext>
+            </a:extLst>
+          </p:cNvPr>
+          <p:cNvSpPr>
+            <a:spLocks noGrp="1"/>
+          </p:cNvSpPr>
+          <p:nvPr>
+            <p:ph type="sldNum" sz="quarter" idx="7"/>
+          </p:nvPr>
+        </p:nvSpPr>
+        <p:spPr/>
+        <p:txBody>
+          <a:bodyPr/>
+          <a:lstStyle/>
+          <a:p>
+            <a:pPr marL="38100">
+              <a:lnSpc>
+                <a:spcPts val="1240"/>
+              </a:lnSpc>
+            </a:pPr>
+            <a:fld id="{81D60167-4931-47E6-BA6A-407CBD079E47}" type="slidenum">
+              <a:rPr lang="it-IT" smtClean="0"/>
+              <a:t>13</a:t>
+            </a:fld>
+            <a:endParaRPr lang="it-IT" dirty="0"/>
+          </a:p>
+        </p:txBody>
+      </p:sp>
+      <p:sp>
+        <p:nvSpPr>
+          <p:cNvPr id="3" name="object 3">
+            <a:extLst>
+              <a:ext uri="{FF2B5EF4-FFF2-40B4-BE49-F238E27FC236}">
+                <a16:creationId xmlns:a16="http://schemas.microsoft.com/office/drawing/2014/main" id="{20896BFC-5460-8B18-EE59-70F26D6808F2}"/>
+              </a:ext>
+            </a:extLst>
+          </p:cNvPr>
+          <p:cNvSpPr txBox="1"/>
+          <p:nvPr/>
+        </p:nvSpPr>
+        <p:spPr>
+          <a:xfrm>
+            <a:off x="-77027" y="1679794"/>
+            <a:ext cx="7254875" cy="1622495"/>
+          </a:xfrm>
+          <a:prstGeom prst="rect">
+            <a:avLst/>
+          </a:prstGeom>
+        </p:spPr>
+        <p:txBody>
+          <a:bodyPr vert="horz" wrap="square" lIns="0" tIns="60960" rIns="0" bIns="0" rtlCol="0">
+            <a:spAutoFit/>
+          </a:bodyPr>
+          <a:lstStyle/>
+          <a:p>
+            <a:pPr marL="469900" marR="179070" lvl="1">
+              <a:lnSpc>
+                <a:spcPts val="3020"/>
+              </a:lnSpc>
+              <a:spcBef>
+                <a:spcPts val="480"/>
+              </a:spcBef>
+              <a:tabLst>
+                <a:tab pos="241300" algn="l"/>
+              </a:tabLst>
+            </a:pPr>
+            <a:r>
+              <a:rPr lang="it-IT" sz="1600" spc="-10" dirty="0">
+                <a:latin typeface="Calibri"/>
+                <a:cs typeface="Calibri"/>
+              </a:rPr>
+              <a:t>Tramite l’intermediazione con room viene facilitato tutto il meccanismo di comunicazione con il database, inoltre tramite un meccanismo di astrazione il programmatore sa esattamente il livello di astrazione con cui dover interagire.</a:t>
+            </a:r>
+          </a:p>
+          <a:p>
+            <a:pPr marL="469900" marR="179070" lvl="1">
+              <a:lnSpc>
+                <a:spcPts val="3020"/>
+              </a:lnSpc>
+              <a:spcBef>
+                <a:spcPts val="480"/>
+              </a:spcBef>
+              <a:tabLst>
+                <a:tab pos="241300" algn="l"/>
+              </a:tabLst>
+            </a:pPr>
+            <a:r>
+              <a:rPr lang="it-IT" sz="1600" spc="-10" dirty="0">
+                <a:latin typeface="Calibri"/>
+                <a:cs typeface="Calibri"/>
+              </a:rPr>
+              <a:t>Grazie a questo livello di astrazione viene impossibilitato l’accesso diretto ai dati </a:t>
+            </a:r>
+          </a:p>
+        </p:txBody>
+      </p:sp>
+    </p:spTree>
+    <p:extLst>
+      <p:ext uri="{BB962C8B-B14F-4D97-AF65-F5344CB8AC3E}">
+        <p14:creationId xmlns:p14="http://schemas.microsoft.com/office/powerpoint/2010/main" val="3581261143"/>
+      </p:ext>
+    </p:extLst>
+  </p:cSld>
+  <p:clrMapOvr>
+    <a:masterClrMapping/>
+  </p:clrMapOvr>
+</p:sld>
+</file>
+
+<file path=ppt/slides/slide2.xml><?xml version="1.0" encoding="utf-8"?>
+<p:sld xmlns:a="http://schemas.openxmlformats.org/drawingml/2006/main" xmlns:r="http://schemas.openxmlformats.org/officeDocument/2006/relationships" xmlns:p="http://schemas.openxmlformats.org/presentationml/2006/main" showMasterSp="0">
+  <p:cSld>
+    <p:spTree>
+      <p:nvGrpSpPr>
+        <p:cNvPr id="1" name=""/>
+        <p:cNvGrpSpPr/>
+        <p:nvPr/>
+      </p:nvGrpSpPr>
+      <p:grpSpPr>
+        <a:xfrm>
+          <a:off x="0" y="0"/>
+          <a:ext cx="0" cy="0"/>
+          <a:chOff x="0" y="0"/>
+          <a:chExt cx="0" cy="0"/>
+        </a:xfrm>
+      </p:grpSpPr>
+      <p:sp>
+        <p:nvSpPr>
+          <p:cNvPr id="2" name="object 2"/>
+          <p:cNvSpPr txBox="1"/>
+          <p:nvPr/>
+        </p:nvSpPr>
+        <p:spPr>
+          <a:xfrm>
+            <a:off x="707542" y="6427114"/>
+            <a:ext cx="764540" cy="208279"/>
+          </a:xfrm>
+          <a:prstGeom prst="rect">
+            <a:avLst/>
+          </a:prstGeom>
+        </p:spPr>
+        <p:txBody>
+          <a:bodyPr vert="horz" wrap="square" lIns="0" tIns="12700" rIns="0" bIns="0" rtlCol="0">
+            <a:spAutoFit/>
+          </a:bodyPr>
+          <a:lstStyle/>
+          <a:p>
+            <a:pPr marL="12700">
+              <a:lnSpc>
+                <a:spcPct val="100000"/>
+              </a:lnSpc>
+              <a:spcBef>
+                <a:spcPts val="100"/>
+              </a:spcBef>
+            </a:pPr>
+            <a:r>
+              <a:rPr sz="1200" dirty="0">
+                <a:solidFill>
+                  <a:srgbClr val="888888"/>
+                </a:solidFill>
+                <a:latin typeface="Calibri"/>
+                <a:cs typeface="Calibri"/>
+              </a:rPr>
+              <a:t>0</a:t>
+            </a:r>
+            <a:r>
+              <a:rPr sz="1200" spc="5" dirty="0">
+                <a:solidFill>
+                  <a:srgbClr val="888888"/>
+                </a:solidFill>
+                <a:latin typeface="Calibri"/>
+                <a:cs typeface="Calibri"/>
+              </a:rPr>
+              <a:t>5</a:t>
+            </a:r>
+            <a:r>
+              <a:rPr sz="1200" dirty="0">
+                <a:solidFill>
+                  <a:srgbClr val="888888"/>
+                </a:solidFill>
+                <a:latin typeface="Calibri"/>
+                <a:cs typeface="Calibri"/>
+              </a:rPr>
+              <a:t>/0</a:t>
+            </a:r>
+            <a:r>
+              <a:rPr sz="1200" spc="5" dirty="0">
+                <a:solidFill>
+                  <a:srgbClr val="888888"/>
+                </a:solidFill>
+                <a:latin typeface="Calibri"/>
+                <a:cs typeface="Calibri"/>
+              </a:rPr>
+              <a:t>5</a:t>
+            </a:r>
+            <a:r>
+              <a:rPr sz="1200" dirty="0">
+                <a:solidFill>
+                  <a:srgbClr val="888888"/>
+                </a:solidFill>
+                <a:latin typeface="Calibri"/>
+                <a:cs typeface="Calibri"/>
+              </a:rPr>
+              <a:t>/2</a:t>
+            </a:r>
+            <a:r>
+              <a:rPr sz="1200" spc="5" dirty="0">
+                <a:solidFill>
+                  <a:srgbClr val="888888"/>
+                </a:solidFill>
+                <a:latin typeface="Calibri"/>
+                <a:cs typeface="Calibri"/>
+              </a:rPr>
+              <a:t>0</a:t>
+            </a:r>
+            <a:r>
+              <a:rPr sz="1200" dirty="0">
+                <a:solidFill>
+                  <a:srgbClr val="888888"/>
+                </a:solidFill>
+                <a:latin typeface="Calibri"/>
+                <a:cs typeface="Calibri"/>
+              </a:rPr>
+              <a:t>23</a:t>
+            </a:r>
+            <a:endParaRPr sz="1200">
+              <a:latin typeface="Calibri"/>
+              <a:cs typeface="Calibri"/>
+            </a:endParaRPr>
+          </a:p>
+        </p:txBody>
+      </p:sp>
+      <p:sp>
+        <p:nvSpPr>
+          <p:cNvPr id="5" name="Segnaposto data 4">
+            <a:extLst>
+              <a:ext uri="{FF2B5EF4-FFF2-40B4-BE49-F238E27FC236}">
+                <a16:creationId xmlns:a16="http://schemas.microsoft.com/office/drawing/2014/main" id="{3D493355-2017-15AE-8E1A-6179B572A57D}"/>
+              </a:ext>
+            </a:extLst>
+          </p:cNvPr>
+          <p:cNvSpPr>
+            <a:spLocks noGrp="1"/>
+          </p:cNvSpPr>
+          <p:nvPr>
+            <p:ph type="dt" sz="half" idx="6"/>
+          </p:nvPr>
+        </p:nvSpPr>
+        <p:spPr/>
+        <p:txBody>
+          <a:bodyPr/>
+          <a:lstStyle/>
+          <a:p>
+            <a:pPr marL="12700">
+              <a:lnSpc>
+                <a:spcPts val="1240"/>
+              </a:lnSpc>
+            </a:pPr>
+            <a:r>
+              <a:rPr lang="it-IT"/>
+              <a:t>06/07/2023</a:t>
+            </a:r>
+            <a:endParaRPr lang="it-IT" dirty="0"/>
+          </a:p>
+        </p:txBody>
+      </p:sp>
+      <p:sp>
+        <p:nvSpPr>
+          <p:cNvPr id="6" name="Segnaposto piè di pagina 5">
+            <a:extLst>
+              <a:ext uri="{FF2B5EF4-FFF2-40B4-BE49-F238E27FC236}">
+                <a16:creationId xmlns:a16="http://schemas.microsoft.com/office/drawing/2014/main" id="{D65EC6AC-EFEE-4310-6A5A-28EFFCBEA084}"/>
+              </a:ext>
+            </a:extLst>
+          </p:cNvPr>
+          <p:cNvSpPr>
+            <a:spLocks noGrp="1"/>
+          </p:cNvSpPr>
+          <p:nvPr>
+            <p:ph type="ftr" sz="quarter" idx="5"/>
+          </p:nvPr>
+        </p:nvSpPr>
+        <p:spPr/>
+        <p:txBody>
+          <a:bodyPr/>
+          <a:lstStyle/>
+          <a:p>
+            <a:pPr marL="12700">
+              <a:lnSpc>
+                <a:spcPts val="1240"/>
+              </a:lnSpc>
+            </a:pPr>
+            <a:r>
+              <a:rPr lang="it-IT"/>
+              <a:t>Mobile</a:t>
+            </a:r>
+            <a:r>
+              <a:rPr lang="it-IT" spc="-55"/>
+              <a:t> </a:t>
+            </a:r>
+            <a:r>
+              <a:rPr lang="it-IT" spc="-5"/>
+              <a:t>Programming</a:t>
+            </a:r>
+            <a:r>
+              <a:rPr lang="it-IT" spc="-40"/>
+              <a:t> </a:t>
+            </a:r>
+            <a:r>
+              <a:rPr lang="it-IT"/>
+              <a:t>2022/2023</a:t>
+            </a:r>
+            <a:endParaRPr lang="it-IT" dirty="0"/>
+          </a:p>
+        </p:txBody>
+      </p:sp>
+      <p:pic>
+        <p:nvPicPr>
+          <p:cNvPr id="11" name="Immagine 10">
+            <a:extLst>
+              <a:ext uri="{FF2B5EF4-FFF2-40B4-BE49-F238E27FC236}">
+                <a16:creationId xmlns:a16="http://schemas.microsoft.com/office/drawing/2014/main" id="{383E511C-4392-2E3C-9E32-845BBCEF3B49}"/>
+              </a:ext>
+            </a:extLst>
+          </p:cNvPr>
+          <p:cNvPicPr>
+            <a:picLocks noChangeAspect="1"/>
+          </p:cNvPicPr>
+          <p:nvPr/>
+        </p:nvPicPr>
+        <p:blipFill rotWithShape="1">
+          <a:blip r:embed="rId2"/>
+          <a:srcRect l="22222" t="37037" r="24074" b="33333"/>
+          <a:stretch/>
+        </p:blipFill>
+        <p:spPr>
+          <a:xfrm>
+            <a:off x="7315200" y="381000"/>
+            <a:ext cx="1250501" cy="689931"/>
+          </a:xfrm>
+          <a:prstGeom prst="rect">
+            <a:avLst/>
+          </a:prstGeom>
+          <a:effectLst>
+            <a:outerShdw blurRad="330200" dist="38100" dir="5400000" algn="t" rotWithShape="0">
+              <a:prstClr val="black">
+                <a:alpha val="76000"/>
+              </a:prstClr>
+            </a:outerShdw>
+          </a:effectLst>
+        </p:spPr>
+      </p:pic>
+      <p:sp>
+        <p:nvSpPr>
+          <p:cNvPr id="12" name="object 2">
+            <a:extLst>
+              <a:ext uri="{FF2B5EF4-FFF2-40B4-BE49-F238E27FC236}">
+                <a16:creationId xmlns:a16="http://schemas.microsoft.com/office/drawing/2014/main" id="{A8B449FE-4217-D30A-378E-1700D58FFDA4}"/>
+              </a:ext>
+            </a:extLst>
+          </p:cNvPr>
+          <p:cNvSpPr txBox="1">
+            <a:spLocks noGrp="1"/>
+          </p:cNvSpPr>
+          <p:nvPr>
+            <p:ph type="title"/>
+          </p:nvPr>
+        </p:nvSpPr>
+        <p:spPr>
+          <a:xfrm>
+            <a:off x="457200" y="457200"/>
             <a:ext cx="4038600" cy="689932"/>
           </a:xfrm>
           <a:prstGeom prst="rect">
@@ -2617,7 +4483,7 @@
         <p:spPr>
           <a:xfrm>
             <a:off x="457200" y="1371600"/>
-            <a:ext cx="6705600" cy="2622513"/>
+            <a:ext cx="6705600" cy="2140330"/>
           </a:xfrm>
           <a:prstGeom prst="rect">
             <a:avLst/>
@@ -2628,28 +4494,6 @@
             <a:spAutoFit/>
           </a:bodyPr>
           <a:lstStyle/>
-          <a:p>
-            <a:pPr marL="241300" indent="-228600">
-              <a:lnSpc>
-                <a:spcPct val="100000"/>
-              </a:lnSpc>
-              <a:spcBef>
-                <a:spcPts val="770"/>
-              </a:spcBef>
-              <a:buFont typeface="Arial MT"/>
-              <a:buChar char="•"/>
-              <a:tabLst>
-                <a:tab pos="241300" algn="l"/>
-              </a:tabLst>
-            </a:pPr>
-            <a:r>
-              <a:rPr lang="it-IT" dirty="0">
-                <a:latin typeface="Calibri"/>
-                <a:cs typeface="Calibri"/>
-              </a:rPr>
-              <a:t>In un mondo dove si fa sempre di più con l’informatica ci siamo chiesti fa una persona a costruire nuove relazioni e conoscere nuove persone. Ad oggi gli unici metodi che sembrano più papabili sembrano siano tramite social e app di incontri con tutte le difficolta del caso, ma in base a che cosa scelgo di scrivere a una persona</a:t>
-            </a:r>
-          </a:p>
           <a:p>
             <a:pPr marL="12700">
               <a:lnSpc>
@@ -2667,7 +4511,7 @@
                 <a:latin typeface="Calibri"/>
                 <a:cs typeface="Calibri"/>
               </a:rPr>
-              <a:t> 	sulla base di una foto ?</a:t>
+              <a:t>In un mondo dove si usano sempre più i social media, chi per chiacchierare, chi per passare il tempo, chi per distrarsi ci siamo chiesti cosa potevamo portare di innovativo sul mercato ? </a:t>
             </a:r>
           </a:p>
           <a:p>
@@ -2687,42 +4531,88 @@
                 <a:latin typeface="Calibri"/>
                 <a:cs typeface="Calibri"/>
               </a:rPr>
-              <a:t>	sulla base di quanto è curato il profilo ? </a:t>
-            </a:r>
-          </a:p>
-          <a:p>
-            <a:pPr marL="12700">
-              <a:lnSpc>
-                <a:spcPct val="100000"/>
-              </a:lnSpc>
-              <a:spcBef>
-                <a:spcPts val="770"/>
-              </a:spcBef>
-              <a:tabLst>
-                <a:tab pos="241300" algn="l"/>
-              </a:tabLst>
-            </a:pPr>
-            <a:r>
-              <a:rPr lang="it-IT" dirty="0">
-                <a:latin typeface="Calibri"/>
-                <a:cs typeface="Calibri"/>
-              </a:rPr>
-              <a:t>Perché dover demandare una tale scelta cosi critica all aspetto estetico</a:t>
-            </a:r>
+              <a:t>Volevamo valutare un profilo utente che secondo noi non è stato attenzionato quanto dovrebbe, troppo spesso ormai siamo sempre più criticati e valutati sulla base della nostra estetica ma esiste un modo per far conoscere di piu la nostra personalità ? </a:t>
+            </a:r>
+          </a:p>
+        </p:txBody>
+      </p:sp>
+      <p:sp>
+        <p:nvSpPr>
+          <p:cNvPr id="17" name="Segnaposto numero diapositiva 16">
+            <a:extLst>
+              <a:ext uri="{FF2B5EF4-FFF2-40B4-BE49-F238E27FC236}">
+                <a16:creationId xmlns:a16="http://schemas.microsoft.com/office/drawing/2014/main" id="{AE88F6A4-BD43-D4D6-810D-B38E7A80D6C0}"/>
+              </a:ext>
+            </a:extLst>
+          </p:cNvPr>
+          <p:cNvSpPr>
+            <a:spLocks noGrp="1"/>
+          </p:cNvSpPr>
+          <p:nvPr>
+            <p:ph type="sldNum" sz="quarter" idx="7"/>
+          </p:nvPr>
+        </p:nvSpPr>
+        <p:spPr/>
+        <p:txBody>
+          <a:bodyPr/>
+          <a:lstStyle/>
+          <a:p>
+            <a:pPr marL="38100">
+              <a:lnSpc>
+                <a:spcPts val="1240"/>
+              </a:lnSpc>
+            </a:pPr>
+            <a:fld id="{81D60167-4931-47E6-BA6A-407CBD079E47}" type="slidenum">
+              <a:rPr lang="it-IT" smtClean="0"/>
+              <a:t>2</a:t>
+            </a:fld>
+            <a:endParaRPr lang="it-IT" dirty="0"/>
+          </a:p>
+        </p:txBody>
+      </p:sp>
+      <p:sp>
+        <p:nvSpPr>
+          <p:cNvPr id="4" name="CasellaDiTesto 3">
+            <a:extLst>
+              <a:ext uri="{FF2B5EF4-FFF2-40B4-BE49-F238E27FC236}">
+                <a16:creationId xmlns:a16="http://schemas.microsoft.com/office/drawing/2014/main" id="{31EFC87A-A8A5-2AD2-6B49-0B5401E4912F}"/>
+              </a:ext>
+            </a:extLst>
+          </p:cNvPr>
+          <p:cNvSpPr txBox="1"/>
+          <p:nvPr/>
+        </p:nvSpPr>
+        <p:spPr>
+          <a:xfrm>
+            <a:off x="2349744" y="3169599"/>
+            <a:ext cx="4699488" cy="369332"/>
+          </a:xfrm>
+          <a:prstGeom prst="rect">
+            <a:avLst/>
+          </a:prstGeom>
+          <a:noFill/>
+        </p:spPr>
+        <p:txBody>
+          <a:bodyPr wrap="square">
+            <a:spAutoFit/>
+          </a:bodyPr>
+          <a:lstStyle/>
+          <a:p>
+            <a:endParaRPr lang="it-IT" dirty="0"/>
           </a:p>
         </p:txBody>
       </p:sp>
       <p:pic>
         <p:nvPicPr>
-          <p:cNvPr id="15" name="Immagine 14" descr="Immagine che contiene Viso umano, vestiti, ragazzo, persona&#10;&#10;Descrizione generata automaticamente">
-            <a:extLst>
-              <a:ext uri="{FF2B5EF4-FFF2-40B4-BE49-F238E27FC236}">
-                <a16:creationId xmlns:a16="http://schemas.microsoft.com/office/drawing/2014/main" id="{279F8B1C-67B8-5A12-8D3B-9756755FF505}"/>
+          <p:cNvPr id="1026" name="Picture 2" descr="Immagine caricata">
+            <a:extLst>
+              <a:ext uri="{FF2B5EF4-FFF2-40B4-BE49-F238E27FC236}">
+                <a16:creationId xmlns:a16="http://schemas.microsoft.com/office/drawing/2014/main" id="{4D1F9249-8E29-5140-0E62-7A149BBE776A}"/>
               </a:ext>
             </a:extLst>
           </p:cNvPr>
           <p:cNvPicPr>
-            <a:picLocks noChangeAspect="1"/>
+            <a:picLocks noChangeAspect="1" noChangeArrowheads="1"/>
           </p:cNvPicPr>
           <p:nvPr/>
         </p:nvPicPr>
@@ -2734,51 +4624,100 @@
               </a:ext>
             </a:extLst>
           </a:blip>
+          <a:srcRect/>
           <a:stretch>
             <a:fillRect/>
           </a:stretch>
         </p:blipFill>
+        <p:spPr bwMode="auto">
+          <a:xfrm>
+            <a:off x="2635128" y="3623463"/>
+            <a:ext cx="3873744" cy="2692118"/>
+          </a:xfrm>
+          <a:prstGeom prst="rect">
+            <a:avLst/>
+          </a:prstGeom>
+          <a:noFill/>
+          <a:extLst>
+            <a:ext uri="{909E8E84-426E-40DD-AFC4-6F175D3DCCD1}">
+              <a14:hiddenFill xmlns:a14="http://schemas.microsoft.com/office/drawing/2010/main">
+                <a:solidFill>
+                  <a:srgbClr val="FFFFFF"/>
+                </a:solidFill>
+              </a14:hiddenFill>
+            </a:ext>
+          </a:extLst>
+        </p:spPr>
+      </p:pic>
+      <p:sp>
+        <p:nvSpPr>
+          <p:cNvPr id="7" name="object 4">
+            <a:extLst>
+              <a:ext uri="{FF2B5EF4-FFF2-40B4-BE49-F238E27FC236}">
+                <a16:creationId xmlns:a16="http://schemas.microsoft.com/office/drawing/2014/main" id="{46149EE8-4597-7D1E-BA22-50495EF9D38B}"/>
+              </a:ext>
+            </a:extLst>
+          </p:cNvPr>
+          <p:cNvSpPr txBox="1">
+            <a:spLocks/>
+          </p:cNvSpPr>
+          <p:nvPr/>
+        </p:nvSpPr>
         <p:spPr>
           <a:xfrm>
-            <a:off x="2819400" y="4075897"/>
-            <a:ext cx="3195677" cy="2307533"/>
+            <a:off x="7315200" y="112570"/>
+            <a:ext cx="5201411" cy="320601"/>
           </a:xfrm>
           <a:prstGeom prst="rect">
             <a:avLst/>
           </a:prstGeom>
         </p:spPr>
-      </p:pic>
-      <p:sp>
-        <p:nvSpPr>
-          <p:cNvPr id="17" name="Segnaposto numero diapositiva 16">
-            <a:extLst>
-              <a:ext uri="{FF2B5EF4-FFF2-40B4-BE49-F238E27FC236}">
-                <a16:creationId xmlns:a16="http://schemas.microsoft.com/office/drawing/2014/main" id="{AE88F6A4-BD43-D4D6-810D-B38E7A80D6C0}"/>
-              </a:ext>
-            </a:extLst>
-          </p:cNvPr>
-          <p:cNvSpPr>
-            <a:spLocks noGrp="1"/>
-          </p:cNvSpPr>
-          <p:nvPr>
-            <p:ph type="sldNum" sz="quarter" idx="7"/>
-          </p:nvPr>
-        </p:nvSpPr>
-        <p:spPr/>
-        <p:txBody>
-          <a:bodyPr/>
-          <a:lstStyle/>
-          <a:p>
-            <a:pPr marL="38100">
-              <a:lnSpc>
-                <a:spcPts val="1240"/>
-              </a:lnSpc>
-            </a:pPr>
-            <a:fld id="{81D60167-4931-47E6-BA6A-407CBD079E47}" type="slidenum">
-              <a:rPr lang="it-IT" smtClean="0"/>
-              <a:t>2</a:t>
-            </a:fld>
-            <a:endParaRPr lang="it-IT" dirty="0"/>
+        <p:txBody>
+          <a:bodyPr vert="horz" wrap="square" lIns="0" tIns="12700" rIns="0" bIns="0" rtlCol="0">
+            <a:spAutoFit/>
+          </a:bodyPr>
+          <a:lstStyle>
+            <a:lvl1pPr>
+              <a:defRPr sz="6000" b="0" i="0">
+                <a:solidFill>
+                  <a:schemeClr val="tx1"/>
+                </a:solidFill>
+                <a:latin typeface="Calibri Light"/>
+                <a:ea typeface="+mj-ea"/>
+                <a:cs typeface="Calibri Light"/>
+              </a:defRPr>
+            </a:lvl1pPr>
+          </a:lstStyle>
+          <a:p>
+            <a:pPr marL="15240">
+              <a:spcBef>
+                <a:spcPts val="100"/>
+              </a:spcBef>
+            </a:pPr>
+            <a:r>
+              <a:rPr lang="it-IT" sz="2000" b="1" kern="0" spc="-45" dirty="0" err="1">
+                <a:solidFill>
+                  <a:srgbClr val="387EFF"/>
+                </a:solidFill>
+                <a:latin typeface="Bold"/>
+              </a:rPr>
+              <a:t>Let</a:t>
+            </a:r>
+            <a:r>
+              <a:rPr lang="it-IT" sz="2000" b="1" kern="0" spc="-45" dirty="0">
+                <a:solidFill>
+                  <a:srgbClr val="387EFF"/>
+                </a:solidFill>
+                <a:latin typeface="Bold"/>
+              </a:rPr>
+              <a:t> Me Know </a:t>
+            </a:r>
+            <a:endParaRPr lang="it-IT" sz="2000" b="1" kern="0" dirty="0">
+              <a:solidFill>
+                <a:srgbClr val="387EFF"/>
+              </a:solidFill>
+              <a:latin typeface="Bold"/>
+            </a:endParaRPr>
           </a:p>
         </p:txBody>
       </p:sp>
@@ -3002,12 +4941,232 @@
           </a:p>
         </p:txBody>
       </p:sp>
+      <p:sp>
+        <p:nvSpPr>
+          <p:cNvPr id="12" name="object 2">
+            <a:extLst>
+              <a:ext uri="{FF2B5EF4-FFF2-40B4-BE49-F238E27FC236}">
+                <a16:creationId xmlns:a16="http://schemas.microsoft.com/office/drawing/2014/main" id="{A8B449FE-4217-D30A-378E-1700D58FFDA4}"/>
+              </a:ext>
+            </a:extLst>
+          </p:cNvPr>
+          <p:cNvSpPr txBox="1">
+            <a:spLocks noGrp="1"/>
+          </p:cNvSpPr>
+          <p:nvPr>
+            <p:ph type="title"/>
+          </p:nvPr>
+        </p:nvSpPr>
+        <p:spPr>
+          <a:xfrm>
+            <a:off x="457200" y="457200"/>
+            <a:ext cx="6172200" cy="689932"/>
+          </a:xfrm>
+          <a:prstGeom prst="rect">
+            <a:avLst/>
+          </a:prstGeom>
+        </p:spPr>
+        <p:txBody>
+          <a:bodyPr vert="horz" wrap="square" lIns="0" tIns="12700" rIns="0" bIns="0" rtlCol="0">
+            <a:spAutoFit/>
+          </a:bodyPr>
+          <a:lstStyle/>
+          <a:p>
+            <a:pPr marL="12700">
+              <a:lnSpc>
+                <a:spcPct val="100000"/>
+              </a:lnSpc>
+              <a:spcBef>
+                <a:spcPts val="100"/>
+              </a:spcBef>
+            </a:pPr>
+            <a:r>
+              <a:rPr lang="it-IT" sz="4400" b="1" spc="-20" dirty="0" err="1"/>
+              <a:t>Perche</a:t>
+            </a:r>
+            <a:r>
+              <a:rPr lang="it-IT" sz="4400" b="1" spc="-20" dirty="0"/>
+              <a:t> </a:t>
+            </a:r>
+            <a:r>
+              <a:rPr lang="it-IT" sz="4400" b="1" spc="-20" dirty="0" err="1"/>
+              <a:t>Let</a:t>
+            </a:r>
+            <a:r>
+              <a:rPr lang="it-IT" sz="4400" b="1" spc="-20" dirty="0"/>
+              <a:t> Me Know ?  </a:t>
+            </a:r>
+            <a:endParaRPr sz="4400" b="1" dirty="0"/>
+          </a:p>
+        </p:txBody>
+      </p:sp>
+      <p:sp>
+        <p:nvSpPr>
+          <p:cNvPr id="13" name="object 3">
+            <a:extLst>
+              <a:ext uri="{FF2B5EF4-FFF2-40B4-BE49-F238E27FC236}">
+                <a16:creationId xmlns:a16="http://schemas.microsoft.com/office/drawing/2014/main" id="{4E7ED224-3D32-D96F-2BF1-5E1FF6427BC8}"/>
+              </a:ext>
+            </a:extLst>
+          </p:cNvPr>
+          <p:cNvSpPr txBox="1"/>
+          <p:nvPr/>
+        </p:nvSpPr>
+        <p:spPr>
+          <a:xfrm>
+            <a:off x="364147" y="1272878"/>
+            <a:ext cx="6705600" cy="1760738"/>
+          </a:xfrm>
+          <a:prstGeom prst="rect">
+            <a:avLst/>
+          </a:prstGeom>
+        </p:spPr>
+        <p:txBody>
+          <a:bodyPr vert="horz" wrap="square" lIns="0" tIns="97790" rIns="0" bIns="0" rtlCol="0">
+            <a:spAutoFit/>
+          </a:bodyPr>
+          <a:lstStyle/>
+          <a:p>
+            <a:pPr marL="12700">
+              <a:lnSpc>
+                <a:spcPct val="100000"/>
+              </a:lnSpc>
+              <a:spcBef>
+                <a:spcPts val="770"/>
+              </a:spcBef>
+              <a:tabLst>
+                <a:tab pos="241300" algn="l"/>
+              </a:tabLst>
+            </a:pPr>
+            <a:r>
+              <a:rPr lang="it-IT" dirty="0">
+                <a:latin typeface="Calibri"/>
+                <a:cs typeface="Calibri"/>
+              </a:rPr>
+              <a:t>Il nostro impegno è quello di far costruire nuove relazioni non piu sulla base di un’ attrazione estetica  o in base a quanto una persona è popolare. Vogliamo che le persone possano instaurare un legame piu profondo , trovare un affinità nell’altra persona è sempre più difficile  e torniamo a evidenziare quanto sia improbabile trovare una persona affine a noi tramite delle foto in bacheca o dei suoi post.</a:t>
+            </a:r>
+          </a:p>
+        </p:txBody>
+      </p:sp>
+      <p:sp>
+        <p:nvSpPr>
+          <p:cNvPr id="17" name="Segnaposto numero diapositiva 16">
+            <a:extLst>
+              <a:ext uri="{FF2B5EF4-FFF2-40B4-BE49-F238E27FC236}">
+                <a16:creationId xmlns:a16="http://schemas.microsoft.com/office/drawing/2014/main" id="{AE88F6A4-BD43-D4D6-810D-B38E7A80D6C0}"/>
+              </a:ext>
+            </a:extLst>
+          </p:cNvPr>
+          <p:cNvSpPr>
+            <a:spLocks noGrp="1"/>
+          </p:cNvSpPr>
+          <p:nvPr>
+            <p:ph type="sldNum" sz="quarter" idx="7"/>
+          </p:nvPr>
+        </p:nvSpPr>
+        <p:spPr/>
+        <p:txBody>
+          <a:bodyPr/>
+          <a:lstStyle/>
+          <a:p>
+            <a:pPr marL="38100">
+              <a:lnSpc>
+                <a:spcPts val="1240"/>
+              </a:lnSpc>
+            </a:pPr>
+            <a:fld id="{81D60167-4931-47E6-BA6A-407CBD079E47}" type="slidenum">
+              <a:rPr lang="it-IT" smtClean="0"/>
+              <a:t>3</a:t>
+            </a:fld>
+            <a:endParaRPr lang="it-IT" dirty="0"/>
+          </a:p>
+        </p:txBody>
+      </p:sp>
+      <p:sp>
+        <p:nvSpPr>
+          <p:cNvPr id="4" name="CasellaDiTesto 3">
+            <a:extLst>
+              <a:ext uri="{FF2B5EF4-FFF2-40B4-BE49-F238E27FC236}">
+                <a16:creationId xmlns:a16="http://schemas.microsoft.com/office/drawing/2014/main" id="{31EFC87A-A8A5-2AD2-6B49-0B5401E4912F}"/>
+              </a:ext>
+            </a:extLst>
+          </p:cNvPr>
+          <p:cNvSpPr txBox="1"/>
+          <p:nvPr/>
+        </p:nvSpPr>
+        <p:spPr>
+          <a:xfrm>
+            <a:off x="2349744" y="3169599"/>
+            <a:ext cx="4699488" cy="369332"/>
+          </a:xfrm>
+          <a:prstGeom prst="rect">
+            <a:avLst/>
+          </a:prstGeom>
+          <a:noFill/>
+        </p:spPr>
+        <p:txBody>
+          <a:bodyPr wrap="square">
+            <a:spAutoFit/>
+          </a:bodyPr>
+          <a:lstStyle/>
+          <a:p>
+            <a:endParaRPr lang="it-IT" dirty="0"/>
+          </a:p>
+        </p:txBody>
+      </p:sp>
       <p:pic>
         <p:nvPicPr>
-          <p:cNvPr id="11" name="Immagine 10">
-            <a:extLst>
-              <a:ext uri="{FF2B5EF4-FFF2-40B4-BE49-F238E27FC236}">
-                <a16:creationId xmlns:a16="http://schemas.microsoft.com/office/drawing/2014/main" id="{383E511C-4392-2E3C-9E32-845BBCEF3B49}"/>
+          <p:cNvPr id="2050" name="Picture 2" descr="Immagine caricata">
+            <a:extLst>
+              <a:ext uri="{FF2B5EF4-FFF2-40B4-BE49-F238E27FC236}">
+                <a16:creationId xmlns:a16="http://schemas.microsoft.com/office/drawing/2014/main" id="{A76F8C19-81D4-FEFE-FD04-2416CA610FF7}"/>
+              </a:ext>
+            </a:extLst>
+          </p:cNvPr>
+          <p:cNvPicPr>
+            <a:picLocks noChangeAspect="1" noChangeArrowheads="1"/>
+          </p:cNvPicPr>
+          <p:nvPr/>
+        </p:nvPicPr>
+        <p:blipFill>
+          <a:blip r:embed="rId2" cstate="print">
+            <a:extLst>
+              <a:ext uri="{28A0092B-C50C-407E-A947-70E740481C1C}">
+                <a14:useLocalDpi xmlns:a14="http://schemas.microsoft.com/office/drawing/2010/main" val="0"/>
+              </a:ext>
+            </a:extLst>
+          </a:blip>
+          <a:srcRect/>
+          <a:stretch>
+            <a:fillRect/>
+          </a:stretch>
+        </p:blipFill>
+        <p:spPr bwMode="auto">
+          <a:xfrm>
+            <a:off x="2798190" y="3181322"/>
+            <a:ext cx="3547619" cy="2600355"/>
+          </a:xfrm>
+          <a:prstGeom prst="rect">
+            <a:avLst/>
+          </a:prstGeom>
+          <a:noFill/>
+          <a:extLst>
+            <a:ext uri="{909E8E84-426E-40DD-AFC4-6F175D3DCCD1}">
+              <a14:hiddenFill xmlns:a14="http://schemas.microsoft.com/office/drawing/2010/main">
+                <a:solidFill>
+                  <a:srgbClr val="FFFFFF"/>
+                </a:solidFill>
+              </a14:hiddenFill>
+            </a:ext>
+          </a:extLst>
+        </p:spPr>
+      </p:pic>
+      <p:pic>
+        <p:nvPicPr>
+          <p:cNvPr id="7" name="Immagine 6">
+            <a:extLst>
+              <a:ext uri="{FF2B5EF4-FFF2-40B4-BE49-F238E27FC236}">
+                <a16:creationId xmlns:a16="http://schemas.microsoft.com/office/drawing/2014/main" id="{AB19F1B4-323E-FF7A-61CB-2F1C6B55EF2C}"/>
               </a:ext>
             </a:extLst>
           </p:cNvPr>
@@ -3017,361 +5176,24 @@
           <p:nvPr/>
         </p:nvPicPr>
         <p:blipFill rotWithShape="1">
-          <a:blip r:embed="rId2"/>
-          <a:srcRect l="22222" t="37037" r="24074" b="33333"/>
+          <a:blip r:embed="rId3"/>
+          <a:srcRect r="65706"/>
           <a:stretch/>
         </p:blipFill>
         <p:spPr>
           <a:xfrm>
-            <a:off x="6858000" y="152400"/>
-            <a:ext cx="2209800" cy="1219200"/>
-          </a:xfrm>
-          <a:prstGeom prst="rect">
-            <a:avLst/>
-          </a:prstGeom>
-          <a:effectLst>
-            <a:outerShdw blurRad="330200" dist="38100" dir="5400000" algn="t" rotWithShape="0">
-              <a:prstClr val="black">
-                <a:alpha val="76000"/>
-              </a:prstClr>
-            </a:outerShdw>
-          </a:effectLst>
-        </p:spPr>
-      </p:pic>
-      <p:sp>
-        <p:nvSpPr>
-          <p:cNvPr id="12" name="object 2">
-            <a:extLst>
-              <a:ext uri="{FF2B5EF4-FFF2-40B4-BE49-F238E27FC236}">
-                <a16:creationId xmlns:a16="http://schemas.microsoft.com/office/drawing/2014/main" id="{A8B449FE-4217-D30A-378E-1700D58FFDA4}"/>
-              </a:ext>
-            </a:extLst>
-          </p:cNvPr>
-          <p:cNvSpPr txBox="1">
-            <a:spLocks noGrp="1"/>
-          </p:cNvSpPr>
-          <p:nvPr>
-            <p:ph type="title"/>
-          </p:nvPr>
-        </p:nvSpPr>
-        <p:spPr>
-          <a:xfrm>
-            <a:off x="457200" y="457200"/>
-            <a:ext cx="5791200" cy="1367041"/>
-          </a:xfrm>
-          <a:prstGeom prst="rect">
-            <a:avLst/>
-          </a:prstGeom>
-        </p:spPr>
-        <p:txBody>
-          <a:bodyPr vert="horz" wrap="square" lIns="0" tIns="12700" rIns="0" bIns="0" rtlCol="0">
-            <a:spAutoFit/>
-          </a:bodyPr>
-          <a:lstStyle/>
-          <a:p>
-            <a:pPr marL="12700">
-              <a:spcBef>
-                <a:spcPts val="100"/>
-              </a:spcBef>
-            </a:pPr>
-            <a:r>
-              <a:rPr lang="it-IT" sz="4400" b="1" kern="0" spc="-20" dirty="0"/>
-              <a:t>Soluzioni offerte dalla nostra app  </a:t>
-            </a:r>
-            <a:endParaRPr lang="it-IT" sz="4400" b="1" kern="0" dirty="0"/>
-          </a:p>
-        </p:txBody>
-      </p:sp>
-      <p:pic>
-        <p:nvPicPr>
-          <p:cNvPr id="15" name="Immagine 14" descr="Immagine che contiene Viso umano, vestiti, ragazzo, persona&#10;&#10;Descrizione generata automaticamente">
-            <a:extLst>
-              <a:ext uri="{FF2B5EF4-FFF2-40B4-BE49-F238E27FC236}">
-                <a16:creationId xmlns:a16="http://schemas.microsoft.com/office/drawing/2014/main" id="{279F8B1C-67B8-5A12-8D3B-9756755FF505}"/>
-              </a:ext>
-            </a:extLst>
-          </p:cNvPr>
-          <p:cNvPicPr>
-            <a:picLocks noChangeAspect="1"/>
-          </p:cNvPicPr>
-          <p:nvPr/>
-        </p:nvPicPr>
-        <p:blipFill>
-          <a:blip r:embed="rId3" cstate="print">
-            <a:extLst>
-              <a:ext uri="{28A0092B-C50C-407E-A947-70E740481C1C}">
-                <a14:useLocalDpi xmlns:a14="http://schemas.microsoft.com/office/drawing/2010/main" val="0"/>
-              </a:ext>
-            </a:extLst>
-          </a:blip>
-          <a:stretch>
-            <a:fillRect/>
-          </a:stretch>
-        </p:blipFill>
-        <p:spPr>
-          <a:xfrm>
-            <a:off x="2819400" y="4075897"/>
-            <a:ext cx="3195677" cy="2307533"/>
+            <a:off x="7010400" y="101065"/>
+            <a:ext cx="1898406" cy="1402202"/>
           </a:xfrm>
           <a:prstGeom prst="rect">
             <a:avLst/>
           </a:prstGeom>
         </p:spPr>
       </p:pic>
-      <p:sp>
-        <p:nvSpPr>
-          <p:cNvPr id="17" name="Segnaposto numero diapositiva 16">
-            <a:extLst>
-              <a:ext uri="{FF2B5EF4-FFF2-40B4-BE49-F238E27FC236}">
-                <a16:creationId xmlns:a16="http://schemas.microsoft.com/office/drawing/2014/main" id="{AE88F6A4-BD43-D4D6-810D-B38E7A80D6C0}"/>
-              </a:ext>
-            </a:extLst>
-          </p:cNvPr>
-          <p:cNvSpPr>
-            <a:spLocks noGrp="1"/>
-          </p:cNvSpPr>
-          <p:nvPr>
-            <p:ph type="sldNum" sz="quarter" idx="7"/>
-          </p:nvPr>
-        </p:nvSpPr>
-        <p:spPr/>
-        <p:txBody>
-          <a:bodyPr/>
-          <a:lstStyle/>
-          <a:p>
-            <a:pPr marL="38100">
-              <a:lnSpc>
-                <a:spcPts val="1240"/>
-              </a:lnSpc>
-            </a:pPr>
-            <a:fld id="{81D60167-4931-47E6-BA6A-407CBD079E47}" type="slidenum">
-              <a:rPr lang="it-IT" smtClean="0"/>
-              <a:t>3</a:t>
-            </a:fld>
-            <a:endParaRPr lang="it-IT" dirty="0"/>
-          </a:p>
-        </p:txBody>
-      </p:sp>
-      <p:sp>
-        <p:nvSpPr>
-          <p:cNvPr id="4" name="object 3">
-            <a:extLst>
-              <a:ext uri="{FF2B5EF4-FFF2-40B4-BE49-F238E27FC236}">
-                <a16:creationId xmlns:a16="http://schemas.microsoft.com/office/drawing/2014/main" id="{28987513-B6EE-29A1-4210-23314C207721}"/>
-              </a:ext>
-            </a:extLst>
-          </p:cNvPr>
-          <p:cNvSpPr txBox="1"/>
-          <p:nvPr/>
-        </p:nvSpPr>
-        <p:spPr>
-          <a:xfrm>
-            <a:off x="381000" y="1782914"/>
-            <a:ext cx="7254875" cy="411010"/>
-          </a:xfrm>
-          <a:prstGeom prst="rect">
-            <a:avLst/>
-          </a:prstGeom>
-        </p:spPr>
-        <p:txBody>
-          <a:bodyPr vert="horz" wrap="square" lIns="0" tIns="60960" rIns="0" bIns="0" rtlCol="0">
-            <a:spAutoFit/>
-          </a:bodyPr>
-          <a:lstStyle/>
-          <a:p>
-            <a:pPr marL="241300" marR="179070" indent="-228600">
-              <a:lnSpc>
-                <a:spcPts val="3020"/>
-              </a:lnSpc>
-              <a:spcBef>
-                <a:spcPts val="480"/>
-              </a:spcBef>
-              <a:buFont typeface="Arial MT"/>
-              <a:buChar char="•"/>
-              <a:tabLst>
-                <a:tab pos="241300" algn="l"/>
-              </a:tabLst>
-            </a:pPr>
-            <a:r>
-              <a:rPr lang="it-IT" spc="-10" dirty="0">
-                <a:latin typeface="Calibri"/>
-                <a:cs typeface="Calibri"/>
-              </a:rPr>
-              <a:t>Anonimato </a:t>
-            </a:r>
-            <a:endParaRPr sz="1600" dirty="0">
-              <a:latin typeface="Calibri"/>
-              <a:cs typeface="Calibri"/>
-            </a:endParaRPr>
-          </a:p>
-        </p:txBody>
-      </p:sp>
-      <p:sp>
-        <p:nvSpPr>
-          <p:cNvPr id="7" name="object 3">
-            <a:extLst>
-              <a:ext uri="{FF2B5EF4-FFF2-40B4-BE49-F238E27FC236}">
-                <a16:creationId xmlns:a16="http://schemas.microsoft.com/office/drawing/2014/main" id="{4A367D63-0ECB-8AB9-940C-D0FB97417489}"/>
-              </a:ext>
-            </a:extLst>
-          </p:cNvPr>
-          <p:cNvSpPr txBox="1"/>
-          <p:nvPr/>
-        </p:nvSpPr>
-        <p:spPr>
-          <a:xfrm>
-            <a:off x="429765" y="3148928"/>
-            <a:ext cx="7254875" cy="411010"/>
-          </a:xfrm>
-          <a:prstGeom prst="rect">
-            <a:avLst/>
-          </a:prstGeom>
-        </p:spPr>
-        <p:txBody>
-          <a:bodyPr vert="horz" wrap="square" lIns="0" tIns="60960" rIns="0" bIns="0" rtlCol="0">
-            <a:spAutoFit/>
-          </a:bodyPr>
-          <a:lstStyle/>
-          <a:p>
-            <a:pPr marL="241300" marR="179070" indent="-228600">
-              <a:lnSpc>
-                <a:spcPts val="3020"/>
-              </a:lnSpc>
-              <a:spcBef>
-                <a:spcPts val="480"/>
-              </a:spcBef>
-              <a:buFont typeface="Arial MT"/>
-              <a:buChar char="•"/>
-              <a:tabLst>
-                <a:tab pos="241300" algn="l"/>
-              </a:tabLst>
-            </a:pPr>
-            <a:r>
-              <a:rPr lang="it-IT" sz="1600" spc="-10" dirty="0">
-                <a:latin typeface="Calibri"/>
-                <a:cs typeface="Calibri"/>
-              </a:rPr>
-              <a:t>La possibilità di cercare nuovi utenti tramite dei parametri </a:t>
-            </a:r>
-            <a:endParaRPr sz="1600" dirty="0">
-              <a:latin typeface="Calibri"/>
-              <a:cs typeface="Calibri"/>
-            </a:endParaRPr>
-          </a:p>
-        </p:txBody>
-      </p:sp>
-      <p:sp>
-        <p:nvSpPr>
-          <p:cNvPr id="8" name="object 3">
-            <a:extLst>
-              <a:ext uri="{FF2B5EF4-FFF2-40B4-BE49-F238E27FC236}">
-                <a16:creationId xmlns:a16="http://schemas.microsoft.com/office/drawing/2014/main" id="{4A166520-DBB9-8676-4689-3E5F6BF123BF}"/>
-              </a:ext>
-            </a:extLst>
-          </p:cNvPr>
-          <p:cNvSpPr txBox="1"/>
-          <p:nvPr/>
-        </p:nvSpPr>
-        <p:spPr>
-          <a:xfrm>
-            <a:off x="414526" y="2842818"/>
-            <a:ext cx="7254875" cy="411010"/>
-          </a:xfrm>
-          <a:prstGeom prst="rect">
-            <a:avLst/>
-          </a:prstGeom>
-        </p:spPr>
-        <p:txBody>
-          <a:bodyPr vert="horz" wrap="square" lIns="0" tIns="60960" rIns="0" bIns="0" rtlCol="0">
-            <a:spAutoFit/>
-          </a:bodyPr>
-          <a:lstStyle/>
-          <a:p>
-            <a:pPr marL="241300" marR="179070" indent="-228600">
-              <a:lnSpc>
-                <a:spcPts val="3020"/>
-              </a:lnSpc>
-              <a:spcBef>
-                <a:spcPts val="480"/>
-              </a:spcBef>
-              <a:buFont typeface="Arial MT"/>
-              <a:buChar char="•"/>
-              <a:tabLst>
-                <a:tab pos="241300" algn="l"/>
-              </a:tabLst>
-            </a:pPr>
-            <a:r>
-              <a:rPr lang="it-IT" spc="-10" dirty="0">
-                <a:latin typeface="Calibri"/>
-                <a:cs typeface="Calibri"/>
-              </a:rPr>
-              <a:t>Inclusione di una chat fra utenti </a:t>
-            </a:r>
-            <a:endParaRPr sz="1600" dirty="0">
-              <a:latin typeface="Calibri"/>
-              <a:cs typeface="Calibri"/>
-            </a:endParaRPr>
-          </a:p>
-        </p:txBody>
-      </p:sp>
-      <p:sp>
-        <p:nvSpPr>
-          <p:cNvPr id="9" name="object 3">
-            <a:extLst>
-              <a:ext uri="{FF2B5EF4-FFF2-40B4-BE49-F238E27FC236}">
-                <a16:creationId xmlns:a16="http://schemas.microsoft.com/office/drawing/2014/main" id="{EC72F724-FF26-AEDA-0EB2-6918BEDDE905}"/>
-              </a:ext>
-            </a:extLst>
-          </p:cNvPr>
-          <p:cNvSpPr txBox="1"/>
-          <p:nvPr/>
-        </p:nvSpPr>
-        <p:spPr>
-          <a:xfrm>
-            <a:off x="380999" y="2170808"/>
-            <a:ext cx="7254875" cy="795731"/>
-          </a:xfrm>
-          <a:prstGeom prst="rect">
-            <a:avLst/>
-          </a:prstGeom>
-        </p:spPr>
-        <p:txBody>
-          <a:bodyPr vert="horz" wrap="square" lIns="0" tIns="60960" rIns="0" bIns="0" rtlCol="0">
-            <a:spAutoFit/>
-          </a:bodyPr>
-          <a:lstStyle/>
-          <a:p>
-            <a:pPr marL="241300" marR="179070" indent="-228600">
-              <a:lnSpc>
-                <a:spcPts val="3020"/>
-              </a:lnSpc>
-              <a:spcBef>
-                <a:spcPts val="480"/>
-              </a:spcBef>
-              <a:buFont typeface="Arial MT"/>
-              <a:buChar char="•"/>
-              <a:tabLst>
-                <a:tab pos="241300" algn="l"/>
-              </a:tabLst>
-            </a:pPr>
-            <a:r>
-              <a:rPr lang="it-IT" spc="-10" dirty="0">
-                <a:latin typeface="Calibri"/>
-                <a:cs typeface="Calibri"/>
-              </a:rPr>
-              <a:t>Descrizione caratteriale tramite dei parametri predefiniti empatia umorismo e ottimismo  </a:t>
-            </a:r>
-            <a:endParaRPr sz="1600" dirty="0">
-              <a:latin typeface="Calibri"/>
-              <a:cs typeface="Calibri"/>
-            </a:endParaRPr>
-          </a:p>
-        </p:txBody>
-      </p:sp>
     </p:spTree>
     <p:extLst>
       <p:ext uri="{BB962C8B-B14F-4D97-AF65-F5344CB8AC3E}">
-        <p14:creationId xmlns:p14="http://schemas.microsoft.com/office/powerpoint/2010/main" val="2589704543"/>
+        <p14:creationId xmlns:p14="http://schemas.microsoft.com/office/powerpoint/2010/main" val="937894226"/>
       </p:ext>
     </p:extLst>
   </p:cSld>
@@ -3504,126 +5326,137 @@
           </a:p>
         </p:txBody>
       </p:sp>
-      <p:sp>
-        <p:nvSpPr>
-          <p:cNvPr id="5" name="Segnaposto data 4">
-            <a:extLst>
-              <a:ext uri="{FF2B5EF4-FFF2-40B4-BE49-F238E27FC236}">
-                <a16:creationId xmlns:a16="http://schemas.microsoft.com/office/drawing/2014/main" id="{3D493355-2017-15AE-8E1A-6179B572A57D}"/>
-              </a:ext>
-            </a:extLst>
-          </p:cNvPr>
-          <p:cNvSpPr>
-            <a:spLocks noGrp="1"/>
-          </p:cNvSpPr>
-          <p:nvPr>
-            <p:ph type="dt" sz="half" idx="6"/>
-          </p:nvPr>
-        </p:nvSpPr>
-        <p:spPr/>
-        <p:txBody>
-          <a:bodyPr/>
-          <a:lstStyle/>
-          <a:p>
-            <a:pPr marL="12700">
-              <a:lnSpc>
-                <a:spcPts val="1240"/>
-              </a:lnSpc>
-            </a:pPr>
-            <a:r>
-              <a:rPr lang="it-IT"/>
-              <a:t>06/07/2023</a:t>
-            </a:r>
-            <a:endParaRPr lang="it-IT" dirty="0"/>
-          </a:p>
-        </p:txBody>
-      </p:sp>
-      <p:sp>
-        <p:nvSpPr>
-          <p:cNvPr id="6" name="Segnaposto piè di pagina 5">
-            <a:extLst>
-              <a:ext uri="{FF2B5EF4-FFF2-40B4-BE49-F238E27FC236}">
-                <a16:creationId xmlns:a16="http://schemas.microsoft.com/office/drawing/2014/main" id="{D65EC6AC-EFEE-4310-6A5A-28EFFCBEA084}"/>
-              </a:ext>
-            </a:extLst>
-          </p:cNvPr>
-          <p:cNvSpPr>
-            <a:spLocks noGrp="1"/>
-          </p:cNvSpPr>
-          <p:nvPr>
-            <p:ph type="ftr" sz="quarter" idx="5"/>
-          </p:nvPr>
-        </p:nvSpPr>
-        <p:spPr/>
-        <p:txBody>
-          <a:bodyPr/>
-          <a:lstStyle/>
-          <a:p>
-            <a:pPr marL="12700">
-              <a:lnSpc>
-                <a:spcPts val="1240"/>
-              </a:lnSpc>
-            </a:pPr>
-            <a:r>
-              <a:rPr lang="it-IT"/>
-              <a:t>Mobile</a:t>
-            </a:r>
-            <a:r>
-              <a:rPr lang="it-IT" spc="-55"/>
-              <a:t> </a:t>
-            </a:r>
-            <a:r>
-              <a:rPr lang="it-IT" spc="-5"/>
-              <a:t>Programming</a:t>
-            </a:r>
-            <a:r>
-              <a:rPr lang="it-IT" spc="-40"/>
-              <a:t> </a:t>
-            </a:r>
-            <a:r>
-              <a:rPr lang="it-IT"/>
-              <a:t>2022/2023</a:t>
-            </a:r>
-            <a:endParaRPr lang="it-IT" dirty="0"/>
-          </a:p>
-        </p:txBody>
-      </p:sp>
       <p:pic>
         <p:nvPicPr>
-          <p:cNvPr id="11" name="Immagine 10">
-            <a:extLst>
-              <a:ext uri="{FF2B5EF4-FFF2-40B4-BE49-F238E27FC236}">
-                <a16:creationId xmlns:a16="http://schemas.microsoft.com/office/drawing/2014/main" id="{383E511C-4392-2E3C-9E32-845BBCEF3B49}"/>
+          <p:cNvPr id="4098" name="Picture 2" descr="Immagine caricata">
+            <a:extLst>
+              <a:ext uri="{FF2B5EF4-FFF2-40B4-BE49-F238E27FC236}">
+                <a16:creationId xmlns:a16="http://schemas.microsoft.com/office/drawing/2014/main" id="{424404D0-FD48-87CC-9665-F007F97B2BC3}"/>
               </a:ext>
             </a:extLst>
           </p:cNvPr>
           <p:cNvPicPr>
-            <a:picLocks noChangeAspect="1"/>
+            <a:picLocks noChangeAspect="1" noChangeArrowheads="1"/>
           </p:cNvPicPr>
           <p:nvPr/>
         </p:nvPicPr>
-        <p:blipFill rotWithShape="1">
-          <a:blip r:embed="rId2"/>
-          <a:srcRect l="22222" t="37037" r="24074" b="33333"/>
-          <a:stretch/>
+        <p:blipFill>
+          <a:blip r:embed="rId2" cstate="print">
+            <a:extLst>
+              <a:ext uri="{28A0092B-C50C-407E-A947-70E740481C1C}">
+                <a14:useLocalDpi xmlns:a14="http://schemas.microsoft.com/office/drawing/2010/main" val="0"/>
+              </a:ext>
+            </a:extLst>
+          </a:blip>
+          <a:srcRect/>
+          <a:stretch>
+            <a:fillRect/>
+          </a:stretch>
         </p:blipFill>
-        <p:spPr>
+        <p:spPr bwMode="auto">
           <a:xfrm>
-            <a:off x="6858000" y="152400"/>
-            <a:ext cx="2209800" cy="1219200"/>
+            <a:off x="6193449" y="4114800"/>
+            <a:ext cx="2752725" cy="2202181"/>
           </a:xfrm>
           <a:prstGeom prst="rect">
             <a:avLst/>
           </a:prstGeom>
-          <a:effectLst>
-            <a:outerShdw blurRad="330200" dist="38100" dir="5400000" algn="t" rotWithShape="0">
-              <a:prstClr val="black">
-                <a:alpha val="76000"/>
-              </a:prstClr>
-            </a:outerShdw>
-          </a:effectLst>
+          <a:noFill/>
+          <a:extLst>
+            <a:ext uri="{909E8E84-426E-40DD-AFC4-6F175D3DCCD1}">
+              <a14:hiddenFill xmlns:a14="http://schemas.microsoft.com/office/drawing/2010/main">
+                <a:solidFill>
+                  <a:srgbClr val="FFFFFF"/>
+                </a:solidFill>
+              </a14:hiddenFill>
+            </a:ext>
+          </a:extLst>
         </p:spPr>
       </p:pic>
+      <p:sp>
+        <p:nvSpPr>
+          <p:cNvPr id="5" name="Segnaposto data 4">
+            <a:extLst>
+              <a:ext uri="{FF2B5EF4-FFF2-40B4-BE49-F238E27FC236}">
+                <a16:creationId xmlns:a16="http://schemas.microsoft.com/office/drawing/2014/main" id="{3D493355-2017-15AE-8E1A-6179B572A57D}"/>
+              </a:ext>
+            </a:extLst>
+          </p:cNvPr>
+          <p:cNvSpPr>
+            <a:spLocks noGrp="1"/>
+          </p:cNvSpPr>
+          <p:nvPr>
+            <p:ph type="dt" sz="half" idx="6"/>
+          </p:nvPr>
+        </p:nvSpPr>
+        <p:spPr/>
+        <p:txBody>
+          <a:bodyPr/>
+          <a:lstStyle/>
+          <a:p>
+            <a:pPr marL="12700">
+              <a:lnSpc>
+                <a:spcPts val="1240"/>
+              </a:lnSpc>
+            </a:pPr>
+            <a:r>
+              <a:rPr lang="it-IT"/>
+              <a:t>06/07/2023</a:t>
+            </a:r>
+            <a:endParaRPr lang="it-IT" dirty="0"/>
+          </a:p>
+        </p:txBody>
+      </p:sp>
+      <p:sp>
+        <p:nvSpPr>
+          <p:cNvPr id="6" name="Segnaposto piè di pagina 5">
+            <a:extLst>
+              <a:ext uri="{FF2B5EF4-FFF2-40B4-BE49-F238E27FC236}">
+                <a16:creationId xmlns:a16="http://schemas.microsoft.com/office/drawing/2014/main" id="{D65EC6AC-EFEE-4310-6A5A-28EFFCBEA084}"/>
+              </a:ext>
+            </a:extLst>
+          </p:cNvPr>
+          <p:cNvSpPr>
+            <a:spLocks noGrp="1"/>
+          </p:cNvSpPr>
+          <p:nvPr>
+            <p:ph type="ftr" sz="quarter" idx="5"/>
+          </p:nvPr>
+        </p:nvSpPr>
+        <p:spPr/>
+        <p:txBody>
+          <a:bodyPr/>
+          <a:lstStyle/>
+          <a:p>
+            <a:pPr marL="12700">
+              <a:lnSpc>
+                <a:spcPts val="1240"/>
+              </a:lnSpc>
+            </a:pPr>
+            <a:r>
+              <a:rPr lang="it-IT"/>
+              <a:t>Mobile</a:t>
+            </a:r>
+            <a:r>
+              <a:rPr lang="it-IT" spc="-55"/>
+              <a:t> </a:t>
+            </a:r>
+            <a:r>
+              <a:rPr lang="it-IT" spc="-5"/>
+              <a:t>Programming</a:t>
+            </a:r>
+            <a:r>
+              <a:rPr lang="it-IT" spc="-40"/>
+              <a:t> </a:t>
+            </a:r>
+            <a:r>
+              <a:rPr lang="it-IT"/>
+              <a:t>2022/2023</a:t>
+            </a:r>
+            <a:endParaRPr lang="it-IT" dirty="0"/>
+          </a:p>
+        </p:txBody>
+      </p:sp>
       <p:sp>
         <p:nvSpPr>
           <p:cNvPr id="12" name="object 2">
@@ -3642,8 +5475,8 @@
         </p:nvSpPr>
         <p:spPr>
           <a:xfrm>
-            <a:off x="457200" y="457200"/>
-            <a:ext cx="5791200" cy="1243930"/>
+            <a:off x="429765" y="281752"/>
+            <a:ext cx="5791200" cy="1367041"/>
           </a:xfrm>
           <a:prstGeom prst="rect">
             <a:avLst/>
@@ -3661,10 +5494,10 @@
               </a:spcBef>
             </a:pPr>
             <a:r>
-              <a:rPr lang="it-IT" sz="4000" b="1" kern="0" spc="-20" dirty="0"/>
-              <a:t>Soluzioni da implementare in versioni successive </a:t>
-            </a:r>
-            <a:endParaRPr lang="it-IT" sz="4000" b="1" kern="0" dirty="0"/>
+              <a:rPr lang="it-IT" sz="4400" b="1" kern="0" spc="-20" dirty="0"/>
+              <a:t>Soluzioni offerte dalla nostra app  </a:t>
+            </a:r>
+            <a:endParaRPr lang="it-IT" sz="4400" b="1" kern="0" dirty="0"/>
           </a:p>
         </p:txBody>
       </p:sp>
@@ -3704,10 +5537,10 @@
       </p:sp>
       <p:sp>
         <p:nvSpPr>
-          <p:cNvPr id="3" name="object 3">
-            <a:extLst>
-              <a:ext uri="{FF2B5EF4-FFF2-40B4-BE49-F238E27FC236}">
-                <a16:creationId xmlns:a16="http://schemas.microsoft.com/office/drawing/2014/main" id="{20896BFC-5460-8B18-EE59-70F26D6808F2}"/>
+          <p:cNvPr id="4" name="object 3">
+            <a:extLst>
+              <a:ext uri="{FF2B5EF4-FFF2-40B4-BE49-F238E27FC236}">
+                <a16:creationId xmlns:a16="http://schemas.microsoft.com/office/drawing/2014/main" id="{28987513-B6EE-29A1-4210-23314C207721}"/>
               </a:ext>
             </a:extLst>
           </p:cNvPr>
@@ -3717,7 +5550,7 @@
         <p:spPr>
           <a:xfrm>
             <a:off x="381000" y="1782914"/>
-            <a:ext cx="7254875" cy="795731"/>
+            <a:ext cx="7254875" cy="3033138"/>
           </a:xfrm>
           <a:prstGeom prst="rect">
             <a:avLst/>
@@ -3729,7 +5562,7 @@
           </a:bodyPr>
           <a:lstStyle/>
           <a:p>
-            <a:pPr marL="241300" marR="179070" indent="-228600">
+            <a:pPr marL="72000" marR="179070" indent="-228600">
               <a:lnSpc>
                 <a:spcPts val="3020"/>
               </a:lnSpc>
@@ -3743,47 +5576,15 @@
               </a:tabLst>
             </a:pPr>
             <a:r>
-              <a:rPr lang="it-IT" spc="-10" dirty="0">
-                <a:latin typeface="Calibri"/>
-                <a:cs typeface="Calibri"/>
-              </a:rPr>
-              <a:t>Form rivolti all’utente volti al valutare i parametri di empatia ottimismo e umorismo </a:t>
-            </a:r>
-            <a:endParaRPr sz="1600" dirty="0">
-              <a:latin typeface="Calibri"/>
-              <a:cs typeface="Calibri"/>
-            </a:endParaRPr>
-          </a:p>
-        </p:txBody>
-      </p:sp>
-      <p:sp>
-        <p:nvSpPr>
-          <p:cNvPr id="4" name="object 3">
-            <a:extLst>
-              <a:ext uri="{FF2B5EF4-FFF2-40B4-BE49-F238E27FC236}">
-                <a16:creationId xmlns:a16="http://schemas.microsoft.com/office/drawing/2014/main" id="{0B03B6F9-1199-E5BD-883C-646C5F36755E}"/>
-              </a:ext>
-            </a:extLst>
-          </p:cNvPr>
-          <p:cNvSpPr txBox="1"/>
-          <p:nvPr/>
-        </p:nvSpPr>
-        <p:spPr>
-          <a:xfrm>
-            <a:off x="381000" y="2438484"/>
-            <a:ext cx="7254875" cy="795731"/>
-          </a:xfrm>
-          <a:prstGeom prst="rect">
-            <a:avLst/>
-          </a:prstGeom>
-        </p:spPr>
-        <p:txBody>
-          <a:bodyPr vert="horz" wrap="square" lIns="0" tIns="60960" rIns="0" bIns="0" rtlCol="0">
-            <a:spAutoFit/>
-          </a:bodyPr>
-          <a:lstStyle/>
-          <a:p>
-            <a:pPr marL="241300" marR="179070" indent="-228600">
+              <a:rPr lang="it-IT" sz="1600" spc="-10" dirty="0">
+                <a:latin typeface="Calibri"/>
+                <a:cs typeface="Calibri"/>
+              </a:rPr>
+              <a:t>Anonimato </a:t>
+            </a:r>
+          </a:p>
+          <a:p>
+            <a:pPr marL="72000" marR="179070" indent="-228600">
               <a:lnSpc>
                 <a:spcPts val="3020"/>
               </a:lnSpc>
@@ -3797,47 +5598,15 @@
               </a:tabLst>
             </a:pPr>
             <a:r>
-              <a:rPr lang="it-IT" sz="1800" spc="-10" dirty="0">
-                <a:latin typeface="Calibri"/>
-                <a:cs typeface="Calibri"/>
-              </a:rPr>
-              <a:t>Un profilo utente con una descrizione del proprio carattere personale in modo più ampio</a:t>
-            </a:r>
-            <a:endParaRPr lang="it-IT" sz="1600" dirty="0">
-              <a:latin typeface="Calibri"/>
-              <a:cs typeface="Calibri"/>
-            </a:endParaRPr>
-          </a:p>
-        </p:txBody>
-      </p:sp>
-      <p:sp>
-        <p:nvSpPr>
-          <p:cNvPr id="7" name="object 3">
-            <a:extLst>
-              <a:ext uri="{FF2B5EF4-FFF2-40B4-BE49-F238E27FC236}">
-                <a16:creationId xmlns:a16="http://schemas.microsoft.com/office/drawing/2014/main" id="{6AE8DF1C-D991-06BD-D940-96832853B870}"/>
-              </a:ext>
-            </a:extLst>
-          </p:cNvPr>
-          <p:cNvSpPr txBox="1"/>
-          <p:nvPr/>
-        </p:nvSpPr>
-        <p:spPr>
-          <a:xfrm>
-            <a:off x="420624" y="3107199"/>
-            <a:ext cx="7254875" cy="1565172"/>
-          </a:xfrm>
-          <a:prstGeom prst="rect">
-            <a:avLst/>
-          </a:prstGeom>
-        </p:spPr>
-        <p:txBody>
-          <a:bodyPr vert="horz" wrap="square" lIns="0" tIns="60960" rIns="0" bIns="0" rtlCol="0">
-            <a:spAutoFit/>
-          </a:bodyPr>
-          <a:lstStyle/>
-          <a:p>
-            <a:pPr marL="241300" marR="179070" indent="-228600">
+              <a:rPr lang="it-IT" sz="1600" spc="-10" dirty="0">
+                <a:latin typeface="Calibri"/>
+                <a:cs typeface="Calibri"/>
+              </a:rPr>
+              <a:t>Descrizione del proprio carattere tramite parametri predefiniti e uno spazio dedicato </a:t>
+            </a:r>
+          </a:p>
+          <a:p>
+            <a:pPr marL="72000" marR="179070" indent="-228600">
               <a:lnSpc>
                 <a:spcPts val="3020"/>
               </a:lnSpc>
@@ -3851,23 +5620,118 @@
               </a:tabLst>
             </a:pPr>
             <a:r>
-              <a:rPr lang="it-IT" sz="1800" spc="-10" dirty="0">
-                <a:latin typeface="Calibri"/>
-                <a:cs typeface="Calibri"/>
-              </a:rPr>
-              <a:t>Una seconda tipologia di utenti psicologi che possano essere un riferimento per gli utenti che vogliano avviarsi verso un percorso di terapia, ove un utente decide di farsi seguire lo psicologo può accedere allo storico degli aggiornamenti che riguardano l’utente </a:t>
-            </a:r>
-            <a:endParaRPr lang="it-IT" sz="1600" dirty="0">
+              <a:rPr lang="it-IT" sz="1600" spc="-10" dirty="0">
+                <a:latin typeface="Calibri"/>
+                <a:cs typeface="Calibri"/>
+              </a:rPr>
+              <a:t>La possibilità di porsi degli obiettivi personali </a:t>
+            </a:r>
+          </a:p>
+          <a:p>
+            <a:pPr marL="72000" marR="179070" indent="-228600">
+              <a:lnSpc>
+                <a:spcPts val="3020"/>
+              </a:lnSpc>
+              <a:spcBef>
+                <a:spcPts val="480"/>
+              </a:spcBef>
+              <a:buFont typeface="Arial MT"/>
+              <a:buChar char="•"/>
+              <a:tabLst>
+                <a:tab pos="241300" algn="l"/>
+              </a:tabLst>
+            </a:pPr>
+            <a:r>
+              <a:rPr lang="it-IT" sz="1600" spc="-10" dirty="0">
+                <a:latin typeface="Calibri"/>
+                <a:cs typeface="Calibri"/>
+              </a:rPr>
+              <a:t>Chat fra utenti </a:t>
+            </a:r>
+          </a:p>
+          <a:p>
+            <a:pPr marL="72000" marR="179070" indent="-228600">
+              <a:lnSpc>
+                <a:spcPts val="3020"/>
+              </a:lnSpc>
+              <a:spcBef>
+                <a:spcPts val="480"/>
+              </a:spcBef>
+              <a:buFont typeface="Arial MT"/>
+              <a:buChar char="•"/>
+              <a:tabLst>
+                <a:tab pos="241300" algn="l"/>
+              </a:tabLst>
+            </a:pPr>
+            <a:r>
+              <a:rPr lang="it-IT" sz="1600" spc="-10" dirty="0">
+                <a:latin typeface="Calibri"/>
+                <a:cs typeface="Calibri"/>
+              </a:rPr>
+              <a:t>La possibilità di cercare nuovi utenti tramite diverse modalità</a:t>
+            </a:r>
+          </a:p>
+          <a:p>
+            <a:pPr marL="72000" marR="179070" indent="-228600">
+              <a:lnSpc>
+                <a:spcPts val="3020"/>
+              </a:lnSpc>
+              <a:spcBef>
+                <a:spcPts val="480"/>
+              </a:spcBef>
+              <a:buFont typeface="Arial MT"/>
+              <a:buChar char="•"/>
+              <a:tabLst>
+                <a:tab pos="241300" algn="l"/>
+              </a:tabLst>
+            </a:pPr>
+            <a:r>
+              <a:rPr lang="it-IT" sz="1600" spc="-10" dirty="0">
+                <a:latin typeface="Calibri"/>
+                <a:cs typeface="Calibri"/>
+              </a:rPr>
+              <a:t>Una seconda tipologia di utenti psicologi</a:t>
+            </a:r>
+            <a:endParaRPr sz="1400" dirty="0">
               <a:latin typeface="Calibri"/>
               <a:cs typeface="Calibri"/>
             </a:endParaRPr>
           </a:p>
         </p:txBody>
       </p:sp>
+      <p:pic>
+        <p:nvPicPr>
+          <p:cNvPr id="10" name="Immagine 9">
+            <a:extLst>
+              <a:ext uri="{FF2B5EF4-FFF2-40B4-BE49-F238E27FC236}">
+                <a16:creationId xmlns:a16="http://schemas.microsoft.com/office/drawing/2014/main" id="{C9907032-9535-19D6-554D-67CE28989104}"/>
+              </a:ext>
+            </a:extLst>
+          </p:cNvPr>
+          <p:cNvPicPr>
+            <a:picLocks noChangeAspect="1"/>
+          </p:cNvPicPr>
+          <p:nvPr/>
+        </p:nvPicPr>
+        <p:blipFill rotWithShape="1">
+          <a:blip r:embed="rId3"/>
+          <a:srcRect r="65706"/>
+          <a:stretch/>
+        </p:blipFill>
+        <p:spPr>
+          <a:xfrm>
+            <a:off x="7010400" y="101065"/>
+            <a:ext cx="1898406" cy="1402202"/>
+          </a:xfrm>
+          <a:prstGeom prst="rect">
+            <a:avLst/>
+          </a:prstGeom>
+        </p:spPr>
+      </p:pic>
     </p:spTree>
     <p:extLst>
       <p:ext uri="{BB962C8B-B14F-4D97-AF65-F5344CB8AC3E}">
-        <p14:creationId xmlns:p14="http://schemas.microsoft.com/office/powerpoint/2010/main" val="1218219644"/>
+        <p14:creationId xmlns:p14="http://schemas.microsoft.com/office/powerpoint/2010/main" val="2589704543"/>
       </p:ext>
     </p:extLst>
   </p:cSld>
@@ -3878,7 +5742,7 @@
 </file>
 
 <file path=ppt/slides/slide5.xml><?xml version="1.0" encoding="utf-8"?>
-<p:sld xmlns:a="http://schemas.openxmlformats.org/drawingml/2006/main" xmlns:r="http://schemas.openxmlformats.org/officeDocument/2006/relationships" xmlns:p="http://schemas.openxmlformats.org/presentationml/2006/main" showMasterSp="0">
+<p:sld xmlns:a="http://schemas.openxmlformats.org/drawingml/2006/main" xmlns:r="http://schemas.openxmlformats.org/officeDocument/2006/relationships" xmlns:p="http://schemas.openxmlformats.org/presentationml/2006/main">
   <p:cSld>
     <p:spTree>
       <p:nvGrpSpPr>
@@ -3896,14 +5760,142 @@
       </p:grpSpPr>
       <p:sp>
         <p:nvSpPr>
-          <p:cNvPr id="2" name="object 2"/>
-          <p:cNvSpPr txBox="1"/>
-          <p:nvPr/>
+          <p:cNvPr id="3" name="Segnaposto piè di pagina 2">
+            <a:extLst>
+              <a:ext uri="{FF2B5EF4-FFF2-40B4-BE49-F238E27FC236}">
+                <a16:creationId xmlns:a16="http://schemas.microsoft.com/office/drawing/2014/main" id="{E4554156-115D-49CD-1E32-22CBC195E6A9}"/>
+              </a:ext>
+            </a:extLst>
+          </p:cNvPr>
+          <p:cNvSpPr>
+            <a:spLocks noGrp="1"/>
+          </p:cNvSpPr>
+          <p:nvPr>
+            <p:ph type="ftr" sz="quarter" idx="5"/>
+          </p:nvPr>
+        </p:nvSpPr>
+        <p:spPr/>
+        <p:txBody>
+          <a:bodyPr/>
+          <a:lstStyle/>
+          <a:p>
+            <a:pPr marL="12700">
+              <a:lnSpc>
+                <a:spcPts val="1240"/>
+              </a:lnSpc>
+            </a:pPr>
+            <a:r>
+              <a:rPr lang="it-IT"/>
+              <a:t>Mobile</a:t>
+            </a:r>
+            <a:r>
+              <a:rPr lang="it-IT" spc="-55"/>
+              <a:t> </a:t>
+            </a:r>
+            <a:r>
+              <a:rPr lang="it-IT" spc="-5"/>
+              <a:t>Programming</a:t>
+            </a:r>
+            <a:r>
+              <a:rPr lang="it-IT" spc="-40"/>
+              <a:t> </a:t>
+            </a:r>
+            <a:r>
+              <a:rPr lang="it-IT"/>
+              <a:t>2022/2023</a:t>
+            </a:r>
+            <a:endParaRPr lang="it-IT" dirty="0"/>
+          </a:p>
+        </p:txBody>
+      </p:sp>
+      <p:sp>
+        <p:nvSpPr>
+          <p:cNvPr id="4" name="Segnaposto data 3">
+            <a:extLst>
+              <a:ext uri="{FF2B5EF4-FFF2-40B4-BE49-F238E27FC236}">
+                <a16:creationId xmlns:a16="http://schemas.microsoft.com/office/drawing/2014/main" id="{CB1BB173-C231-1718-6C43-F5EE6D74157F}"/>
+              </a:ext>
+            </a:extLst>
+          </p:cNvPr>
+          <p:cNvSpPr>
+            <a:spLocks noGrp="1"/>
+          </p:cNvSpPr>
+          <p:nvPr>
+            <p:ph type="dt" sz="half" idx="6"/>
+          </p:nvPr>
+        </p:nvSpPr>
+        <p:spPr/>
+        <p:txBody>
+          <a:bodyPr/>
+          <a:lstStyle/>
+          <a:p>
+            <a:pPr marL="12700">
+              <a:lnSpc>
+                <a:spcPts val="1240"/>
+              </a:lnSpc>
+            </a:pPr>
+            <a:r>
+              <a:rPr lang="it-IT"/>
+              <a:t>06/07/2023</a:t>
+            </a:r>
+            <a:endParaRPr lang="it-IT" dirty="0"/>
+          </a:p>
+        </p:txBody>
+      </p:sp>
+      <p:sp>
+        <p:nvSpPr>
+          <p:cNvPr id="5" name="Segnaposto numero diapositiva 4">
+            <a:extLst>
+              <a:ext uri="{FF2B5EF4-FFF2-40B4-BE49-F238E27FC236}">
+                <a16:creationId xmlns:a16="http://schemas.microsoft.com/office/drawing/2014/main" id="{9D1D73AA-61DD-D515-2C28-09EE858FA61D}"/>
+              </a:ext>
+            </a:extLst>
+          </p:cNvPr>
+          <p:cNvSpPr>
+            <a:spLocks noGrp="1"/>
+          </p:cNvSpPr>
+          <p:nvPr>
+            <p:ph type="sldNum" sz="quarter" idx="7"/>
+          </p:nvPr>
+        </p:nvSpPr>
+        <p:spPr/>
+        <p:txBody>
+          <a:bodyPr/>
+          <a:lstStyle/>
+          <a:p>
+            <a:pPr marL="38100">
+              <a:lnSpc>
+                <a:spcPts val="1240"/>
+              </a:lnSpc>
+            </a:pPr>
+            <a:fld id="{81D60167-4931-47E6-BA6A-407CBD079E47}" type="slidenum">
+              <a:rPr lang="it-IT" smtClean="0"/>
+              <a:t>5</a:t>
+            </a:fld>
+            <a:endParaRPr lang="it-IT" dirty="0"/>
+          </a:p>
+        </p:txBody>
+      </p:sp>
+      <p:sp>
+        <p:nvSpPr>
+          <p:cNvPr id="6" name="object 2">
+            <a:extLst>
+              <a:ext uri="{FF2B5EF4-FFF2-40B4-BE49-F238E27FC236}">
+                <a16:creationId xmlns:a16="http://schemas.microsoft.com/office/drawing/2014/main" id="{A1D0BAC4-2980-AF2F-FE3A-A848E6131A2A}"/>
+              </a:ext>
+            </a:extLst>
+          </p:cNvPr>
+          <p:cNvSpPr txBox="1">
+            <a:spLocks noGrp="1"/>
+          </p:cNvSpPr>
+          <p:nvPr>
+            <p:ph type="title"/>
+          </p:nvPr>
         </p:nvSpPr>
         <p:spPr>
           <a:xfrm>
-            <a:off x="707542" y="6427114"/>
-            <a:ext cx="764540" cy="208279"/>
+            <a:off x="429765" y="281752"/>
+            <a:ext cx="5791200" cy="689932"/>
           </a:xfrm>
           <a:prstGeom prst="rect">
             <a:avLst/>
@@ -3916,180 +5908,128 @@
           <a:lstStyle/>
           <a:p>
             <a:pPr marL="12700">
-              <a:lnSpc>
-                <a:spcPct val="100000"/>
-              </a:lnSpc>
               <a:spcBef>
                 <a:spcPts val="100"/>
               </a:spcBef>
             </a:pPr>
             <a:r>
-              <a:rPr sz="1200" dirty="0">
-                <a:solidFill>
-                  <a:srgbClr val="888888"/>
-                </a:solidFill>
-                <a:latin typeface="Calibri"/>
-                <a:cs typeface="Calibri"/>
-              </a:rPr>
-              <a:t>0</a:t>
-            </a:r>
-            <a:r>
-              <a:rPr sz="1200" spc="5" dirty="0">
-                <a:solidFill>
-                  <a:srgbClr val="888888"/>
-                </a:solidFill>
-                <a:latin typeface="Calibri"/>
-                <a:cs typeface="Calibri"/>
-              </a:rPr>
-              <a:t>5</a:t>
-            </a:r>
-            <a:r>
-              <a:rPr sz="1200" dirty="0">
-                <a:solidFill>
-                  <a:srgbClr val="888888"/>
-                </a:solidFill>
-                <a:latin typeface="Calibri"/>
-                <a:cs typeface="Calibri"/>
-              </a:rPr>
-              <a:t>/0</a:t>
-            </a:r>
-            <a:r>
-              <a:rPr sz="1200" spc="5" dirty="0">
-                <a:solidFill>
-                  <a:srgbClr val="888888"/>
-                </a:solidFill>
-                <a:latin typeface="Calibri"/>
-                <a:cs typeface="Calibri"/>
-              </a:rPr>
-              <a:t>5</a:t>
-            </a:r>
-            <a:r>
-              <a:rPr sz="1200" dirty="0">
-                <a:solidFill>
-                  <a:srgbClr val="888888"/>
-                </a:solidFill>
-                <a:latin typeface="Calibri"/>
-                <a:cs typeface="Calibri"/>
-              </a:rPr>
-              <a:t>/2</a:t>
-            </a:r>
-            <a:r>
-              <a:rPr sz="1200" spc="5" dirty="0">
-                <a:solidFill>
-                  <a:srgbClr val="888888"/>
-                </a:solidFill>
-                <a:latin typeface="Calibri"/>
-                <a:cs typeface="Calibri"/>
-              </a:rPr>
-              <a:t>0</a:t>
-            </a:r>
-            <a:r>
-              <a:rPr sz="1200" dirty="0">
-                <a:solidFill>
-                  <a:srgbClr val="888888"/>
-                </a:solidFill>
-                <a:latin typeface="Calibri"/>
-                <a:cs typeface="Calibri"/>
-              </a:rPr>
-              <a:t>23</a:t>
-            </a:r>
-            <a:endParaRPr sz="1200">
-              <a:latin typeface="Calibri"/>
-              <a:cs typeface="Calibri"/>
-            </a:endParaRPr>
-          </a:p>
-        </p:txBody>
-      </p:sp>
-      <p:sp>
-        <p:nvSpPr>
-          <p:cNvPr id="5" name="Segnaposto data 4">
-            <a:extLst>
-              <a:ext uri="{FF2B5EF4-FFF2-40B4-BE49-F238E27FC236}">
-                <a16:creationId xmlns:a16="http://schemas.microsoft.com/office/drawing/2014/main" id="{3D493355-2017-15AE-8E1A-6179B572A57D}"/>
-              </a:ext>
-            </a:extLst>
-          </p:cNvPr>
-          <p:cNvSpPr>
-            <a:spLocks noGrp="1"/>
-          </p:cNvSpPr>
-          <p:nvPr>
-            <p:ph type="dt" sz="half" idx="6"/>
-          </p:nvPr>
-        </p:nvSpPr>
-        <p:spPr/>
-        <p:txBody>
-          <a:bodyPr/>
+              <a:rPr lang="it-IT" sz="4400" b="1" kern="0" spc="-20" dirty="0"/>
+              <a:t>Anonimato </a:t>
+            </a:r>
+            <a:endParaRPr lang="it-IT" sz="4400" b="1" kern="0" dirty="0"/>
+          </a:p>
+        </p:txBody>
+      </p:sp>
+      <p:sp>
+        <p:nvSpPr>
+          <p:cNvPr id="7" name="object 3">
+            <a:extLst>
+              <a:ext uri="{FF2B5EF4-FFF2-40B4-BE49-F238E27FC236}">
+                <a16:creationId xmlns:a16="http://schemas.microsoft.com/office/drawing/2014/main" id="{87F7DFD0-0793-8B88-906F-34AF04CDE98F}"/>
+              </a:ext>
+            </a:extLst>
+          </p:cNvPr>
+          <p:cNvSpPr txBox="1"/>
+          <p:nvPr/>
+        </p:nvSpPr>
+        <p:spPr>
+          <a:xfrm>
+            <a:off x="441488" y="914400"/>
+            <a:ext cx="6705600" cy="3627916"/>
+          </a:xfrm>
+          <a:prstGeom prst="rect">
+            <a:avLst/>
+          </a:prstGeom>
+        </p:spPr>
+        <p:txBody>
+          <a:bodyPr vert="horz" wrap="square" lIns="0" tIns="97790" rIns="0" bIns="0" rtlCol="0">
+            <a:spAutoFit/>
+          </a:bodyPr>
           <a:lstStyle/>
           <a:p>
             <a:pPr marL="12700">
               <a:lnSpc>
-                <a:spcPts val="1240"/>
-              </a:lnSpc>
-            </a:pPr>
-            <a:r>
-              <a:rPr lang="it-IT"/>
-              <a:t>06/07/2023</a:t>
-            </a:r>
-            <a:endParaRPr lang="it-IT" dirty="0"/>
-          </a:p>
-        </p:txBody>
-      </p:sp>
-      <p:sp>
-        <p:nvSpPr>
-          <p:cNvPr id="6" name="Segnaposto piè di pagina 5">
-            <a:extLst>
-              <a:ext uri="{FF2B5EF4-FFF2-40B4-BE49-F238E27FC236}">
-                <a16:creationId xmlns:a16="http://schemas.microsoft.com/office/drawing/2014/main" id="{D65EC6AC-EFEE-4310-6A5A-28EFFCBEA084}"/>
-              </a:ext>
-            </a:extLst>
-          </p:cNvPr>
-          <p:cNvSpPr>
-            <a:spLocks noGrp="1"/>
-          </p:cNvSpPr>
-          <p:nvPr>
-            <p:ph type="ftr" sz="quarter" idx="5"/>
-          </p:nvPr>
-        </p:nvSpPr>
-        <p:spPr/>
-        <p:txBody>
-          <a:bodyPr/>
-          <a:lstStyle/>
+                <a:spcPct val="100000"/>
+              </a:lnSpc>
+              <a:spcBef>
+                <a:spcPts val="770"/>
+              </a:spcBef>
+              <a:tabLst>
+                <a:tab pos="241300" algn="l"/>
+              </a:tabLst>
+            </a:pPr>
+            <a:r>
+              <a:rPr lang="it-IT" dirty="0">
+                <a:latin typeface="Calibri"/>
+                <a:cs typeface="Calibri"/>
+              </a:rPr>
+              <a:t>Con l’anonimato permettiamo che l’utente riesca ad esprimere il meglio di se non preoccupandosi della sua tracciabilità.</a:t>
+            </a:r>
+            <a:br>
+              <a:rPr lang="it-IT" dirty="0">
+                <a:latin typeface="Calibri"/>
+                <a:cs typeface="Calibri"/>
+              </a:rPr>
+            </a:br>
+            <a:r>
+              <a:rPr lang="it-IT" dirty="0">
+                <a:latin typeface="Calibri"/>
+                <a:cs typeface="Calibri"/>
+              </a:rPr>
+              <a:t>Vogliamo che l’utente possa esprimere il proprio vero io senza preoccuparsi dell’accettazione o meno dell’altro .</a:t>
+            </a:r>
+          </a:p>
           <a:p>
             <a:pPr marL="12700">
               <a:lnSpc>
-                <a:spcPts val="1240"/>
-              </a:lnSpc>
-            </a:pPr>
-            <a:r>
-              <a:rPr lang="it-IT"/>
-              <a:t>Mobile</a:t>
-            </a:r>
-            <a:r>
-              <a:rPr lang="it-IT" spc="-55"/>
-              <a:t> </a:t>
-            </a:r>
-            <a:r>
-              <a:rPr lang="it-IT" spc="-5"/>
-              <a:t>Programming</a:t>
-            </a:r>
-            <a:r>
-              <a:rPr lang="it-IT" spc="-40"/>
-              <a:t> </a:t>
-            </a:r>
-            <a:r>
-              <a:rPr lang="it-IT"/>
-              <a:t>2022/2023</a:t>
-            </a:r>
-            <a:endParaRPr lang="it-IT" dirty="0"/>
+                <a:spcPct val="100000"/>
+              </a:lnSpc>
+              <a:spcBef>
+                <a:spcPts val="770"/>
+              </a:spcBef>
+              <a:tabLst>
+                <a:tab pos="241300" algn="l"/>
+              </a:tabLst>
+            </a:pPr>
+            <a:r>
+              <a:rPr lang="it-IT" dirty="0">
+                <a:latin typeface="Calibri"/>
+                <a:cs typeface="Calibri"/>
+              </a:rPr>
+              <a:t>Da ciò nasce la nostra idea dell’utente rappresentato da uno userid autogenerato, e sappiamo quanto sia difficile a livello umano gestire numeri quindi in fase di login l’utente può accedere alla piattaforma o tramite la propria email o tramite il proprio userid.</a:t>
+            </a:r>
+          </a:p>
+          <a:p>
+            <a:pPr marL="12700">
+              <a:lnSpc>
+                <a:spcPct val="100000"/>
+              </a:lnSpc>
+              <a:spcBef>
+                <a:spcPts val="770"/>
+              </a:spcBef>
+              <a:tabLst>
+                <a:tab pos="241300" algn="l"/>
+              </a:tabLst>
+            </a:pPr>
+            <a:r>
+              <a:rPr lang="it-IT" dirty="0">
+                <a:solidFill>
+                  <a:srgbClr val="FF0000"/>
+                </a:solidFill>
+                <a:latin typeface="Calibri"/>
+                <a:cs typeface="Calibri"/>
+              </a:rPr>
+              <a:t>Altra funzionalità non introdotta e da dover implementare nelle versioni successive sarà il rinominare i propri contatti associandogli un nome a nostro piacere cosi da poterli ritrovare facilmente ed associargli una nostra identità.</a:t>
+            </a:r>
           </a:p>
         </p:txBody>
       </p:sp>
       <p:pic>
         <p:nvPicPr>
-          <p:cNvPr id="11" name="Immagine 10">
-            <a:extLst>
-              <a:ext uri="{FF2B5EF4-FFF2-40B4-BE49-F238E27FC236}">
-                <a16:creationId xmlns:a16="http://schemas.microsoft.com/office/drawing/2014/main" id="{383E511C-4392-2E3C-9E32-845BBCEF3B49}"/>
+          <p:cNvPr id="8" name="Immagine 7">
+            <a:extLst>
+              <a:ext uri="{FF2B5EF4-FFF2-40B4-BE49-F238E27FC236}">
+                <a16:creationId xmlns:a16="http://schemas.microsoft.com/office/drawing/2014/main" id="{9029AB80-60C3-A2CE-E4A8-190EF1CC10FB}"/>
               </a:ext>
             </a:extLst>
           </p:cNvPr>
@@ -4100,420 +6040,181 @@
         </p:nvPicPr>
         <p:blipFill rotWithShape="1">
           <a:blip r:embed="rId2"/>
-          <a:srcRect l="22222" t="37037" r="24074" b="33333"/>
+          <a:srcRect r="65706"/>
           <a:stretch/>
         </p:blipFill>
         <p:spPr>
           <a:xfrm>
-            <a:off x="6858000" y="152400"/>
-            <a:ext cx="2209800" cy="1219200"/>
+            <a:off x="7010400" y="101065"/>
+            <a:ext cx="1898406" cy="1402202"/>
+          </a:xfrm>
+          <a:prstGeom prst="rect">
+            <a:avLst/>
+          </a:prstGeom>
+        </p:spPr>
+      </p:pic>
+      <p:pic>
+        <p:nvPicPr>
+          <p:cNvPr id="10" name="Immagine 9" descr="Immagine che contiene Carattere, testo, bianco, design&#10;&#10;Descrizione generata automaticamente">
+            <a:extLst>
+              <a:ext uri="{FF2B5EF4-FFF2-40B4-BE49-F238E27FC236}">
+                <a16:creationId xmlns:a16="http://schemas.microsoft.com/office/drawing/2014/main" id="{239CB1D5-40C1-19F5-7B89-D5A358F8F327}"/>
+              </a:ext>
+            </a:extLst>
+          </p:cNvPr>
+          <p:cNvPicPr>
+            <a:picLocks noChangeAspect="1"/>
+          </p:cNvPicPr>
+          <p:nvPr/>
+        </p:nvPicPr>
+        <p:blipFill rotWithShape="1">
+          <a:blip r:embed="rId3" cstate="print">
+            <a:extLst>
+              <a:ext uri="{28A0092B-C50C-407E-A947-70E740481C1C}">
+                <a14:useLocalDpi xmlns:a14="http://schemas.microsoft.com/office/drawing/2010/main" val="0"/>
+              </a:ext>
+            </a:extLst>
+          </a:blip>
+          <a:srcRect l="12763" t="8368" r="15444"/>
+          <a:stretch/>
+        </p:blipFill>
+        <p:spPr>
+          <a:xfrm>
+            <a:off x="4567681" y="4833582"/>
+            <a:ext cx="2057400" cy="979861"/>
           </a:xfrm>
           <a:prstGeom prst="rect">
             <a:avLst/>
           </a:prstGeom>
           <a:effectLst>
-            <a:outerShdw blurRad="330200" dist="38100" dir="5400000" algn="t" rotWithShape="0">
+            <a:outerShdw blurRad="50800" dist="38100" dir="5400000" algn="t" rotWithShape="0">
               <a:prstClr val="black">
-                <a:alpha val="76000"/>
+                <a:alpha val="40000"/>
               </a:prstClr>
             </a:outerShdw>
           </a:effectLst>
         </p:spPr>
       </p:pic>
-      <p:sp>
-        <p:nvSpPr>
-          <p:cNvPr id="12" name="object 2">
-            <a:extLst>
-              <a:ext uri="{FF2B5EF4-FFF2-40B4-BE49-F238E27FC236}">
-                <a16:creationId xmlns:a16="http://schemas.microsoft.com/office/drawing/2014/main" id="{A8B449FE-4217-D30A-378E-1700D58FFDA4}"/>
-              </a:ext>
-            </a:extLst>
-          </p:cNvPr>
-          <p:cNvSpPr txBox="1">
-            <a:spLocks noGrp="1"/>
-          </p:cNvSpPr>
-          <p:nvPr>
-            <p:ph type="title"/>
-          </p:nvPr>
-        </p:nvSpPr>
-        <p:spPr>
+      <p:pic>
+        <p:nvPicPr>
+          <p:cNvPr id="3074" name="Picture 2" descr="Il trucco per bloccare le schede in incognito del browser con password o  impronta">
+            <a:extLst>
+              <a:ext uri="{FF2B5EF4-FFF2-40B4-BE49-F238E27FC236}">
+                <a16:creationId xmlns:a16="http://schemas.microsoft.com/office/drawing/2014/main" id="{7ACC5599-AE71-ED67-A58A-B8AFC960F96B}"/>
+              </a:ext>
+            </a:extLst>
+          </p:cNvPr>
+          <p:cNvPicPr>
+            <a:picLocks noChangeAspect="1" noChangeArrowheads="1"/>
+          </p:cNvPicPr>
+          <p:nvPr/>
+        </p:nvPicPr>
+        <p:blipFill rotWithShape="1">
+          <a:blip r:embed="rId4" cstate="print">
+            <a:extLst>
+              <a:ext uri="{BEBA8EAE-BF5A-486C-A8C5-ECC9F3942E4B}">
+                <a14:imgProps xmlns:a14="http://schemas.microsoft.com/office/drawing/2010/main">
+                  <a14:imgLayer r:embed="rId5">
+                    <a14:imgEffect>
+                      <a14:backgroundRemoval t="9926" b="65926" l="33917" r="65667">
+                        <a14:foregroundMark x1="35750" y1="30815" x2="35750" y2="30815"/>
+                        <a14:foregroundMark x1="33917" y1="35556" x2="33917" y2="35556"/>
+                        <a14:foregroundMark x1="50917" y1="12593" x2="50917" y2="12593"/>
+                        <a14:foregroundMark x1="50667" y1="10667" x2="50667" y2="10667"/>
+                        <a14:foregroundMark x1="50250" y1="10222" x2="50250" y2="10222"/>
+                        <a14:foregroundMark x1="65667" y1="37333" x2="65667" y2="37333"/>
+                        <a14:foregroundMark x1="49250" y1="65926" x2="49250" y2="65926"/>
+                        <a14:foregroundMark x1="41000" y1="25185" x2="45500" y2="47407"/>
+                        <a14:foregroundMark x1="45500" y1="47407" x2="46250" y2="48889"/>
+                      </a14:backgroundRemoval>
+                    </a14:imgEffect>
+                    <a14:imgEffect>
+                      <a14:saturation sat="400000"/>
+                    </a14:imgEffect>
+                  </a14:imgLayer>
+                </a14:imgProps>
+              </a:ext>
+              <a:ext uri="{28A0092B-C50C-407E-A947-70E740481C1C}">
+                <a14:useLocalDpi xmlns:a14="http://schemas.microsoft.com/office/drawing/2010/main" val="0"/>
+              </a:ext>
+            </a:extLst>
+          </a:blip>
+          <a:srcRect l="32500" t="8519" r="31967" b="28355"/>
+          <a:stretch/>
+        </p:blipFill>
+        <p:spPr bwMode="auto">
           <a:xfrm>
-            <a:off x="457200" y="457200"/>
-            <a:ext cx="5791200" cy="1243930"/>
+            <a:off x="7582438" y="4518749"/>
+            <a:ext cx="1295591" cy="1294694"/>
           </a:xfrm>
           <a:prstGeom prst="rect">
             <a:avLst/>
           </a:prstGeom>
+          <a:noFill/>
+          <a:effectLst>
+            <a:innerShdw blurRad="63500" dist="50800">
+              <a:prstClr val="black">
+                <a:alpha val="50000"/>
+              </a:prstClr>
+            </a:innerShdw>
+          </a:effectLst>
+          <a:extLst>
+            <a:ext uri="{909E8E84-426E-40DD-AFC4-6F175D3DCCD1}">
+              <a14:hiddenFill xmlns:a14="http://schemas.microsoft.com/office/drawing/2010/main">
+                <a:solidFill>
+                  <a:srgbClr val="FFFFFF"/>
+                </a:solidFill>
+              </a14:hiddenFill>
+            </a:ext>
+          </a:extLst>
         </p:spPr>
-        <p:txBody>
-          <a:bodyPr vert="horz" wrap="square" lIns="0" tIns="12700" rIns="0" bIns="0" rtlCol="0">
-            <a:spAutoFit/>
-          </a:bodyPr>
-          <a:lstStyle/>
-          <a:p>
-            <a:pPr marL="12700">
-              <a:spcBef>
-                <a:spcPts val="100"/>
-              </a:spcBef>
-            </a:pPr>
-            <a:r>
-              <a:rPr lang="it-IT" sz="4000" b="1" kern="0" spc="-20" dirty="0"/>
-              <a:t>Nel concreto su cosa poggia la nostra app </a:t>
-            </a:r>
-            <a:endParaRPr lang="it-IT" sz="4000" b="1" kern="0" dirty="0"/>
-          </a:p>
-        </p:txBody>
-      </p:sp>
-      <p:sp>
-        <p:nvSpPr>
-          <p:cNvPr id="17" name="Segnaposto numero diapositiva 16">
-            <a:extLst>
-              <a:ext uri="{FF2B5EF4-FFF2-40B4-BE49-F238E27FC236}">
-                <a16:creationId xmlns:a16="http://schemas.microsoft.com/office/drawing/2014/main" id="{AE88F6A4-BD43-D4D6-810D-B38E7A80D6C0}"/>
-              </a:ext>
-            </a:extLst>
-          </p:cNvPr>
-          <p:cNvSpPr>
-            <a:spLocks noGrp="1"/>
-          </p:cNvSpPr>
-          <p:nvPr>
-            <p:ph type="sldNum" sz="quarter" idx="7"/>
-          </p:nvPr>
-        </p:nvSpPr>
-        <p:spPr/>
-        <p:txBody>
-          <a:bodyPr/>
-          <a:lstStyle/>
-          <a:p>
-            <a:pPr marL="38100">
-              <a:lnSpc>
-                <a:spcPts val="1240"/>
-              </a:lnSpc>
-            </a:pPr>
-            <a:fld id="{81D60167-4931-47E6-BA6A-407CBD079E47}" type="slidenum">
-              <a:rPr lang="it-IT" smtClean="0"/>
-              <a:t>5</a:t>
-            </a:fld>
-            <a:endParaRPr lang="it-IT" dirty="0"/>
-          </a:p>
-        </p:txBody>
-      </p:sp>
-      <p:sp>
-        <p:nvSpPr>
-          <p:cNvPr id="3" name="object 3">
-            <a:extLst>
-              <a:ext uri="{FF2B5EF4-FFF2-40B4-BE49-F238E27FC236}">
-                <a16:creationId xmlns:a16="http://schemas.microsoft.com/office/drawing/2014/main" id="{20896BFC-5460-8B18-EE59-70F26D6808F2}"/>
-              </a:ext>
-            </a:extLst>
-          </p:cNvPr>
-          <p:cNvSpPr txBox="1"/>
+      </p:pic>
+      <p:pic>
+        <p:nvPicPr>
+          <p:cNvPr id="14" name="Immagine 13" descr="Immagine che contiene testo, schermata, Carattere, design&#10;&#10;Descrizione generata automaticamente">
+            <a:extLst>
+              <a:ext uri="{FF2B5EF4-FFF2-40B4-BE49-F238E27FC236}">
+                <a16:creationId xmlns:a16="http://schemas.microsoft.com/office/drawing/2014/main" id="{80667CDA-3F16-6C61-94B5-EA4EDA2B6FEA}"/>
+              </a:ext>
+            </a:extLst>
+          </p:cNvPr>
+          <p:cNvPicPr>
+            <a:picLocks noChangeAspect="1"/>
+          </p:cNvPicPr>
           <p:nvPr/>
-        </p:nvSpPr>
+        </p:nvPicPr>
+        <p:blipFill rotWithShape="1">
+          <a:blip r:embed="rId6" cstate="print">
+            <a:extLst>
+              <a:ext uri="{28A0092B-C50C-407E-A947-70E740481C1C}">
+                <a14:useLocalDpi xmlns:a14="http://schemas.microsoft.com/office/drawing/2010/main" val="0"/>
+              </a:ext>
+            </a:extLst>
+          </a:blip>
+          <a:srcRect t="11111" b="50000"/>
+          <a:stretch/>
+        </p:blipFill>
         <p:spPr>
           <a:xfrm>
-            <a:off x="304800" y="1600200"/>
-            <a:ext cx="7254875" cy="411010"/>
+            <a:off x="7275047" y="2057400"/>
+            <a:ext cx="1828800" cy="1580445"/>
           </a:xfrm>
           <a:prstGeom prst="rect">
             <a:avLst/>
           </a:prstGeom>
+          <a:effectLst>
+            <a:outerShdw blurRad="50800" dist="38100" algn="l" rotWithShape="0">
+              <a:prstClr val="black">
+                <a:alpha val="40000"/>
+              </a:prstClr>
+            </a:outerShdw>
+          </a:effectLst>
         </p:spPr>
-        <p:txBody>
-          <a:bodyPr vert="horz" wrap="square" lIns="0" tIns="60960" rIns="0" bIns="0" rtlCol="0">
-            <a:spAutoFit/>
-          </a:bodyPr>
-          <a:lstStyle/>
-          <a:p>
-            <a:pPr marL="698500" marR="179070" lvl="1" indent="-228600">
-              <a:lnSpc>
-                <a:spcPts val="3020"/>
-              </a:lnSpc>
-              <a:spcBef>
-                <a:spcPts val="480"/>
-              </a:spcBef>
-              <a:buFont typeface="Arial MT"/>
-              <a:buChar char="•"/>
-              <a:tabLst>
-                <a:tab pos="241300" algn="l"/>
-              </a:tabLst>
-            </a:pPr>
-            <a:r>
-              <a:rPr lang="it-IT" spc="-10" dirty="0">
-                <a:latin typeface="Calibri"/>
-                <a:cs typeface="Calibri"/>
-              </a:rPr>
-              <a:t>Grafica implementata grazie alle funzionalità offerte da Compose </a:t>
-            </a:r>
-            <a:endParaRPr sz="1600" dirty="0">
-              <a:latin typeface="Calibri"/>
-              <a:cs typeface="Calibri"/>
-            </a:endParaRPr>
-          </a:p>
-        </p:txBody>
-      </p:sp>
-      <p:sp>
-        <p:nvSpPr>
-          <p:cNvPr id="8" name="object 3">
-            <a:extLst>
-              <a:ext uri="{FF2B5EF4-FFF2-40B4-BE49-F238E27FC236}">
-                <a16:creationId xmlns:a16="http://schemas.microsoft.com/office/drawing/2014/main" id="{74CDD981-3A3B-749E-964B-DF87346D8EE4}"/>
-              </a:ext>
-            </a:extLst>
-          </p:cNvPr>
-          <p:cNvSpPr txBox="1"/>
-          <p:nvPr/>
-        </p:nvSpPr>
-        <p:spPr>
-          <a:xfrm>
-            <a:off x="304800" y="2011210"/>
-            <a:ext cx="7254875" cy="411010"/>
-          </a:xfrm>
-          <a:prstGeom prst="rect">
-            <a:avLst/>
-          </a:prstGeom>
-        </p:spPr>
-        <p:txBody>
-          <a:bodyPr vert="horz" wrap="square" lIns="0" tIns="60960" rIns="0" bIns="0" rtlCol="0">
-            <a:spAutoFit/>
-          </a:bodyPr>
-          <a:lstStyle/>
-          <a:p>
-            <a:pPr marL="698500" marR="179070" lvl="1" indent="-228600">
-              <a:lnSpc>
-                <a:spcPts val="3020"/>
-              </a:lnSpc>
-              <a:spcBef>
-                <a:spcPts val="480"/>
-              </a:spcBef>
-              <a:buFont typeface="Arial MT"/>
-              <a:buChar char="•"/>
-              <a:tabLst>
-                <a:tab pos="241300" algn="l"/>
-              </a:tabLst>
-            </a:pPr>
-            <a:r>
-              <a:rPr lang="it-IT" spc="-10" dirty="0">
-                <a:latin typeface="Calibri"/>
-                <a:cs typeface="Calibri"/>
-              </a:rPr>
-              <a:t>Una logica di elementi </a:t>
-            </a:r>
-            <a:r>
-              <a:rPr lang="it-IT" spc="-10" dirty="0" err="1">
-                <a:latin typeface="Calibri"/>
-                <a:cs typeface="Calibri"/>
-              </a:rPr>
-              <a:t>parcelable</a:t>
-            </a:r>
-            <a:r>
-              <a:rPr lang="it-IT" spc="-10" dirty="0">
-                <a:latin typeface="Calibri"/>
-                <a:cs typeface="Calibri"/>
-              </a:rPr>
-              <a:t> e </a:t>
-            </a:r>
-            <a:r>
-              <a:rPr lang="it-IT" spc="-10" dirty="0" err="1">
-                <a:latin typeface="Calibri"/>
-                <a:cs typeface="Calibri"/>
-              </a:rPr>
-              <a:t>mutable</a:t>
-            </a:r>
-            <a:r>
-              <a:rPr lang="it-IT" spc="-10" dirty="0">
-                <a:latin typeface="Calibri"/>
-                <a:cs typeface="Calibri"/>
-              </a:rPr>
-              <a:t> state</a:t>
-            </a:r>
-            <a:endParaRPr sz="1600" dirty="0">
-              <a:latin typeface="Calibri"/>
-              <a:cs typeface="Calibri"/>
-            </a:endParaRPr>
-          </a:p>
-        </p:txBody>
-      </p:sp>
-      <p:sp>
-        <p:nvSpPr>
-          <p:cNvPr id="9" name="object 3">
-            <a:extLst>
-              <a:ext uri="{FF2B5EF4-FFF2-40B4-BE49-F238E27FC236}">
-                <a16:creationId xmlns:a16="http://schemas.microsoft.com/office/drawing/2014/main" id="{68721F0C-D6E7-EDE7-AAF8-6F989B707DED}"/>
-              </a:ext>
-            </a:extLst>
-          </p:cNvPr>
-          <p:cNvSpPr txBox="1"/>
-          <p:nvPr/>
-        </p:nvSpPr>
-        <p:spPr>
-          <a:xfrm>
-            <a:off x="304800" y="2844130"/>
-            <a:ext cx="7254875" cy="411010"/>
-          </a:xfrm>
-          <a:prstGeom prst="rect">
-            <a:avLst/>
-          </a:prstGeom>
-        </p:spPr>
-        <p:txBody>
-          <a:bodyPr vert="horz" wrap="square" lIns="0" tIns="60960" rIns="0" bIns="0" rtlCol="0">
-            <a:spAutoFit/>
-          </a:bodyPr>
-          <a:lstStyle/>
-          <a:p>
-            <a:pPr marL="698500" marR="179070" lvl="1" indent="-228600">
-              <a:lnSpc>
-                <a:spcPts val="3020"/>
-              </a:lnSpc>
-              <a:spcBef>
-                <a:spcPts val="480"/>
-              </a:spcBef>
-              <a:buFont typeface="Arial MT"/>
-              <a:buChar char="•"/>
-              <a:tabLst>
-                <a:tab pos="241300" algn="l"/>
-              </a:tabLst>
-            </a:pPr>
-            <a:r>
-              <a:rPr lang="it-IT" spc="-10" dirty="0">
-                <a:latin typeface="Calibri"/>
-                <a:cs typeface="Calibri"/>
-              </a:rPr>
-              <a:t>Un applicazione del pattern MVVC </a:t>
-            </a:r>
-            <a:endParaRPr sz="1600" dirty="0">
-              <a:latin typeface="Calibri"/>
-              <a:cs typeface="Calibri"/>
-            </a:endParaRPr>
-          </a:p>
-        </p:txBody>
-      </p:sp>
-      <p:sp>
-        <p:nvSpPr>
-          <p:cNvPr id="10" name="object 3">
-            <a:extLst>
-              <a:ext uri="{FF2B5EF4-FFF2-40B4-BE49-F238E27FC236}">
-                <a16:creationId xmlns:a16="http://schemas.microsoft.com/office/drawing/2014/main" id="{E6144946-4665-BBED-B0EF-C375B0725E12}"/>
-              </a:ext>
-            </a:extLst>
-          </p:cNvPr>
-          <p:cNvSpPr txBox="1"/>
-          <p:nvPr/>
-        </p:nvSpPr>
-        <p:spPr>
-          <a:xfrm>
-            <a:off x="268224" y="2419669"/>
-            <a:ext cx="7254875" cy="411010"/>
-          </a:xfrm>
-          <a:prstGeom prst="rect">
-            <a:avLst/>
-          </a:prstGeom>
-        </p:spPr>
-        <p:txBody>
-          <a:bodyPr vert="horz" wrap="square" lIns="0" tIns="60960" rIns="0" bIns="0" rtlCol="0">
-            <a:spAutoFit/>
-          </a:bodyPr>
-          <a:lstStyle/>
-          <a:p>
-            <a:pPr marL="698500" marR="179070" lvl="1" indent="-228600">
-              <a:lnSpc>
-                <a:spcPts val="3020"/>
-              </a:lnSpc>
-              <a:spcBef>
-                <a:spcPts val="480"/>
-              </a:spcBef>
-              <a:buFont typeface="Arial MT"/>
-              <a:buChar char="•"/>
-              <a:tabLst>
-                <a:tab pos="241300" algn="l"/>
-              </a:tabLst>
-            </a:pPr>
-            <a:r>
-              <a:rPr lang="it-IT" spc="-10" dirty="0">
-                <a:latin typeface="Calibri"/>
-                <a:cs typeface="Calibri"/>
-              </a:rPr>
-              <a:t>Comunicazione con il database tramite Room </a:t>
-            </a:r>
-            <a:endParaRPr sz="1600" dirty="0">
-              <a:latin typeface="Calibri"/>
-              <a:cs typeface="Calibri"/>
-            </a:endParaRPr>
-          </a:p>
-        </p:txBody>
-      </p:sp>
-      <p:sp>
-        <p:nvSpPr>
-          <p:cNvPr id="13" name="object 3">
-            <a:extLst>
-              <a:ext uri="{FF2B5EF4-FFF2-40B4-BE49-F238E27FC236}">
-                <a16:creationId xmlns:a16="http://schemas.microsoft.com/office/drawing/2014/main" id="{92C7C76A-F7ED-4D46-CAB9-A6A5607411FC}"/>
-              </a:ext>
-            </a:extLst>
-          </p:cNvPr>
-          <p:cNvSpPr txBox="1"/>
-          <p:nvPr/>
-        </p:nvSpPr>
-        <p:spPr>
-          <a:xfrm>
-            <a:off x="323088" y="3274460"/>
-            <a:ext cx="7254875" cy="795731"/>
-          </a:xfrm>
-          <a:prstGeom prst="rect">
-            <a:avLst/>
-          </a:prstGeom>
-        </p:spPr>
-        <p:txBody>
-          <a:bodyPr vert="horz" wrap="square" lIns="0" tIns="60960" rIns="0" bIns="0" rtlCol="0">
-            <a:spAutoFit/>
-          </a:bodyPr>
-          <a:lstStyle/>
-          <a:p>
-            <a:pPr marL="698500" marR="179070" lvl="1" indent="-228600">
-              <a:lnSpc>
-                <a:spcPts val="3020"/>
-              </a:lnSpc>
-              <a:spcBef>
-                <a:spcPts val="480"/>
-              </a:spcBef>
-              <a:buFont typeface="Arial MT"/>
-              <a:buChar char="•"/>
-              <a:tabLst>
-                <a:tab pos="241300" algn="l"/>
-              </a:tabLst>
-            </a:pPr>
-            <a:r>
-              <a:rPr lang="it-IT" spc="-10" dirty="0">
-                <a:latin typeface="Calibri"/>
-                <a:cs typeface="Calibri"/>
-              </a:rPr>
-              <a:t>Gestione della directory </a:t>
-            </a:r>
-            <a:r>
-              <a:rPr lang="it-IT" spc="-10" dirty="0" err="1">
-                <a:latin typeface="Calibri"/>
-                <a:cs typeface="Calibri"/>
-              </a:rPr>
-              <a:t>resources</a:t>
-            </a:r>
-            <a:r>
-              <a:rPr lang="it-IT" spc="-10" dirty="0">
-                <a:latin typeface="Calibri"/>
-                <a:cs typeface="Calibri"/>
-              </a:rPr>
-              <a:t> per contenere le stringhe di testo utilizzate e facilitarne la traduzione successiva </a:t>
-            </a:r>
-            <a:endParaRPr sz="1600" dirty="0">
-              <a:latin typeface="Calibri"/>
-              <a:cs typeface="Calibri"/>
-            </a:endParaRPr>
-          </a:p>
-        </p:txBody>
-      </p:sp>
+      </p:pic>
     </p:spTree>
     <p:extLst>
       <p:ext uri="{BB962C8B-B14F-4D97-AF65-F5344CB8AC3E}">
-        <p14:creationId xmlns:p14="http://schemas.microsoft.com/office/powerpoint/2010/main" val="881666052"/>
+        <p14:creationId xmlns:p14="http://schemas.microsoft.com/office/powerpoint/2010/main" val="896579799"/>
       </p:ext>
     </p:extLst>
   </p:cSld>
@@ -4524,7 +6225,7 @@
 </file>
 
 <file path=ppt/slides/slide6.xml><?xml version="1.0" encoding="utf-8"?>
-<p:sld xmlns:a="http://schemas.openxmlformats.org/drawingml/2006/main" xmlns:r="http://schemas.openxmlformats.org/officeDocument/2006/relationships" xmlns:p="http://schemas.openxmlformats.org/presentationml/2006/main" showMasterSp="0">
+<p:sld xmlns:a="http://schemas.openxmlformats.org/drawingml/2006/main" xmlns:r="http://schemas.openxmlformats.org/officeDocument/2006/relationships" xmlns:p="http://schemas.openxmlformats.org/presentationml/2006/main">
   <p:cSld>
     <p:spTree>
       <p:nvGrpSpPr>
@@ -4542,14 +6243,142 @@
       </p:grpSpPr>
       <p:sp>
         <p:nvSpPr>
-          <p:cNvPr id="2" name="object 2"/>
-          <p:cNvSpPr txBox="1"/>
-          <p:nvPr/>
+          <p:cNvPr id="3" name="Segnaposto piè di pagina 2">
+            <a:extLst>
+              <a:ext uri="{FF2B5EF4-FFF2-40B4-BE49-F238E27FC236}">
+                <a16:creationId xmlns:a16="http://schemas.microsoft.com/office/drawing/2014/main" id="{E4554156-115D-49CD-1E32-22CBC195E6A9}"/>
+              </a:ext>
+            </a:extLst>
+          </p:cNvPr>
+          <p:cNvSpPr>
+            <a:spLocks noGrp="1"/>
+          </p:cNvSpPr>
+          <p:nvPr>
+            <p:ph type="ftr" sz="quarter" idx="5"/>
+          </p:nvPr>
+        </p:nvSpPr>
+        <p:spPr/>
+        <p:txBody>
+          <a:bodyPr/>
+          <a:lstStyle/>
+          <a:p>
+            <a:pPr marL="12700">
+              <a:lnSpc>
+                <a:spcPts val="1240"/>
+              </a:lnSpc>
+            </a:pPr>
+            <a:r>
+              <a:rPr lang="it-IT"/>
+              <a:t>Mobile</a:t>
+            </a:r>
+            <a:r>
+              <a:rPr lang="it-IT" spc="-55"/>
+              <a:t> </a:t>
+            </a:r>
+            <a:r>
+              <a:rPr lang="it-IT" spc="-5"/>
+              <a:t>Programming</a:t>
+            </a:r>
+            <a:r>
+              <a:rPr lang="it-IT" spc="-40"/>
+              <a:t> </a:t>
+            </a:r>
+            <a:r>
+              <a:rPr lang="it-IT"/>
+              <a:t>2022/2023</a:t>
+            </a:r>
+            <a:endParaRPr lang="it-IT" dirty="0"/>
+          </a:p>
+        </p:txBody>
+      </p:sp>
+      <p:sp>
+        <p:nvSpPr>
+          <p:cNvPr id="4" name="Segnaposto data 3">
+            <a:extLst>
+              <a:ext uri="{FF2B5EF4-FFF2-40B4-BE49-F238E27FC236}">
+                <a16:creationId xmlns:a16="http://schemas.microsoft.com/office/drawing/2014/main" id="{CB1BB173-C231-1718-6C43-F5EE6D74157F}"/>
+              </a:ext>
+            </a:extLst>
+          </p:cNvPr>
+          <p:cNvSpPr>
+            <a:spLocks noGrp="1"/>
+          </p:cNvSpPr>
+          <p:nvPr>
+            <p:ph type="dt" sz="half" idx="6"/>
+          </p:nvPr>
+        </p:nvSpPr>
+        <p:spPr/>
+        <p:txBody>
+          <a:bodyPr/>
+          <a:lstStyle/>
+          <a:p>
+            <a:pPr marL="12700">
+              <a:lnSpc>
+                <a:spcPts val="1240"/>
+              </a:lnSpc>
+            </a:pPr>
+            <a:r>
+              <a:rPr lang="it-IT"/>
+              <a:t>06/07/2023</a:t>
+            </a:r>
+            <a:endParaRPr lang="it-IT" dirty="0"/>
+          </a:p>
+        </p:txBody>
+      </p:sp>
+      <p:sp>
+        <p:nvSpPr>
+          <p:cNvPr id="5" name="Segnaposto numero diapositiva 4">
+            <a:extLst>
+              <a:ext uri="{FF2B5EF4-FFF2-40B4-BE49-F238E27FC236}">
+                <a16:creationId xmlns:a16="http://schemas.microsoft.com/office/drawing/2014/main" id="{9D1D73AA-61DD-D515-2C28-09EE858FA61D}"/>
+              </a:ext>
+            </a:extLst>
+          </p:cNvPr>
+          <p:cNvSpPr>
+            <a:spLocks noGrp="1"/>
+          </p:cNvSpPr>
+          <p:nvPr>
+            <p:ph type="sldNum" sz="quarter" idx="7"/>
+          </p:nvPr>
+        </p:nvSpPr>
+        <p:spPr/>
+        <p:txBody>
+          <a:bodyPr/>
+          <a:lstStyle/>
+          <a:p>
+            <a:pPr marL="38100">
+              <a:lnSpc>
+                <a:spcPts val="1240"/>
+              </a:lnSpc>
+            </a:pPr>
+            <a:fld id="{81D60167-4931-47E6-BA6A-407CBD079E47}" type="slidenum">
+              <a:rPr lang="it-IT" smtClean="0"/>
+              <a:t>6</a:t>
+            </a:fld>
+            <a:endParaRPr lang="it-IT" dirty="0"/>
+          </a:p>
+        </p:txBody>
+      </p:sp>
+      <p:sp>
+        <p:nvSpPr>
+          <p:cNvPr id="6" name="object 2">
+            <a:extLst>
+              <a:ext uri="{FF2B5EF4-FFF2-40B4-BE49-F238E27FC236}">
+                <a16:creationId xmlns:a16="http://schemas.microsoft.com/office/drawing/2014/main" id="{A1D0BAC4-2980-AF2F-FE3A-A848E6131A2A}"/>
+              </a:ext>
+            </a:extLst>
+          </p:cNvPr>
+          <p:cNvSpPr txBox="1">
+            <a:spLocks noGrp="1"/>
+          </p:cNvSpPr>
+          <p:nvPr>
+            <p:ph type="title"/>
+          </p:nvPr>
         </p:nvSpPr>
         <p:spPr>
           <a:xfrm>
-            <a:off x="707542" y="6427114"/>
-            <a:ext cx="764540" cy="208279"/>
+            <a:off x="429765" y="281752"/>
+            <a:ext cx="5791200" cy="1797928"/>
           </a:xfrm>
           <a:prstGeom prst="rect">
             <a:avLst/>
@@ -4562,180 +6391,150 @@
           <a:lstStyle/>
           <a:p>
             <a:pPr marL="12700">
-              <a:lnSpc>
-                <a:spcPct val="100000"/>
-              </a:lnSpc>
               <a:spcBef>
                 <a:spcPts val="100"/>
               </a:spcBef>
             </a:pPr>
             <a:r>
-              <a:rPr sz="1200" dirty="0">
-                <a:solidFill>
-                  <a:srgbClr val="888888"/>
-                </a:solidFill>
-                <a:latin typeface="Calibri"/>
-                <a:cs typeface="Calibri"/>
-              </a:rPr>
-              <a:t>0</a:t>
-            </a:r>
-            <a:r>
-              <a:rPr sz="1200" spc="5" dirty="0">
-                <a:solidFill>
-                  <a:srgbClr val="888888"/>
-                </a:solidFill>
-                <a:latin typeface="Calibri"/>
-                <a:cs typeface="Calibri"/>
-              </a:rPr>
-              <a:t>5</a:t>
-            </a:r>
-            <a:r>
-              <a:rPr sz="1200" dirty="0">
-                <a:solidFill>
-                  <a:srgbClr val="888888"/>
-                </a:solidFill>
-                <a:latin typeface="Calibri"/>
-                <a:cs typeface="Calibri"/>
-              </a:rPr>
-              <a:t>/0</a:t>
-            </a:r>
-            <a:r>
-              <a:rPr sz="1200" spc="5" dirty="0">
-                <a:solidFill>
-                  <a:srgbClr val="888888"/>
-                </a:solidFill>
-                <a:latin typeface="Calibri"/>
-                <a:cs typeface="Calibri"/>
-              </a:rPr>
-              <a:t>5</a:t>
-            </a:r>
-            <a:r>
-              <a:rPr sz="1200" dirty="0">
-                <a:solidFill>
-                  <a:srgbClr val="888888"/>
-                </a:solidFill>
-                <a:latin typeface="Calibri"/>
-                <a:cs typeface="Calibri"/>
-              </a:rPr>
-              <a:t>/2</a:t>
-            </a:r>
-            <a:r>
-              <a:rPr sz="1200" spc="5" dirty="0">
-                <a:solidFill>
-                  <a:srgbClr val="888888"/>
-                </a:solidFill>
-                <a:latin typeface="Calibri"/>
-                <a:cs typeface="Calibri"/>
-              </a:rPr>
-              <a:t>0</a:t>
-            </a:r>
-            <a:r>
-              <a:rPr sz="1200" dirty="0">
-                <a:solidFill>
-                  <a:srgbClr val="888888"/>
-                </a:solidFill>
-                <a:latin typeface="Calibri"/>
-                <a:cs typeface="Calibri"/>
-              </a:rPr>
-              <a:t>23</a:t>
-            </a:r>
-            <a:endParaRPr sz="1200">
-              <a:latin typeface="Calibri"/>
-              <a:cs typeface="Calibri"/>
-            </a:endParaRPr>
-          </a:p>
-        </p:txBody>
-      </p:sp>
-      <p:sp>
-        <p:nvSpPr>
-          <p:cNvPr id="5" name="Segnaposto data 4">
-            <a:extLst>
-              <a:ext uri="{FF2B5EF4-FFF2-40B4-BE49-F238E27FC236}">
-                <a16:creationId xmlns:a16="http://schemas.microsoft.com/office/drawing/2014/main" id="{3D493355-2017-15AE-8E1A-6179B572A57D}"/>
-              </a:ext>
-            </a:extLst>
-          </p:cNvPr>
-          <p:cNvSpPr>
-            <a:spLocks noGrp="1"/>
-          </p:cNvSpPr>
-          <p:nvPr>
-            <p:ph type="dt" sz="half" idx="6"/>
-          </p:nvPr>
-        </p:nvSpPr>
-        <p:spPr/>
-        <p:txBody>
-          <a:bodyPr/>
+              <a:rPr lang="it-IT" sz="3600" b="1" kern="0" spc="-20" dirty="0"/>
+              <a:t>Descrizione del proprio tramite parametri predefiniti</a:t>
+            </a:r>
+            <a:br>
+              <a:rPr lang="it-IT" sz="4400" b="1" kern="0" spc="-20" dirty="0"/>
+            </a:br>
+            <a:r>
+              <a:rPr lang="it-IT" sz="4400" b="1" kern="0" spc="-20" dirty="0"/>
+              <a:t> </a:t>
+            </a:r>
+            <a:endParaRPr lang="it-IT" sz="4400" b="1" kern="0" dirty="0"/>
+          </a:p>
+        </p:txBody>
+      </p:sp>
+      <p:sp>
+        <p:nvSpPr>
+          <p:cNvPr id="7" name="object 3">
+            <a:extLst>
+              <a:ext uri="{FF2B5EF4-FFF2-40B4-BE49-F238E27FC236}">
+                <a16:creationId xmlns:a16="http://schemas.microsoft.com/office/drawing/2014/main" id="{87F7DFD0-0793-8B88-906F-34AF04CDE98F}"/>
+              </a:ext>
+            </a:extLst>
+          </p:cNvPr>
+          <p:cNvSpPr txBox="1"/>
+          <p:nvPr/>
+        </p:nvSpPr>
+        <p:spPr>
+          <a:xfrm>
+            <a:off x="0" y="1503267"/>
+            <a:ext cx="6705600" cy="2899512"/>
+          </a:xfrm>
+          <a:prstGeom prst="rect">
+            <a:avLst/>
+          </a:prstGeom>
+        </p:spPr>
+        <p:txBody>
+          <a:bodyPr vert="horz" wrap="square" lIns="0" tIns="97790" rIns="0" bIns="0" rtlCol="0">
+            <a:spAutoFit/>
+          </a:bodyPr>
           <a:lstStyle/>
           <a:p>
-            <a:pPr marL="12700">
-              <a:lnSpc>
-                <a:spcPts val="1240"/>
-              </a:lnSpc>
-            </a:pPr>
-            <a:r>
-              <a:rPr lang="it-IT"/>
-              <a:t>06/07/2023</a:t>
-            </a:r>
-            <a:endParaRPr lang="it-IT" dirty="0"/>
-          </a:p>
-        </p:txBody>
-      </p:sp>
-      <p:sp>
-        <p:nvSpPr>
-          <p:cNvPr id="6" name="Segnaposto piè di pagina 5">
-            <a:extLst>
-              <a:ext uri="{FF2B5EF4-FFF2-40B4-BE49-F238E27FC236}">
-                <a16:creationId xmlns:a16="http://schemas.microsoft.com/office/drawing/2014/main" id="{D65EC6AC-EFEE-4310-6A5A-28EFFCBEA084}"/>
-              </a:ext>
-            </a:extLst>
-          </p:cNvPr>
-          <p:cNvSpPr>
-            <a:spLocks noGrp="1"/>
-          </p:cNvSpPr>
-          <p:nvPr>
-            <p:ph type="ftr" sz="quarter" idx="5"/>
-          </p:nvPr>
-        </p:nvSpPr>
-        <p:spPr/>
-        <p:txBody>
-          <a:bodyPr/>
-          <a:lstStyle/>
-          <a:p>
-            <a:pPr marL="12700">
-              <a:lnSpc>
-                <a:spcPts val="1240"/>
-              </a:lnSpc>
-            </a:pPr>
-            <a:r>
-              <a:rPr lang="it-IT"/>
-              <a:t>Mobile</a:t>
-            </a:r>
-            <a:r>
-              <a:rPr lang="it-IT" spc="-55"/>
-              <a:t> </a:t>
-            </a:r>
-            <a:r>
-              <a:rPr lang="it-IT" spc="-5"/>
-              <a:t>Programming</a:t>
-            </a:r>
-            <a:r>
-              <a:rPr lang="it-IT" spc="-40"/>
-              <a:t> </a:t>
-            </a:r>
-            <a:r>
-              <a:rPr lang="it-IT"/>
-              <a:t>2022/2023</a:t>
-            </a:r>
-            <a:endParaRPr lang="it-IT" dirty="0"/>
+            <a:pPr marL="469900" lvl="1">
+              <a:spcBef>
+                <a:spcPts val="770"/>
+              </a:spcBef>
+              <a:tabLst>
+                <a:tab pos="241300" algn="l"/>
+              </a:tabLst>
+            </a:pPr>
+            <a:r>
+              <a:rPr lang="it-IT" dirty="0">
+                <a:latin typeface="Calibri"/>
+                <a:cs typeface="Calibri"/>
+              </a:rPr>
+              <a:t>Con i nostri parametri ci siamo chiesti cosa è importante trovare in una persona durante una chat. </a:t>
+            </a:r>
+          </a:p>
+          <a:p>
+            <a:pPr marL="469900" lvl="1">
+              <a:spcBef>
+                <a:spcPts val="770"/>
+              </a:spcBef>
+              <a:tabLst>
+                <a:tab pos="241300" algn="l"/>
+              </a:tabLst>
+            </a:pPr>
+            <a:r>
+              <a:rPr lang="it-IT" dirty="0">
+                <a:latin typeface="Calibri"/>
+                <a:cs typeface="Calibri"/>
+              </a:rPr>
+              <a:t>Tramite questa analisi l’utente viene guidato verso una consapevolezza rispetto ad una scala da 1 a 5 rispetto ai parametri di :</a:t>
+            </a:r>
+          </a:p>
+          <a:p>
+            <a:pPr marL="469900" lvl="1">
+              <a:spcBef>
+                <a:spcPts val="770"/>
+              </a:spcBef>
+              <a:tabLst>
+                <a:tab pos="241300" algn="l"/>
+              </a:tabLst>
+            </a:pPr>
+            <a:r>
+              <a:rPr lang="it-IT" dirty="0">
+                <a:latin typeface="Calibri"/>
+                <a:cs typeface="Calibri"/>
+              </a:rPr>
+              <a:t>Empatia 		Umorismo 		Positività</a:t>
+            </a:r>
+          </a:p>
+          <a:p>
+            <a:pPr marL="469900" lvl="1">
+              <a:spcBef>
+                <a:spcPts val="770"/>
+              </a:spcBef>
+              <a:tabLst>
+                <a:tab pos="241300" algn="l"/>
+              </a:tabLst>
+            </a:pPr>
+            <a:r>
+              <a:rPr lang="it-IT" dirty="0">
+                <a:solidFill>
+                  <a:srgbClr val="FF0000"/>
+                </a:solidFill>
+                <a:latin typeface="Calibri"/>
+                <a:cs typeface="Calibri"/>
+              </a:rPr>
+              <a:t>Questi parametri tuttavia non sono modificati manualmente dall’ utente ma tramite dei </a:t>
+            </a:r>
+            <a:r>
+              <a:rPr lang="it-IT" dirty="0" err="1">
+                <a:solidFill>
+                  <a:srgbClr val="FF0000"/>
+                </a:solidFill>
+                <a:latin typeface="Calibri"/>
+                <a:cs typeface="Calibri"/>
+              </a:rPr>
+              <a:t>form</a:t>
+            </a:r>
+            <a:r>
+              <a:rPr lang="it-IT" dirty="0">
+                <a:solidFill>
+                  <a:srgbClr val="FF0000"/>
+                </a:solidFill>
+                <a:latin typeface="Calibri"/>
+                <a:cs typeface="Calibri"/>
+              </a:rPr>
+              <a:t> ai quali quotidianamente l’utente può sottoporsi.</a:t>
+            </a:r>
           </a:p>
         </p:txBody>
       </p:sp>
       <p:pic>
         <p:nvPicPr>
-          <p:cNvPr id="11" name="Immagine 10">
-            <a:extLst>
-              <a:ext uri="{FF2B5EF4-FFF2-40B4-BE49-F238E27FC236}">
-                <a16:creationId xmlns:a16="http://schemas.microsoft.com/office/drawing/2014/main" id="{383E511C-4392-2E3C-9E32-845BBCEF3B49}"/>
+          <p:cNvPr id="8" name="Immagine 7">
+            <a:extLst>
+              <a:ext uri="{FF2B5EF4-FFF2-40B4-BE49-F238E27FC236}">
+                <a16:creationId xmlns:a16="http://schemas.microsoft.com/office/drawing/2014/main" id="{9029AB80-60C3-A2CE-E4A8-190EF1CC10FB}"/>
               </a:ext>
             </a:extLst>
           </p:cNvPr>
@@ -4746,159 +6545,108 @@
         </p:nvPicPr>
         <p:blipFill rotWithShape="1">
           <a:blip r:embed="rId2"/>
-          <a:srcRect l="22222" t="37037" r="24074" b="33333"/>
+          <a:srcRect r="65706"/>
           <a:stretch/>
         </p:blipFill>
         <p:spPr>
           <a:xfrm>
-            <a:off x="6858000" y="152400"/>
-            <a:ext cx="2209800" cy="1219200"/>
+            <a:off x="7010400" y="101065"/>
+            <a:ext cx="1898406" cy="1402202"/>
+          </a:xfrm>
+          <a:prstGeom prst="rect">
+            <a:avLst/>
+          </a:prstGeom>
+        </p:spPr>
+      </p:pic>
+      <p:pic>
+        <p:nvPicPr>
+          <p:cNvPr id="9" name="Immagine 8" descr="Immagine che contiene testo, schermata, Carattere, numero&#10;&#10;Descrizione generata automaticamente">
+            <a:extLst>
+              <a:ext uri="{FF2B5EF4-FFF2-40B4-BE49-F238E27FC236}">
+                <a16:creationId xmlns:a16="http://schemas.microsoft.com/office/drawing/2014/main" id="{7D1F9D37-B4D3-907A-CF25-EF55514F03D4}"/>
+              </a:ext>
+            </a:extLst>
+          </p:cNvPr>
+          <p:cNvPicPr>
+            <a:picLocks noChangeAspect="1"/>
+          </p:cNvPicPr>
+          <p:nvPr/>
+        </p:nvPicPr>
+        <p:blipFill>
+          <a:blip r:embed="rId3">
+            <a:extLst>
+              <a:ext uri="{28A0092B-C50C-407E-A947-70E740481C1C}">
+                <a14:useLocalDpi xmlns:a14="http://schemas.microsoft.com/office/drawing/2010/main" val="0"/>
+              </a:ext>
+            </a:extLst>
+          </a:blip>
+          <a:stretch>
+            <a:fillRect/>
+          </a:stretch>
+        </p:blipFill>
+        <p:spPr>
+          <a:xfrm>
+            <a:off x="6767020" y="1503267"/>
+            <a:ext cx="2356465" cy="3451388"/>
           </a:xfrm>
           <a:prstGeom prst="rect">
             <a:avLst/>
           </a:prstGeom>
           <a:effectLst>
-            <a:outerShdw blurRad="330200" dist="38100" dir="5400000" algn="t" rotWithShape="0">
+            <a:outerShdw blurRad="50800" dist="38100" algn="l" rotWithShape="0">
               <a:prstClr val="black">
-                <a:alpha val="76000"/>
+                <a:alpha val="40000"/>
               </a:prstClr>
             </a:outerShdw>
           </a:effectLst>
         </p:spPr>
       </p:pic>
-      <p:sp>
-        <p:nvSpPr>
-          <p:cNvPr id="12" name="object 2">
-            <a:extLst>
-              <a:ext uri="{FF2B5EF4-FFF2-40B4-BE49-F238E27FC236}">
-                <a16:creationId xmlns:a16="http://schemas.microsoft.com/office/drawing/2014/main" id="{A8B449FE-4217-D30A-378E-1700D58FFDA4}"/>
-              </a:ext>
-            </a:extLst>
-          </p:cNvPr>
-          <p:cNvSpPr txBox="1">
-            <a:spLocks noGrp="1"/>
-          </p:cNvSpPr>
-          <p:nvPr>
-            <p:ph type="title"/>
-          </p:nvPr>
-        </p:nvSpPr>
+      <p:pic>
+        <p:nvPicPr>
+          <p:cNvPr id="13" name="Immagine 12" descr="Immagine che contiene testo, schermata, Pubblicità online, software&#10;&#10;Descrizione generata automaticamente">
+            <a:extLst>
+              <a:ext uri="{FF2B5EF4-FFF2-40B4-BE49-F238E27FC236}">
+                <a16:creationId xmlns:a16="http://schemas.microsoft.com/office/drawing/2014/main" id="{61EBDAA0-6356-01A4-A1C6-38353630CB8A}"/>
+              </a:ext>
+            </a:extLst>
+          </p:cNvPr>
+          <p:cNvPicPr>
+            <a:picLocks noChangeAspect="1"/>
+          </p:cNvPicPr>
+          <p:nvPr/>
+        </p:nvPicPr>
+        <p:blipFill rotWithShape="1">
+          <a:blip r:embed="rId4" cstate="print">
+            <a:extLst>
+              <a:ext uri="{28A0092B-C50C-407E-A947-70E740481C1C}">
+                <a14:useLocalDpi xmlns:a14="http://schemas.microsoft.com/office/drawing/2010/main" val="0"/>
+              </a:ext>
+            </a:extLst>
+          </a:blip>
+          <a:srcRect t="21111" b="42222"/>
+          <a:stretch/>
+        </p:blipFill>
         <p:spPr>
           <a:xfrm>
-            <a:off x="457200" y="457200"/>
-            <a:ext cx="5791200" cy="1859483"/>
+            <a:off x="4822090" y="4898264"/>
+            <a:ext cx="1883510" cy="1534712"/>
           </a:xfrm>
           <a:prstGeom prst="rect">
             <a:avLst/>
           </a:prstGeom>
+          <a:effectLst>
+            <a:outerShdw blurRad="50800" dist="38100" dir="5400000" algn="t" rotWithShape="0">
+              <a:prstClr val="black">
+                <a:alpha val="40000"/>
+              </a:prstClr>
+            </a:outerShdw>
+          </a:effectLst>
         </p:spPr>
-        <p:txBody>
-          <a:bodyPr vert="horz" wrap="square" lIns="0" tIns="12700" rIns="0" bIns="0" rtlCol="0">
-            <a:spAutoFit/>
-          </a:bodyPr>
-          <a:lstStyle/>
-          <a:p>
-            <a:pPr marL="12700">
-              <a:spcBef>
-                <a:spcPts val="100"/>
-              </a:spcBef>
-            </a:pPr>
-            <a:r>
-              <a:rPr lang="it-IT" sz="4000" b="1" kern="0" spc="-20" dirty="0"/>
-              <a:t>Grafica implementata grazie alle funzionalità offerte da Compose </a:t>
-            </a:r>
-          </a:p>
-        </p:txBody>
-      </p:sp>
-      <p:sp>
-        <p:nvSpPr>
-          <p:cNvPr id="17" name="Segnaposto numero diapositiva 16">
-            <a:extLst>
-              <a:ext uri="{FF2B5EF4-FFF2-40B4-BE49-F238E27FC236}">
-                <a16:creationId xmlns:a16="http://schemas.microsoft.com/office/drawing/2014/main" id="{AE88F6A4-BD43-D4D6-810D-B38E7A80D6C0}"/>
-              </a:ext>
-            </a:extLst>
-          </p:cNvPr>
-          <p:cNvSpPr>
-            <a:spLocks noGrp="1"/>
-          </p:cNvSpPr>
-          <p:nvPr>
-            <p:ph type="sldNum" sz="quarter" idx="7"/>
-          </p:nvPr>
-        </p:nvSpPr>
-        <p:spPr/>
-        <p:txBody>
-          <a:bodyPr/>
-          <a:lstStyle/>
-          <a:p>
-            <a:pPr marL="38100">
-              <a:lnSpc>
-                <a:spcPts val="1240"/>
-              </a:lnSpc>
-            </a:pPr>
-            <a:fld id="{81D60167-4931-47E6-BA6A-407CBD079E47}" type="slidenum">
-              <a:rPr lang="it-IT" smtClean="0"/>
-              <a:t>6</a:t>
-            </a:fld>
-            <a:endParaRPr lang="it-IT" dirty="0"/>
-          </a:p>
-        </p:txBody>
-      </p:sp>
-      <p:sp>
-        <p:nvSpPr>
-          <p:cNvPr id="3" name="object 3">
-            <a:extLst>
-              <a:ext uri="{FF2B5EF4-FFF2-40B4-BE49-F238E27FC236}">
-                <a16:creationId xmlns:a16="http://schemas.microsoft.com/office/drawing/2014/main" id="{20896BFC-5460-8B18-EE59-70F26D6808F2}"/>
-              </a:ext>
-            </a:extLst>
-          </p:cNvPr>
-          <p:cNvSpPr txBox="1"/>
-          <p:nvPr/>
-        </p:nvSpPr>
-        <p:spPr>
-          <a:xfrm>
-            <a:off x="152400" y="2298395"/>
-            <a:ext cx="7254875" cy="1949893"/>
-          </a:xfrm>
-          <a:prstGeom prst="rect">
-            <a:avLst/>
-          </a:prstGeom>
-        </p:spPr>
-        <p:txBody>
-          <a:bodyPr vert="horz" wrap="square" lIns="0" tIns="60960" rIns="0" bIns="0" rtlCol="0">
-            <a:spAutoFit/>
-          </a:bodyPr>
-          <a:lstStyle/>
-          <a:p>
-            <a:pPr marL="469900" marR="179070" lvl="1">
-              <a:lnSpc>
-                <a:spcPts val="3020"/>
-              </a:lnSpc>
-              <a:spcBef>
-                <a:spcPts val="480"/>
-              </a:spcBef>
-              <a:tabLst>
-                <a:tab pos="241300" algn="l"/>
-              </a:tabLst>
-            </a:pPr>
-            <a:r>
-              <a:rPr lang="it-IT" spc="-10" dirty="0">
-                <a:latin typeface="Calibri"/>
-                <a:cs typeface="Calibri"/>
-              </a:rPr>
-              <a:t>Per far si che l’interfaccia sia scritta nello stesso linguaggio di programmazione con cui scrivo il codice, garantendo una più facile gestione e leggibilità , inoltre tale sistema permette anche la facilità con cui si sa ridimensionare sui diversi schermi e tener conto delle preferenze utente  </a:t>
-            </a:r>
-            <a:endParaRPr sz="1600" dirty="0">
-              <a:latin typeface="Calibri"/>
-              <a:cs typeface="Calibri"/>
-            </a:endParaRPr>
-          </a:p>
-        </p:txBody>
-      </p:sp>
+      </p:pic>
     </p:spTree>
     <p:extLst>
       <p:ext uri="{BB962C8B-B14F-4D97-AF65-F5344CB8AC3E}">
-        <p14:creationId xmlns:p14="http://schemas.microsoft.com/office/powerpoint/2010/main" val="2458634237"/>
+        <p14:creationId xmlns:p14="http://schemas.microsoft.com/office/powerpoint/2010/main" val="675191035"/>
       </p:ext>
     </p:extLst>
   </p:cSld>
@@ -4909,7 +6657,7 @@
 </file>
 
 <file path=ppt/slides/slide7.xml><?xml version="1.0" encoding="utf-8"?>
-<p:sld xmlns:a="http://schemas.openxmlformats.org/drawingml/2006/main" xmlns:r="http://schemas.openxmlformats.org/officeDocument/2006/relationships" xmlns:p="http://schemas.openxmlformats.org/presentationml/2006/main" showMasterSp="0">
+<p:sld xmlns:a="http://schemas.openxmlformats.org/drawingml/2006/main" xmlns:r="http://schemas.openxmlformats.org/officeDocument/2006/relationships" xmlns:p="http://schemas.openxmlformats.org/presentationml/2006/main">
   <p:cSld>
     <p:spTree>
       <p:nvGrpSpPr>
@@ -4927,14 +6675,142 @@
       </p:grpSpPr>
       <p:sp>
         <p:nvSpPr>
-          <p:cNvPr id="2" name="object 2"/>
-          <p:cNvSpPr txBox="1"/>
-          <p:nvPr/>
+          <p:cNvPr id="3" name="Segnaposto piè di pagina 2">
+            <a:extLst>
+              <a:ext uri="{FF2B5EF4-FFF2-40B4-BE49-F238E27FC236}">
+                <a16:creationId xmlns:a16="http://schemas.microsoft.com/office/drawing/2014/main" id="{E4554156-115D-49CD-1E32-22CBC195E6A9}"/>
+              </a:ext>
+            </a:extLst>
+          </p:cNvPr>
+          <p:cNvSpPr>
+            <a:spLocks noGrp="1"/>
+          </p:cNvSpPr>
+          <p:nvPr>
+            <p:ph type="ftr" sz="quarter" idx="5"/>
+          </p:nvPr>
+        </p:nvSpPr>
+        <p:spPr/>
+        <p:txBody>
+          <a:bodyPr/>
+          <a:lstStyle/>
+          <a:p>
+            <a:pPr marL="12700">
+              <a:lnSpc>
+                <a:spcPts val="1240"/>
+              </a:lnSpc>
+            </a:pPr>
+            <a:r>
+              <a:rPr lang="it-IT"/>
+              <a:t>Mobile</a:t>
+            </a:r>
+            <a:r>
+              <a:rPr lang="it-IT" spc="-55"/>
+              <a:t> </a:t>
+            </a:r>
+            <a:r>
+              <a:rPr lang="it-IT" spc="-5"/>
+              <a:t>Programming</a:t>
+            </a:r>
+            <a:r>
+              <a:rPr lang="it-IT" spc="-40"/>
+              <a:t> </a:t>
+            </a:r>
+            <a:r>
+              <a:rPr lang="it-IT"/>
+              <a:t>2022/2023</a:t>
+            </a:r>
+            <a:endParaRPr lang="it-IT" dirty="0"/>
+          </a:p>
+        </p:txBody>
+      </p:sp>
+      <p:sp>
+        <p:nvSpPr>
+          <p:cNvPr id="4" name="Segnaposto data 3">
+            <a:extLst>
+              <a:ext uri="{FF2B5EF4-FFF2-40B4-BE49-F238E27FC236}">
+                <a16:creationId xmlns:a16="http://schemas.microsoft.com/office/drawing/2014/main" id="{CB1BB173-C231-1718-6C43-F5EE6D74157F}"/>
+              </a:ext>
+            </a:extLst>
+          </p:cNvPr>
+          <p:cNvSpPr>
+            <a:spLocks noGrp="1"/>
+          </p:cNvSpPr>
+          <p:nvPr>
+            <p:ph type="dt" sz="half" idx="6"/>
+          </p:nvPr>
+        </p:nvSpPr>
+        <p:spPr/>
+        <p:txBody>
+          <a:bodyPr/>
+          <a:lstStyle/>
+          <a:p>
+            <a:pPr marL="12700">
+              <a:lnSpc>
+                <a:spcPts val="1240"/>
+              </a:lnSpc>
+            </a:pPr>
+            <a:r>
+              <a:rPr lang="it-IT"/>
+              <a:t>06/07/2023</a:t>
+            </a:r>
+            <a:endParaRPr lang="it-IT" dirty="0"/>
+          </a:p>
+        </p:txBody>
+      </p:sp>
+      <p:sp>
+        <p:nvSpPr>
+          <p:cNvPr id="5" name="Segnaposto numero diapositiva 4">
+            <a:extLst>
+              <a:ext uri="{FF2B5EF4-FFF2-40B4-BE49-F238E27FC236}">
+                <a16:creationId xmlns:a16="http://schemas.microsoft.com/office/drawing/2014/main" id="{9D1D73AA-61DD-D515-2C28-09EE858FA61D}"/>
+              </a:ext>
+            </a:extLst>
+          </p:cNvPr>
+          <p:cNvSpPr>
+            <a:spLocks noGrp="1"/>
+          </p:cNvSpPr>
+          <p:nvPr>
+            <p:ph type="sldNum" sz="quarter" idx="7"/>
+          </p:nvPr>
+        </p:nvSpPr>
+        <p:spPr/>
+        <p:txBody>
+          <a:bodyPr/>
+          <a:lstStyle/>
+          <a:p>
+            <a:pPr marL="38100">
+              <a:lnSpc>
+                <a:spcPts val="1240"/>
+              </a:lnSpc>
+            </a:pPr>
+            <a:fld id="{81D60167-4931-47E6-BA6A-407CBD079E47}" type="slidenum">
+              <a:rPr lang="it-IT" smtClean="0"/>
+              <a:t>7</a:t>
+            </a:fld>
+            <a:endParaRPr lang="it-IT" dirty="0"/>
+          </a:p>
+        </p:txBody>
+      </p:sp>
+      <p:sp>
+        <p:nvSpPr>
+          <p:cNvPr id="6" name="object 2">
+            <a:extLst>
+              <a:ext uri="{FF2B5EF4-FFF2-40B4-BE49-F238E27FC236}">
+                <a16:creationId xmlns:a16="http://schemas.microsoft.com/office/drawing/2014/main" id="{A1D0BAC4-2980-AF2F-FE3A-A848E6131A2A}"/>
+              </a:ext>
+            </a:extLst>
+          </p:cNvPr>
+          <p:cNvSpPr txBox="1">
+            <a:spLocks noGrp="1"/>
+          </p:cNvSpPr>
+          <p:nvPr>
+            <p:ph type="title"/>
+          </p:nvPr>
         </p:nvSpPr>
         <p:spPr>
           <a:xfrm>
-            <a:off x="707542" y="6427114"/>
-            <a:ext cx="764540" cy="208279"/>
+            <a:off x="429765" y="281752"/>
+            <a:ext cx="5791200" cy="2475037"/>
           </a:xfrm>
           <a:prstGeom prst="rect">
             <a:avLst/>
@@ -4947,180 +6823,82 @@
           <a:lstStyle/>
           <a:p>
             <a:pPr marL="12700">
-              <a:lnSpc>
-                <a:spcPct val="100000"/>
-              </a:lnSpc>
               <a:spcBef>
                 <a:spcPts val="100"/>
               </a:spcBef>
             </a:pPr>
             <a:r>
-              <a:rPr sz="1200" dirty="0">
-                <a:solidFill>
-                  <a:srgbClr val="888888"/>
-                </a:solidFill>
-                <a:latin typeface="Calibri"/>
-                <a:cs typeface="Calibri"/>
-              </a:rPr>
-              <a:t>0</a:t>
-            </a:r>
-            <a:r>
-              <a:rPr sz="1200" spc="5" dirty="0">
-                <a:solidFill>
-                  <a:srgbClr val="888888"/>
-                </a:solidFill>
-                <a:latin typeface="Calibri"/>
-                <a:cs typeface="Calibri"/>
-              </a:rPr>
-              <a:t>5</a:t>
-            </a:r>
-            <a:r>
-              <a:rPr sz="1200" dirty="0">
-                <a:solidFill>
-                  <a:srgbClr val="888888"/>
-                </a:solidFill>
-                <a:latin typeface="Calibri"/>
-                <a:cs typeface="Calibri"/>
-              </a:rPr>
-              <a:t>/0</a:t>
-            </a:r>
-            <a:r>
-              <a:rPr sz="1200" spc="5" dirty="0">
-                <a:solidFill>
-                  <a:srgbClr val="888888"/>
-                </a:solidFill>
-                <a:latin typeface="Calibri"/>
-                <a:cs typeface="Calibri"/>
-              </a:rPr>
-              <a:t>5</a:t>
-            </a:r>
-            <a:r>
-              <a:rPr sz="1200" dirty="0">
-                <a:solidFill>
-                  <a:srgbClr val="888888"/>
-                </a:solidFill>
-                <a:latin typeface="Calibri"/>
-                <a:cs typeface="Calibri"/>
-              </a:rPr>
-              <a:t>/2</a:t>
-            </a:r>
-            <a:r>
-              <a:rPr sz="1200" spc="5" dirty="0">
-                <a:solidFill>
-                  <a:srgbClr val="888888"/>
-                </a:solidFill>
-                <a:latin typeface="Calibri"/>
-                <a:cs typeface="Calibri"/>
-              </a:rPr>
-              <a:t>0</a:t>
-            </a:r>
-            <a:r>
-              <a:rPr sz="1200" dirty="0">
-                <a:solidFill>
-                  <a:srgbClr val="888888"/>
-                </a:solidFill>
-                <a:latin typeface="Calibri"/>
-                <a:cs typeface="Calibri"/>
-              </a:rPr>
-              <a:t>23</a:t>
-            </a:r>
-            <a:endParaRPr sz="1200">
-              <a:latin typeface="Calibri"/>
-              <a:cs typeface="Calibri"/>
-            </a:endParaRPr>
-          </a:p>
-        </p:txBody>
-      </p:sp>
-      <p:sp>
-        <p:nvSpPr>
-          <p:cNvPr id="5" name="Segnaposto data 4">
-            <a:extLst>
-              <a:ext uri="{FF2B5EF4-FFF2-40B4-BE49-F238E27FC236}">
-                <a16:creationId xmlns:a16="http://schemas.microsoft.com/office/drawing/2014/main" id="{3D493355-2017-15AE-8E1A-6179B572A57D}"/>
-              </a:ext>
-            </a:extLst>
-          </p:cNvPr>
-          <p:cNvSpPr>
-            <a:spLocks noGrp="1"/>
-          </p:cNvSpPr>
-          <p:nvPr>
-            <p:ph type="dt" sz="half" idx="6"/>
-          </p:nvPr>
-        </p:nvSpPr>
-        <p:spPr/>
-        <p:txBody>
-          <a:bodyPr/>
+              <a:rPr lang="it-IT" sz="3600" b="1" kern="0" spc="-20" dirty="0"/>
+              <a:t>Descrizione del proprio carattere uno spazio dedicato </a:t>
+            </a:r>
+            <a:br>
+              <a:rPr lang="it-IT" sz="3600" b="1" kern="0" spc="-20" dirty="0"/>
+            </a:br>
+            <a:br>
+              <a:rPr lang="it-IT" sz="4400" b="1" kern="0" spc="-20" dirty="0"/>
+            </a:br>
+            <a:r>
+              <a:rPr lang="it-IT" sz="4400" b="1" kern="0" spc="-20" dirty="0"/>
+              <a:t> </a:t>
+            </a:r>
+            <a:endParaRPr lang="it-IT" sz="4400" b="1" kern="0" dirty="0"/>
+          </a:p>
+        </p:txBody>
+      </p:sp>
+      <p:sp>
+        <p:nvSpPr>
+          <p:cNvPr id="7" name="object 3">
+            <a:extLst>
+              <a:ext uri="{FF2B5EF4-FFF2-40B4-BE49-F238E27FC236}">
+                <a16:creationId xmlns:a16="http://schemas.microsoft.com/office/drawing/2014/main" id="{87F7DFD0-0793-8B88-906F-34AF04CDE98F}"/>
+              </a:ext>
+            </a:extLst>
+          </p:cNvPr>
+          <p:cNvSpPr txBox="1"/>
+          <p:nvPr/>
+        </p:nvSpPr>
+        <p:spPr>
+          <a:xfrm>
+            <a:off x="0" y="1503267"/>
+            <a:ext cx="6705600" cy="652743"/>
+          </a:xfrm>
+          <a:prstGeom prst="rect">
+            <a:avLst/>
+          </a:prstGeom>
+        </p:spPr>
+        <p:txBody>
+          <a:bodyPr vert="horz" wrap="square" lIns="0" tIns="97790" rIns="0" bIns="0" rtlCol="0">
+            <a:spAutoFit/>
+          </a:bodyPr>
           <a:lstStyle/>
           <a:p>
-            <a:pPr marL="12700">
-              <a:lnSpc>
-                <a:spcPts val="1240"/>
-              </a:lnSpc>
-            </a:pPr>
-            <a:r>
-              <a:rPr lang="it-IT"/>
-              <a:t>06/07/2023</a:t>
-            </a:r>
-            <a:endParaRPr lang="it-IT" dirty="0"/>
-          </a:p>
-        </p:txBody>
-      </p:sp>
-      <p:sp>
-        <p:nvSpPr>
-          <p:cNvPr id="6" name="Segnaposto piè di pagina 5">
-            <a:extLst>
-              <a:ext uri="{FF2B5EF4-FFF2-40B4-BE49-F238E27FC236}">
-                <a16:creationId xmlns:a16="http://schemas.microsoft.com/office/drawing/2014/main" id="{D65EC6AC-EFEE-4310-6A5A-28EFFCBEA084}"/>
-              </a:ext>
-            </a:extLst>
-          </p:cNvPr>
-          <p:cNvSpPr>
-            <a:spLocks noGrp="1"/>
-          </p:cNvSpPr>
-          <p:nvPr>
-            <p:ph type="ftr" sz="quarter" idx="5"/>
-          </p:nvPr>
-        </p:nvSpPr>
-        <p:spPr/>
-        <p:txBody>
-          <a:bodyPr/>
-          <a:lstStyle/>
-          <a:p>
-            <a:pPr marL="12700">
-              <a:lnSpc>
-                <a:spcPts val="1240"/>
-              </a:lnSpc>
-            </a:pPr>
-            <a:r>
-              <a:rPr lang="it-IT"/>
-              <a:t>Mobile</a:t>
-            </a:r>
-            <a:r>
-              <a:rPr lang="it-IT" spc="-55"/>
-              <a:t> </a:t>
-            </a:r>
-            <a:r>
-              <a:rPr lang="it-IT" spc="-5"/>
-              <a:t>Programming</a:t>
-            </a:r>
-            <a:r>
-              <a:rPr lang="it-IT" spc="-40"/>
-              <a:t> </a:t>
-            </a:r>
-            <a:r>
-              <a:rPr lang="it-IT"/>
-              <a:t>2022/2023</a:t>
-            </a:r>
-            <a:endParaRPr lang="it-IT" dirty="0"/>
+            <a:pPr marL="469900" lvl="1">
+              <a:spcBef>
+                <a:spcPts val="770"/>
+              </a:spcBef>
+              <a:tabLst>
+                <a:tab pos="241300" algn="l"/>
+              </a:tabLst>
+            </a:pPr>
+            <a:r>
+              <a:rPr lang="it-IT" dirty="0">
+                <a:solidFill>
+                  <a:srgbClr val="FF0000"/>
+                </a:solidFill>
+                <a:latin typeface="Calibri"/>
+                <a:cs typeface="Calibri"/>
+              </a:rPr>
+              <a:t>In questo spazio riservato l’utente può raccontare di se a proprio piacimento tramite dei tag che lo descrivono.</a:t>
+            </a:r>
           </a:p>
         </p:txBody>
       </p:sp>
       <p:pic>
         <p:nvPicPr>
-          <p:cNvPr id="11" name="Immagine 10">
-            <a:extLst>
-              <a:ext uri="{FF2B5EF4-FFF2-40B4-BE49-F238E27FC236}">
-                <a16:creationId xmlns:a16="http://schemas.microsoft.com/office/drawing/2014/main" id="{383E511C-4392-2E3C-9E32-845BBCEF3B49}"/>
+          <p:cNvPr id="8" name="Immagine 7">
+            <a:extLst>
+              <a:ext uri="{FF2B5EF4-FFF2-40B4-BE49-F238E27FC236}">
+                <a16:creationId xmlns:a16="http://schemas.microsoft.com/office/drawing/2014/main" id="{9029AB80-60C3-A2CE-E4A8-190EF1CC10FB}"/>
               </a:ext>
             </a:extLst>
           </p:cNvPr>
@@ -5131,21 +6909,51 @@
         </p:nvPicPr>
         <p:blipFill rotWithShape="1">
           <a:blip r:embed="rId2"/>
-          <a:srcRect l="22222" t="37037" r="24074" b="33333"/>
+          <a:srcRect r="65706"/>
           <a:stretch/>
         </p:blipFill>
         <p:spPr>
           <a:xfrm>
-            <a:off x="6858000" y="152400"/>
-            <a:ext cx="2209800" cy="1219200"/>
+            <a:off x="7010400" y="101065"/>
+            <a:ext cx="1898406" cy="1402202"/>
+          </a:xfrm>
+          <a:prstGeom prst="rect">
+            <a:avLst/>
+          </a:prstGeom>
+        </p:spPr>
+      </p:pic>
+      <p:pic>
+        <p:nvPicPr>
+          <p:cNvPr id="10" name="Immagine 9">
+            <a:extLst>
+              <a:ext uri="{FF2B5EF4-FFF2-40B4-BE49-F238E27FC236}">
+                <a16:creationId xmlns:a16="http://schemas.microsoft.com/office/drawing/2014/main" id="{393FD211-A61D-2025-4836-23234D1C6756}"/>
+              </a:ext>
+            </a:extLst>
+          </p:cNvPr>
+          <p:cNvPicPr>
+            <a:picLocks noChangeAspect="1"/>
+          </p:cNvPicPr>
+          <p:nvPr/>
+        </p:nvPicPr>
+        <p:blipFill>
+          <a:blip r:embed="rId3"/>
+          <a:stretch>
+            <a:fillRect/>
+          </a:stretch>
+        </p:blipFill>
+        <p:spPr>
+          <a:xfrm>
+            <a:off x="6601964" y="1968138"/>
+            <a:ext cx="2413918" cy="3060164"/>
           </a:xfrm>
           <a:prstGeom prst="rect">
             <a:avLst/>
           </a:prstGeom>
           <a:effectLst>
-            <a:outerShdw blurRad="330200" dist="38100" dir="5400000" algn="t" rotWithShape="0">
+            <a:outerShdw blurRad="50800" dist="38100" algn="l" rotWithShape="0">
               <a:prstClr val="black">
-                <a:alpha val="76000"/>
+                <a:alpha val="40000"/>
               </a:prstClr>
             </a:outerShdw>
           </a:effectLst>
@@ -5153,151 +6961,98 @@
       </p:pic>
       <p:sp>
         <p:nvSpPr>
-          <p:cNvPr id="12" name="object 2">
-            <a:extLst>
-              <a:ext uri="{FF2B5EF4-FFF2-40B4-BE49-F238E27FC236}">
-                <a16:creationId xmlns:a16="http://schemas.microsoft.com/office/drawing/2014/main" id="{A8B449FE-4217-D30A-378E-1700D58FFDA4}"/>
-              </a:ext>
-            </a:extLst>
-          </p:cNvPr>
-          <p:cNvSpPr txBox="1">
-            <a:spLocks noGrp="1"/>
-          </p:cNvSpPr>
-          <p:nvPr>
-            <p:ph type="title"/>
-          </p:nvPr>
+          <p:cNvPr id="12" name="CasellaDiTesto 11">
+            <a:extLst>
+              <a:ext uri="{FF2B5EF4-FFF2-40B4-BE49-F238E27FC236}">
+                <a16:creationId xmlns:a16="http://schemas.microsoft.com/office/drawing/2014/main" id="{97AA5D07-D346-769B-32E8-0A05DD2807A6}"/>
+              </a:ext>
+            </a:extLst>
+          </p:cNvPr>
+          <p:cNvSpPr txBox="1"/>
+          <p:nvPr/>
         </p:nvSpPr>
         <p:spPr>
           <a:xfrm>
-            <a:off x="457200" y="457200"/>
-            <a:ext cx="5791200" cy="1243930"/>
+            <a:off x="360362" y="2231472"/>
+            <a:ext cx="5894835" cy="1477328"/>
+          </a:xfrm>
+          <a:prstGeom prst="rect">
+            <a:avLst/>
+          </a:prstGeom>
+          <a:noFill/>
+        </p:spPr>
+        <p:txBody>
+          <a:bodyPr wrap="square">
+            <a:spAutoFit/>
+          </a:bodyPr>
+          <a:lstStyle/>
+          <a:p>
+            <a:r>
+              <a:rPr lang="it-IT" sz="3600" spc="-10" dirty="0">
+                <a:latin typeface="Calibri"/>
+                <a:cs typeface="Calibri"/>
+              </a:rPr>
+              <a:t>La possibilità di porsi degli obiettivi personali</a:t>
+            </a:r>
+            <a:br>
+              <a:rPr lang="it-IT" sz="1800" b="1" kern="0" spc="-20" dirty="0"/>
+            </a:br>
+            <a:endParaRPr lang="it-IT" dirty="0"/>
+          </a:p>
+        </p:txBody>
+      </p:sp>
+      <p:sp>
+        <p:nvSpPr>
+          <p:cNvPr id="14" name="object 3">
+            <a:extLst>
+              <a:ext uri="{FF2B5EF4-FFF2-40B4-BE49-F238E27FC236}">
+                <a16:creationId xmlns:a16="http://schemas.microsoft.com/office/drawing/2014/main" id="{7A57F550-8D9B-2AB5-0851-A3AFCCFC2312}"/>
+              </a:ext>
+            </a:extLst>
+          </p:cNvPr>
+          <p:cNvSpPr txBox="1"/>
+          <p:nvPr/>
+        </p:nvSpPr>
+        <p:spPr>
+          <a:xfrm>
+            <a:off x="-94844" y="3319391"/>
+            <a:ext cx="6705600" cy="929742"/>
           </a:xfrm>
           <a:prstGeom prst="rect">
             <a:avLst/>
           </a:prstGeom>
         </p:spPr>
         <p:txBody>
-          <a:bodyPr vert="horz" wrap="square" lIns="0" tIns="12700" rIns="0" bIns="0" rtlCol="0">
+          <a:bodyPr vert="horz" wrap="square" lIns="0" tIns="97790" rIns="0" bIns="0" rtlCol="0">
             <a:spAutoFit/>
           </a:bodyPr>
           <a:lstStyle/>
           <a:p>
-            <a:pPr marL="12700">
+            <a:pPr marL="469900" lvl="1">
               <a:spcBef>
-                <a:spcPts val="100"/>
-              </a:spcBef>
-            </a:pPr>
-            <a:r>
-              <a:rPr lang="it-IT" sz="4000" b="1" kern="0" spc="-20" dirty="0"/>
-              <a:t>Comunicazione con il database tramite Room </a:t>
-            </a:r>
-          </a:p>
-        </p:txBody>
-      </p:sp>
-      <p:sp>
-        <p:nvSpPr>
-          <p:cNvPr id="17" name="Segnaposto numero diapositiva 16">
-            <a:extLst>
-              <a:ext uri="{FF2B5EF4-FFF2-40B4-BE49-F238E27FC236}">
-                <a16:creationId xmlns:a16="http://schemas.microsoft.com/office/drawing/2014/main" id="{AE88F6A4-BD43-D4D6-810D-B38E7A80D6C0}"/>
-              </a:ext>
-            </a:extLst>
-          </p:cNvPr>
-          <p:cNvSpPr>
-            <a:spLocks noGrp="1"/>
-          </p:cNvSpPr>
-          <p:nvPr>
-            <p:ph type="sldNum" sz="quarter" idx="7"/>
-          </p:nvPr>
-        </p:nvSpPr>
-        <p:spPr/>
-        <p:txBody>
-          <a:bodyPr/>
-          <a:lstStyle/>
-          <a:p>
-            <a:pPr marL="38100">
-              <a:lnSpc>
-                <a:spcPts val="1240"/>
-              </a:lnSpc>
-            </a:pPr>
-            <a:fld id="{81D60167-4931-47E6-BA6A-407CBD079E47}" type="slidenum">
-              <a:rPr lang="it-IT" smtClean="0"/>
-              <a:t>7</a:t>
-            </a:fld>
-            <a:endParaRPr lang="it-IT" dirty="0"/>
-          </a:p>
-        </p:txBody>
-      </p:sp>
-      <p:sp>
-        <p:nvSpPr>
-          <p:cNvPr id="3" name="object 3">
-            <a:extLst>
-              <a:ext uri="{FF2B5EF4-FFF2-40B4-BE49-F238E27FC236}">
-                <a16:creationId xmlns:a16="http://schemas.microsoft.com/office/drawing/2014/main" id="{20896BFC-5460-8B18-EE59-70F26D6808F2}"/>
-              </a:ext>
-            </a:extLst>
-          </p:cNvPr>
-          <p:cNvSpPr txBox="1"/>
-          <p:nvPr/>
-        </p:nvSpPr>
-        <p:spPr>
-          <a:xfrm>
-            <a:off x="152400" y="2298395"/>
-            <a:ext cx="7254875" cy="1558375"/>
-          </a:xfrm>
-          <a:prstGeom prst="rect">
-            <a:avLst/>
-          </a:prstGeom>
-        </p:spPr>
-        <p:txBody>
-          <a:bodyPr vert="horz" wrap="square" lIns="0" tIns="60960" rIns="0" bIns="0" rtlCol="0">
-            <a:spAutoFit/>
-          </a:bodyPr>
-          <a:lstStyle/>
-          <a:p>
-            <a:pPr marL="469900" marR="179070" lvl="1">
-              <a:lnSpc>
-                <a:spcPts val="3020"/>
-              </a:lnSpc>
-              <a:spcBef>
-                <a:spcPts val="480"/>
+                <a:spcPts val="770"/>
               </a:spcBef>
               <a:tabLst>
                 <a:tab pos="241300" algn="l"/>
               </a:tabLst>
             </a:pPr>
             <a:r>
-              <a:rPr lang="it-IT" sz="1600" spc="-10" dirty="0">
-                <a:latin typeface="Calibri"/>
-                <a:cs typeface="Calibri"/>
-              </a:rPr>
-              <a:t>Attualmente il database è in locale e si opta gia per una versione centralizzata, con room viene facilitato tutto il meccanismo di astrazione con cui il programmatore comunica con il database, tramite un astrazione della DAO delle </a:t>
-            </a:r>
-            <a:r>
-              <a:rPr lang="it-IT" sz="1600" spc="-10" dirty="0" err="1">
-                <a:latin typeface="Calibri"/>
-                <a:cs typeface="Calibri"/>
-              </a:rPr>
-              <a:t>entity</a:t>
-            </a:r>
-            <a:r>
-              <a:rPr lang="it-IT" sz="1600" spc="-10" dirty="0">
-                <a:latin typeface="Calibri"/>
-                <a:cs typeface="Calibri"/>
-              </a:rPr>
-              <a:t> </a:t>
-            </a:r>
-            <a:endParaRPr sz="1600" dirty="0">
-              <a:latin typeface="Calibri"/>
-              <a:cs typeface="Calibri"/>
-            </a:endParaRPr>
+              <a:rPr lang="it-IT" dirty="0">
+                <a:solidFill>
+                  <a:srgbClr val="FF0000"/>
+                </a:solidFill>
+                <a:latin typeface="Calibri"/>
+                <a:cs typeface="Calibri"/>
+              </a:rPr>
+              <a:t>Con la nostra app vogliamo invogliare l’utente a lavorare su se stesso vogliamo insegnargli a porsi degli obiettivi concreti affinché l’utente riesca a rafforzare la propria personalità</a:t>
+            </a:r>
           </a:p>
         </p:txBody>
       </p:sp>
     </p:spTree>
     <p:extLst>
       <p:ext uri="{BB962C8B-B14F-4D97-AF65-F5344CB8AC3E}">
-        <p14:creationId xmlns:p14="http://schemas.microsoft.com/office/powerpoint/2010/main" val="3321835859"/>
+        <p14:creationId xmlns:p14="http://schemas.microsoft.com/office/powerpoint/2010/main" val="3363765041"/>
       </p:ext>
     </p:extLst>
   </p:cSld>
@@ -5308,7 +7063,7 @@
 </file>
 
 <file path=ppt/slides/slide8.xml><?xml version="1.0" encoding="utf-8"?>
-<p:sld xmlns:a="http://schemas.openxmlformats.org/drawingml/2006/main" xmlns:r="http://schemas.openxmlformats.org/officeDocument/2006/relationships" xmlns:p="http://schemas.openxmlformats.org/presentationml/2006/main" showMasterSp="0">
+<p:sld xmlns:a="http://schemas.openxmlformats.org/drawingml/2006/main" xmlns:r="http://schemas.openxmlformats.org/officeDocument/2006/relationships" xmlns:p="http://schemas.openxmlformats.org/presentationml/2006/main">
   <p:cSld>
     <p:spTree>
       <p:nvGrpSpPr>
@@ -5326,14 +7081,140 @@
       </p:grpSpPr>
       <p:sp>
         <p:nvSpPr>
-          <p:cNvPr id="2" name="object 2"/>
-          <p:cNvSpPr txBox="1"/>
-          <p:nvPr/>
+          <p:cNvPr id="3" name="Segnaposto piè di pagina 2">
+            <a:extLst>
+              <a:ext uri="{FF2B5EF4-FFF2-40B4-BE49-F238E27FC236}">
+                <a16:creationId xmlns:a16="http://schemas.microsoft.com/office/drawing/2014/main" id="{E4554156-115D-49CD-1E32-22CBC195E6A9}"/>
+              </a:ext>
+            </a:extLst>
+          </p:cNvPr>
+          <p:cNvSpPr>
+            <a:spLocks noGrp="1"/>
+          </p:cNvSpPr>
+          <p:nvPr>
+            <p:ph type="ftr" sz="quarter" idx="5"/>
+          </p:nvPr>
+        </p:nvSpPr>
+        <p:spPr/>
+        <p:txBody>
+          <a:bodyPr/>
+          <a:lstStyle/>
+          <a:p>
+            <a:pPr marL="12700">
+              <a:lnSpc>
+                <a:spcPts val="1240"/>
+              </a:lnSpc>
+            </a:pPr>
+            <a:r>
+              <a:rPr lang="it-IT" dirty="0"/>
+              <a:t>Mobile</a:t>
+            </a:r>
+            <a:r>
+              <a:rPr lang="it-IT" spc="-55" dirty="0"/>
+              <a:t> </a:t>
+            </a:r>
+            <a:r>
+              <a:rPr lang="it-IT" spc="-5" dirty="0"/>
+              <a:t>Programming</a:t>
+            </a:r>
+            <a:r>
+              <a:rPr lang="it-IT" spc="-40" dirty="0"/>
+              <a:t> </a:t>
+            </a:r>
+            <a:r>
+              <a:rPr lang="it-IT" dirty="0"/>
+              <a:t>2022/2023</a:t>
+            </a:r>
+          </a:p>
+        </p:txBody>
+      </p:sp>
+      <p:sp>
+        <p:nvSpPr>
+          <p:cNvPr id="4" name="Segnaposto data 3">
+            <a:extLst>
+              <a:ext uri="{FF2B5EF4-FFF2-40B4-BE49-F238E27FC236}">
+                <a16:creationId xmlns:a16="http://schemas.microsoft.com/office/drawing/2014/main" id="{CB1BB173-C231-1718-6C43-F5EE6D74157F}"/>
+              </a:ext>
+            </a:extLst>
+          </p:cNvPr>
+          <p:cNvSpPr>
+            <a:spLocks noGrp="1"/>
+          </p:cNvSpPr>
+          <p:nvPr>
+            <p:ph type="dt" sz="half" idx="6"/>
+          </p:nvPr>
+        </p:nvSpPr>
+        <p:spPr/>
+        <p:txBody>
+          <a:bodyPr/>
+          <a:lstStyle/>
+          <a:p>
+            <a:pPr marL="12700">
+              <a:lnSpc>
+                <a:spcPts val="1240"/>
+              </a:lnSpc>
+            </a:pPr>
+            <a:r>
+              <a:rPr lang="it-IT" dirty="0"/>
+              <a:t>06/07/2023</a:t>
+            </a:r>
+          </a:p>
+        </p:txBody>
+      </p:sp>
+      <p:sp>
+        <p:nvSpPr>
+          <p:cNvPr id="5" name="Segnaposto numero diapositiva 4">
+            <a:extLst>
+              <a:ext uri="{FF2B5EF4-FFF2-40B4-BE49-F238E27FC236}">
+                <a16:creationId xmlns:a16="http://schemas.microsoft.com/office/drawing/2014/main" id="{9D1D73AA-61DD-D515-2C28-09EE858FA61D}"/>
+              </a:ext>
+            </a:extLst>
+          </p:cNvPr>
+          <p:cNvSpPr>
+            <a:spLocks noGrp="1"/>
+          </p:cNvSpPr>
+          <p:nvPr>
+            <p:ph type="sldNum" sz="quarter" idx="7"/>
+          </p:nvPr>
+        </p:nvSpPr>
+        <p:spPr/>
+        <p:txBody>
+          <a:bodyPr/>
+          <a:lstStyle/>
+          <a:p>
+            <a:pPr marL="38100">
+              <a:lnSpc>
+                <a:spcPts val="1240"/>
+              </a:lnSpc>
+            </a:pPr>
+            <a:fld id="{81D60167-4931-47E6-BA6A-407CBD079E47}" type="slidenum">
+              <a:rPr lang="it-IT" smtClean="0"/>
+              <a:t>8</a:t>
+            </a:fld>
+            <a:endParaRPr lang="it-IT" dirty="0"/>
+          </a:p>
+        </p:txBody>
+      </p:sp>
+      <p:sp>
+        <p:nvSpPr>
+          <p:cNvPr id="6" name="object 2">
+            <a:extLst>
+              <a:ext uri="{FF2B5EF4-FFF2-40B4-BE49-F238E27FC236}">
+                <a16:creationId xmlns:a16="http://schemas.microsoft.com/office/drawing/2014/main" id="{A1D0BAC4-2980-AF2F-FE3A-A848E6131A2A}"/>
+              </a:ext>
+            </a:extLst>
+          </p:cNvPr>
+          <p:cNvSpPr txBox="1">
+            <a:spLocks noGrp="1"/>
+          </p:cNvSpPr>
+          <p:nvPr>
+            <p:ph type="title"/>
+          </p:nvPr>
         </p:nvSpPr>
         <p:spPr>
           <a:xfrm>
-            <a:off x="707542" y="6427114"/>
-            <a:ext cx="764540" cy="208279"/>
+            <a:off x="429765" y="281752"/>
+            <a:ext cx="5791200" cy="1921039"/>
           </a:xfrm>
           <a:prstGeom prst="rect">
             <a:avLst/>
@@ -5346,180 +7227,103 @@
           <a:lstStyle/>
           <a:p>
             <a:pPr marL="12700">
-              <a:lnSpc>
-                <a:spcPct val="100000"/>
-              </a:lnSpc>
               <a:spcBef>
                 <a:spcPts val="100"/>
               </a:spcBef>
             </a:pPr>
             <a:r>
-              <a:rPr sz="1200" dirty="0">
-                <a:solidFill>
-                  <a:srgbClr val="888888"/>
-                </a:solidFill>
-                <a:latin typeface="Calibri"/>
-                <a:cs typeface="Calibri"/>
-              </a:rPr>
-              <a:t>0</a:t>
-            </a:r>
-            <a:r>
-              <a:rPr sz="1200" spc="5" dirty="0">
-                <a:solidFill>
-                  <a:srgbClr val="888888"/>
-                </a:solidFill>
-                <a:latin typeface="Calibri"/>
-                <a:cs typeface="Calibri"/>
-              </a:rPr>
-              <a:t>5</a:t>
-            </a:r>
-            <a:r>
-              <a:rPr sz="1200" dirty="0">
-                <a:solidFill>
-                  <a:srgbClr val="888888"/>
-                </a:solidFill>
-                <a:latin typeface="Calibri"/>
-                <a:cs typeface="Calibri"/>
-              </a:rPr>
-              <a:t>/0</a:t>
-            </a:r>
-            <a:r>
-              <a:rPr sz="1200" spc="5" dirty="0">
-                <a:solidFill>
-                  <a:srgbClr val="888888"/>
-                </a:solidFill>
-                <a:latin typeface="Calibri"/>
-                <a:cs typeface="Calibri"/>
-              </a:rPr>
-              <a:t>5</a:t>
-            </a:r>
-            <a:r>
-              <a:rPr sz="1200" dirty="0">
-                <a:solidFill>
-                  <a:srgbClr val="888888"/>
-                </a:solidFill>
-                <a:latin typeface="Calibri"/>
-                <a:cs typeface="Calibri"/>
-              </a:rPr>
-              <a:t>/2</a:t>
-            </a:r>
-            <a:r>
-              <a:rPr sz="1200" spc="5" dirty="0">
-                <a:solidFill>
-                  <a:srgbClr val="888888"/>
-                </a:solidFill>
-                <a:latin typeface="Calibri"/>
-                <a:cs typeface="Calibri"/>
-              </a:rPr>
-              <a:t>0</a:t>
-            </a:r>
-            <a:r>
-              <a:rPr sz="1200" dirty="0">
-                <a:solidFill>
-                  <a:srgbClr val="888888"/>
-                </a:solidFill>
-                <a:latin typeface="Calibri"/>
-                <a:cs typeface="Calibri"/>
-              </a:rPr>
-              <a:t>23</a:t>
-            </a:r>
-            <a:endParaRPr sz="1200">
+              <a:rPr lang="it-IT" sz="3600" b="1" kern="0" spc="-20" dirty="0"/>
+              <a:t>Chat fra utenti </a:t>
+            </a:r>
+            <a:br>
+              <a:rPr lang="it-IT" sz="3600" b="1" kern="0" spc="-20" dirty="0"/>
+            </a:br>
+            <a:br>
+              <a:rPr lang="it-IT" sz="4400" b="1" kern="0" spc="-20" dirty="0"/>
+            </a:br>
+            <a:r>
+              <a:rPr lang="it-IT" sz="4400" b="1" kern="0" spc="-20" dirty="0"/>
+              <a:t> </a:t>
+            </a:r>
+            <a:endParaRPr lang="it-IT" sz="4400" b="1" kern="0" dirty="0"/>
+          </a:p>
+        </p:txBody>
+      </p:sp>
+      <p:sp>
+        <p:nvSpPr>
+          <p:cNvPr id="7" name="object 3">
+            <a:extLst>
+              <a:ext uri="{FF2B5EF4-FFF2-40B4-BE49-F238E27FC236}">
+                <a16:creationId xmlns:a16="http://schemas.microsoft.com/office/drawing/2014/main" id="{87F7DFD0-0793-8B88-906F-34AF04CDE98F}"/>
+              </a:ext>
+            </a:extLst>
+          </p:cNvPr>
+          <p:cNvSpPr txBox="1"/>
+          <p:nvPr/>
+        </p:nvSpPr>
+        <p:spPr>
+          <a:xfrm>
+            <a:off x="-27435" y="996050"/>
+            <a:ext cx="6705600" cy="2694327"/>
+          </a:xfrm>
+          <a:prstGeom prst="rect">
+            <a:avLst/>
+          </a:prstGeom>
+        </p:spPr>
+        <p:txBody>
+          <a:bodyPr vert="horz" wrap="square" lIns="0" tIns="97790" rIns="0" bIns="0" rtlCol="0">
+            <a:spAutoFit/>
+          </a:bodyPr>
+          <a:lstStyle/>
+          <a:p>
+            <a:pPr marL="469900" lvl="1">
+              <a:spcBef>
+                <a:spcPts val="770"/>
+              </a:spcBef>
+              <a:tabLst>
+                <a:tab pos="241300" algn="l"/>
+              </a:tabLst>
+            </a:pPr>
+            <a:r>
+              <a:rPr lang="it-IT" dirty="0">
+                <a:latin typeface="Calibri"/>
+                <a:cs typeface="Calibri"/>
+              </a:rPr>
+              <a:t>La nostra chat tutt’ oggi si presenta con un interfaccia essenziale con la possibilità di inviare solo testo, sappiamo che l’applicazione sarà solo una soluzione temporanea per far conoscere in un primo momento gli utenti che poi si sposteranno verso applicazioni terze.</a:t>
+            </a:r>
+          </a:p>
+          <a:p>
+            <a:pPr marL="469900" lvl="1">
+              <a:spcBef>
+                <a:spcPts val="770"/>
+              </a:spcBef>
+              <a:tabLst>
+                <a:tab pos="241300" algn="l"/>
+              </a:tabLst>
+            </a:pPr>
+            <a:r>
+              <a:rPr lang="it-IT" dirty="0">
+                <a:latin typeface="Calibri"/>
+                <a:cs typeface="Calibri"/>
+              </a:rPr>
+              <a:t>Come discusso precedentemente si ha la possibilità di rinominare i propri contatti cosi da trovarli più facilmente e inoltre nella pagina delle chat recenti vi è inclusa una barra per la ricerca dei messaggi che una volta trovato il messaggio vi indirizzerà verso la posizione del messaggio nella chat  </a:t>
+            </a:r>
+            <a:endParaRPr lang="it-IT" dirty="0">
+              <a:solidFill>
+                <a:srgbClr val="FF0000"/>
+              </a:solidFill>
               <a:latin typeface="Calibri"/>
               <a:cs typeface="Calibri"/>
             </a:endParaRPr>
           </a:p>
         </p:txBody>
       </p:sp>
-      <p:sp>
-        <p:nvSpPr>
-          <p:cNvPr id="5" name="Segnaposto data 4">
-            <a:extLst>
-              <a:ext uri="{FF2B5EF4-FFF2-40B4-BE49-F238E27FC236}">
-                <a16:creationId xmlns:a16="http://schemas.microsoft.com/office/drawing/2014/main" id="{3D493355-2017-15AE-8E1A-6179B572A57D}"/>
-              </a:ext>
-            </a:extLst>
-          </p:cNvPr>
-          <p:cNvSpPr>
-            <a:spLocks noGrp="1"/>
-          </p:cNvSpPr>
-          <p:nvPr>
-            <p:ph type="dt" sz="half" idx="6"/>
-          </p:nvPr>
-        </p:nvSpPr>
-        <p:spPr/>
-        <p:txBody>
-          <a:bodyPr/>
-          <a:lstStyle/>
-          <a:p>
-            <a:pPr marL="12700">
-              <a:lnSpc>
-                <a:spcPts val="1240"/>
-              </a:lnSpc>
-            </a:pPr>
-            <a:r>
-              <a:rPr lang="it-IT"/>
-              <a:t>06/07/2023</a:t>
-            </a:r>
-            <a:endParaRPr lang="it-IT" dirty="0"/>
-          </a:p>
-        </p:txBody>
-      </p:sp>
-      <p:sp>
-        <p:nvSpPr>
-          <p:cNvPr id="6" name="Segnaposto piè di pagina 5">
-            <a:extLst>
-              <a:ext uri="{FF2B5EF4-FFF2-40B4-BE49-F238E27FC236}">
-                <a16:creationId xmlns:a16="http://schemas.microsoft.com/office/drawing/2014/main" id="{D65EC6AC-EFEE-4310-6A5A-28EFFCBEA084}"/>
-              </a:ext>
-            </a:extLst>
-          </p:cNvPr>
-          <p:cNvSpPr>
-            <a:spLocks noGrp="1"/>
-          </p:cNvSpPr>
-          <p:nvPr>
-            <p:ph type="ftr" sz="quarter" idx="5"/>
-          </p:nvPr>
-        </p:nvSpPr>
-        <p:spPr/>
-        <p:txBody>
-          <a:bodyPr/>
-          <a:lstStyle/>
-          <a:p>
-            <a:pPr marL="12700">
-              <a:lnSpc>
-                <a:spcPts val="1240"/>
-              </a:lnSpc>
-            </a:pPr>
-            <a:r>
-              <a:rPr lang="it-IT"/>
-              <a:t>Mobile</a:t>
-            </a:r>
-            <a:r>
-              <a:rPr lang="it-IT" spc="-55"/>
-              <a:t> </a:t>
-            </a:r>
-            <a:r>
-              <a:rPr lang="it-IT" spc="-5"/>
-              <a:t>Programming</a:t>
-            </a:r>
-            <a:r>
-              <a:rPr lang="it-IT" spc="-40"/>
-              <a:t> </a:t>
-            </a:r>
-            <a:r>
-              <a:rPr lang="it-IT"/>
-              <a:t>2022/2023</a:t>
-            </a:r>
-            <a:endParaRPr lang="it-IT" dirty="0"/>
-          </a:p>
-        </p:txBody>
-      </p:sp>
       <p:pic>
         <p:nvPicPr>
-          <p:cNvPr id="11" name="Immagine 10">
-            <a:extLst>
-              <a:ext uri="{FF2B5EF4-FFF2-40B4-BE49-F238E27FC236}">
-                <a16:creationId xmlns:a16="http://schemas.microsoft.com/office/drawing/2014/main" id="{383E511C-4392-2E3C-9E32-845BBCEF3B49}"/>
+          <p:cNvPr id="8" name="Immagine 7">
+            <a:extLst>
+              <a:ext uri="{FF2B5EF4-FFF2-40B4-BE49-F238E27FC236}">
+                <a16:creationId xmlns:a16="http://schemas.microsoft.com/office/drawing/2014/main" id="{9029AB80-60C3-A2CE-E4A8-190EF1CC10FB}"/>
               </a:ext>
             </a:extLst>
           </p:cNvPr>
@@ -5530,32 +7334,297 @@
         </p:nvPicPr>
         <p:blipFill rotWithShape="1">
           <a:blip r:embed="rId2"/>
-          <a:srcRect l="22222" t="37037" r="24074" b="33333"/>
+          <a:srcRect r="65706"/>
           <a:stretch/>
         </p:blipFill>
         <p:spPr>
           <a:xfrm>
-            <a:off x="6858000" y="152400"/>
-            <a:ext cx="2209800" cy="1219200"/>
+            <a:off x="7010400" y="101065"/>
+            <a:ext cx="1898406" cy="1402202"/>
+          </a:xfrm>
+          <a:prstGeom prst="rect">
+            <a:avLst/>
+          </a:prstGeom>
+        </p:spPr>
+      </p:pic>
+      <p:pic>
+        <p:nvPicPr>
+          <p:cNvPr id="10" name="Immagine 9" descr="Immagine che contiene testo, schermata, software, Pagina Web&#10;&#10;Descrizione generata automaticamente">
+            <a:extLst>
+              <a:ext uri="{FF2B5EF4-FFF2-40B4-BE49-F238E27FC236}">
+                <a16:creationId xmlns:a16="http://schemas.microsoft.com/office/drawing/2014/main" id="{A588C32A-7EFE-A08B-C858-CC8E5FD095BD}"/>
+              </a:ext>
+            </a:extLst>
+          </p:cNvPr>
+          <p:cNvPicPr>
+            <a:picLocks noChangeAspect="1"/>
+          </p:cNvPicPr>
+          <p:nvPr/>
+        </p:nvPicPr>
+        <p:blipFill rotWithShape="1">
+          <a:blip r:embed="rId3" cstate="print">
+            <a:extLst>
+              <a:ext uri="{28A0092B-C50C-407E-A947-70E740481C1C}">
+                <a14:useLocalDpi xmlns:a14="http://schemas.microsoft.com/office/drawing/2010/main" val="0"/>
+              </a:ext>
+            </a:extLst>
+          </a:blip>
+          <a:srcRect t="11111" b="60877"/>
+          <a:stretch/>
+        </p:blipFill>
+        <p:spPr>
+          <a:xfrm>
+            <a:off x="6678165" y="1642111"/>
+            <a:ext cx="2252603" cy="1402203"/>
           </a:xfrm>
           <a:prstGeom prst="rect">
             <a:avLst/>
           </a:prstGeom>
           <a:effectLst>
-            <a:outerShdw blurRad="330200" dist="38100" dir="5400000" algn="t" rotWithShape="0">
+            <a:outerShdw blurRad="50800" dist="38100" algn="l" rotWithShape="0">
               <a:prstClr val="black">
-                <a:alpha val="76000"/>
+                <a:alpha val="40000"/>
               </a:prstClr>
             </a:outerShdw>
           </a:effectLst>
         </p:spPr>
       </p:pic>
-      <p:sp>
-        <p:nvSpPr>
-          <p:cNvPr id="12" name="object 2">
-            <a:extLst>
-              <a:ext uri="{FF2B5EF4-FFF2-40B4-BE49-F238E27FC236}">
-                <a16:creationId xmlns:a16="http://schemas.microsoft.com/office/drawing/2014/main" id="{A8B449FE-4217-D30A-378E-1700D58FFDA4}"/>
+      <p:pic>
+        <p:nvPicPr>
+          <p:cNvPr id="12" name="Immagine 11" descr="Immagine che contiene elettronica, testo, schermata, software&#10;&#10;Descrizione generata automaticamente">
+            <a:extLst>
+              <a:ext uri="{FF2B5EF4-FFF2-40B4-BE49-F238E27FC236}">
+                <a16:creationId xmlns:a16="http://schemas.microsoft.com/office/drawing/2014/main" id="{88624A8C-6DD4-7984-EDFC-BFE14C123D37}"/>
+              </a:ext>
+            </a:extLst>
+          </p:cNvPr>
+          <p:cNvPicPr>
+            <a:picLocks noChangeAspect="1"/>
+          </p:cNvPicPr>
+          <p:nvPr/>
+        </p:nvPicPr>
+        <p:blipFill rotWithShape="1">
+          <a:blip r:embed="rId4" cstate="print">
+            <a:extLst>
+              <a:ext uri="{28A0092B-C50C-407E-A947-70E740481C1C}">
+                <a14:useLocalDpi xmlns:a14="http://schemas.microsoft.com/office/drawing/2010/main" val="0"/>
+              </a:ext>
+            </a:extLst>
+          </a:blip>
+          <a:srcRect t="4108" b="57778"/>
+          <a:stretch/>
+        </p:blipFill>
+        <p:spPr>
+          <a:xfrm>
+            <a:off x="6330908" y="3429000"/>
+            <a:ext cx="2605722" cy="2206980"/>
+          </a:xfrm>
+          <a:prstGeom prst="rect">
+            <a:avLst/>
+          </a:prstGeom>
+          <a:effectLst>
+            <a:outerShdw blurRad="50800" dist="38100" dir="5400000" algn="t" rotWithShape="0">
+              <a:prstClr val="black">
+                <a:alpha val="40000"/>
+              </a:prstClr>
+            </a:outerShdw>
+          </a:effectLst>
+        </p:spPr>
+      </p:pic>
+      <p:pic>
+        <p:nvPicPr>
+          <p:cNvPr id="15" name="Immagine 14" descr="Immagine che contiene testo, elettronica, schermata, Attrezzatura per ufficio&#10;&#10;Descrizione generata automaticamente">
+            <a:extLst>
+              <a:ext uri="{FF2B5EF4-FFF2-40B4-BE49-F238E27FC236}">
+                <a16:creationId xmlns:a16="http://schemas.microsoft.com/office/drawing/2014/main" id="{29570EE8-E1B6-A821-360E-8285FE79DD16}"/>
+              </a:ext>
+            </a:extLst>
+          </p:cNvPr>
+          <p:cNvPicPr>
+            <a:picLocks noChangeAspect="1"/>
+          </p:cNvPicPr>
+          <p:nvPr/>
+        </p:nvPicPr>
+        <p:blipFill rotWithShape="1">
+          <a:blip r:embed="rId5" cstate="print">
+            <a:extLst>
+              <a:ext uri="{28A0092B-C50C-407E-A947-70E740481C1C}">
+                <a14:useLocalDpi xmlns:a14="http://schemas.microsoft.com/office/drawing/2010/main" val="0"/>
+              </a:ext>
+            </a:extLst>
+          </a:blip>
+          <a:srcRect t="3135" b="50000"/>
+          <a:stretch/>
+        </p:blipFill>
+        <p:spPr>
+          <a:xfrm>
+            <a:off x="3962400" y="3428901"/>
+            <a:ext cx="2217459" cy="2309369"/>
+          </a:xfrm>
+          <a:prstGeom prst="rect">
+            <a:avLst/>
+          </a:prstGeom>
+          <a:effectLst>
+            <a:outerShdw blurRad="50800" dist="38100" dir="5400000" algn="t" rotWithShape="0">
+              <a:prstClr val="black">
+                <a:alpha val="40000"/>
+              </a:prstClr>
+            </a:outerShdw>
+          </a:effectLst>
+        </p:spPr>
+      </p:pic>
+    </p:spTree>
+    <p:extLst>
+      <p:ext uri="{BB962C8B-B14F-4D97-AF65-F5344CB8AC3E}">
+        <p14:creationId xmlns:p14="http://schemas.microsoft.com/office/powerpoint/2010/main" val="2022613726"/>
+      </p:ext>
+    </p:extLst>
+  </p:cSld>
+  <p:clrMapOvr>
+    <a:masterClrMapping/>
+  </p:clrMapOvr>
+</p:sld>
+</file>
+
+<file path=ppt/slides/slide9.xml><?xml version="1.0" encoding="utf-8"?>
+<p:sld xmlns:a="http://schemas.openxmlformats.org/drawingml/2006/main" xmlns:r="http://schemas.openxmlformats.org/officeDocument/2006/relationships" xmlns:p="http://schemas.openxmlformats.org/presentationml/2006/main">
+  <p:cSld>
+    <p:spTree>
+      <p:nvGrpSpPr>
+        <p:cNvPr id="1" name=""/>
+        <p:cNvGrpSpPr/>
+        <p:nvPr/>
+      </p:nvGrpSpPr>
+      <p:grpSpPr>
+        <a:xfrm>
+          <a:off x="0" y="0"/>
+          <a:ext cx="0" cy="0"/>
+          <a:chOff x="0" y="0"/>
+          <a:chExt cx="0" cy="0"/>
+        </a:xfrm>
+      </p:grpSpPr>
+      <p:sp>
+        <p:nvSpPr>
+          <p:cNvPr id="3" name="Segnaposto piè di pagina 2">
+            <a:extLst>
+              <a:ext uri="{FF2B5EF4-FFF2-40B4-BE49-F238E27FC236}">
+                <a16:creationId xmlns:a16="http://schemas.microsoft.com/office/drawing/2014/main" id="{E4554156-115D-49CD-1E32-22CBC195E6A9}"/>
+              </a:ext>
+            </a:extLst>
+          </p:cNvPr>
+          <p:cNvSpPr>
+            <a:spLocks noGrp="1"/>
+          </p:cNvSpPr>
+          <p:nvPr>
+            <p:ph type="ftr" sz="quarter" idx="5"/>
+          </p:nvPr>
+        </p:nvSpPr>
+        <p:spPr/>
+        <p:txBody>
+          <a:bodyPr/>
+          <a:lstStyle/>
+          <a:p>
+            <a:pPr marL="12700">
+              <a:lnSpc>
+                <a:spcPts val="1240"/>
+              </a:lnSpc>
+            </a:pPr>
+            <a:r>
+              <a:rPr lang="it-IT" dirty="0"/>
+              <a:t>Mobile</a:t>
+            </a:r>
+            <a:r>
+              <a:rPr lang="it-IT" spc="-55" dirty="0"/>
+              <a:t> </a:t>
+            </a:r>
+            <a:r>
+              <a:rPr lang="it-IT" spc="-5" dirty="0"/>
+              <a:t>Programming</a:t>
+            </a:r>
+            <a:r>
+              <a:rPr lang="it-IT" spc="-40" dirty="0"/>
+              <a:t> </a:t>
+            </a:r>
+            <a:r>
+              <a:rPr lang="it-IT" dirty="0"/>
+              <a:t>2022/2023</a:t>
+            </a:r>
+          </a:p>
+        </p:txBody>
+      </p:sp>
+      <p:sp>
+        <p:nvSpPr>
+          <p:cNvPr id="4" name="Segnaposto data 3">
+            <a:extLst>
+              <a:ext uri="{FF2B5EF4-FFF2-40B4-BE49-F238E27FC236}">
+                <a16:creationId xmlns:a16="http://schemas.microsoft.com/office/drawing/2014/main" id="{CB1BB173-C231-1718-6C43-F5EE6D74157F}"/>
+              </a:ext>
+            </a:extLst>
+          </p:cNvPr>
+          <p:cNvSpPr>
+            <a:spLocks noGrp="1"/>
+          </p:cNvSpPr>
+          <p:nvPr>
+            <p:ph type="dt" sz="half" idx="6"/>
+          </p:nvPr>
+        </p:nvSpPr>
+        <p:spPr/>
+        <p:txBody>
+          <a:bodyPr/>
+          <a:lstStyle/>
+          <a:p>
+            <a:pPr marL="12700">
+              <a:lnSpc>
+                <a:spcPts val="1240"/>
+              </a:lnSpc>
+            </a:pPr>
+            <a:r>
+              <a:rPr lang="it-IT" dirty="0"/>
+              <a:t>06/07/2023</a:t>
+            </a:r>
+          </a:p>
+        </p:txBody>
+      </p:sp>
+      <p:sp>
+        <p:nvSpPr>
+          <p:cNvPr id="5" name="Segnaposto numero diapositiva 4">
+            <a:extLst>
+              <a:ext uri="{FF2B5EF4-FFF2-40B4-BE49-F238E27FC236}">
+                <a16:creationId xmlns:a16="http://schemas.microsoft.com/office/drawing/2014/main" id="{9D1D73AA-61DD-D515-2C28-09EE858FA61D}"/>
+              </a:ext>
+            </a:extLst>
+          </p:cNvPr>
+          <p:cNvSpPr>
+            <a:spLocks noGrp="1"/>
+          </p:cNvSpPr>
+          <p:nvPr>
+            <p:ph type="sldNum" sz="quarter" idx="7"/>
+          </p:nvPr>
+        </p:nvSpPr>
+        <p:spPr/>
+        <p:txBody>
+          <a:bodyPr/>
+          <a:lstStyle/>
+          <a:p>
+            <a:pPr marL="38100">
+              <a:lnSpc>
+                <a:spcPts val="1240"/>
+              </a:lnSpc>
+            </a:pPr>
+            <a:fld id="{81D60167-4931-47E6-BA6A-407CBD079E47}" type="slidenum">
+              <a:rPr lang="it-IT" smtClean="0"/>
+              <a:t>9</a:t>
+            </a:fld>
+            <a:endParaRPr lang="it-IT" dirty="0"/>
+          </a:p>
+        </p:txBody>
+      </p:sp>
+      <p:sp>
+        <p:nvSpPr>
+          <p:cNvPr id="6" name="object 2">
+            <a:extLst>
+              <a:ext uri="{FF2B5EF4-FFF2-40B4-BE49-F238E27FC236}">
+                <a16:creationId xmlns:a16="http://schemas.microsoft.com/office/drawing/2014/main" id="{A1D0BAC4-2980-AF2F-FE3A-A848E6131A2A}"/>
               </a:ext>
             </a:extLst>
           </p:cNvPr>
@@ -5568,8 +7637,8 @@
         </p:nvSpPr>
         <p:spPr>
           <a:xfrm>
-            <a:off x="457200" y="457200"/>
-            <a:ext cx="5791200" cy="1243930"/>
+            <a:off x="429765" y="281752"/>
+            <a:ext cx="5791200" cy="3583032"/>
           </a:xfrm>
           <a:prstGeom prst="rect">
             <a:avLst/>
@@ -5587,52 +7656,44 @@
               </a:spcBef>
             </a:pPr>
             <a:r>
-              <a:rPr lang="it-IT" sz="4000" b="1" kern="0" spc="-20" dirty="0"/>
-              <a:t>Applicazione del pattern MVVC</a:t>
-            </a:r>
-          </a:p>
-        </p:txBody>
-      </p:sp>
-      <p:sp>
-        <p:nvSpPr>
-          <p:cNvPr id="17" name="Segnaposto numero diapositiva 16">
-            <a:extLst>
-              <a:ext uri="{FF2B5EF4-FFF2-40B4-BE49-F238E27FC236}">
-                <a16:creationId xmlns:a16="http://schemas.microsoft.com/office/drawing/2014/main" id="{AE88F6A4-BD43-D4D6-810D-B38E7A80D6C0}"/>
-              </a:ext>
-            </a:extLst>
-          </p:cNvPr>
-          <p:cNvSpPr>
-            <a:spLocks noGrp="1"/>
-          </p:cNvSpPr>
-          <p:nvPr>
-            <p:ph type="sldNum" sz="quarter" idx="7"/>
-          </p:nvPr>
-        </p:nvSpPr>
-        <p:spPr/>
-        <p:txBody>
-          <a:bodyPr/>
-          <a:lstStyle/>
-          <a:p>
-            <a:pPr marL="38100">
-              <a:lnSpc>
-                <a:spcPts val="1240"/>
-              </a:lnSpc>
-            </a:pPr>
-            <a:fld id="{81D60167-4931-47E6-BA6A-407CBD079E47}" type="slidenum">
-              <a:rPr lang="it-IT" smtClean="0"/>
-              <a:t>8</a:t>
-            </a:fld>
-            <a:endParaRPr lang="it-IT" dirty="0"/>
-          </a:p>
-        </p:txBody>
-      </p:sp>
-      <p:sp>
-        <p:nvSpPr>
-          <p:cNvPr id="3" name="object 3">
-            <a:extLst>
-              <a:ext uri="{FF2B5EF4-FFF2-40B4-BE49-F238E27FC236}">
-                <a16:creationId xmlns:a16="http://schemas.microsoft.com/office/drawing/2014/main" id="{20896BFC-5460-8B18-EE59-70F26D6808F2}"/>
+              <a:rPr lang="it-IT" sz="3600" spc="-10" dirty="0">
+                <a:latin typeface="Calibri"/>
+                <a:cs typeface="Calibri"/>
+              </a:rPr>
+              <a:t>La possibilità di cercare nuovi utenti tramite diverse modalità</a:t>
+            </a:r>
+            <a:br>
+              <a:rPr lang="it-IT" sz="3600" spc="-10" dirty="0">
+                <a:latin typeface="Calibri"/>
+                <a:cs typeface="Calibri"/>
+              </a:rPr>
+            </a:br>
+            <a:br>
+              <a:rPr lang="it-IT" sz="3600" spc="-10" dirty="0">
+                <a:latin typeface="Calibri"/>
+                <a:cs typeface="Calibri"/>
+              </a:rPr>
+            </a:br>
+            <a:br>
+              <a:rPr lang="it-IT" sz="3600" b="1" kern="0" spc="-20" dirty="0"/>
+            </a:br>
+            <a:br>
+              <a:rPr lang="it-IT" sz="4400" b="1" kern="0" spc="-20" dirty="0"/>
+            </a:br>
+            <a:r>
+              <a:rPr lang="it-IT" sz="4400" b="1" kern="0" spc="-20" dirty="0"/>
+              <a:t> </a:t>
+            </a:r>
+            <a:endParaRPr lang="it-IT" sz="4400" b="1" kern="0" dirty="0"/>
+          </a:p>
+        </p:txBody>
+      </p:sp>
+      <p:sp>
+        <p:nvSpPr>
+          <p:cNvPr id="7" name="object 3">
+            <a:extLst>
+              <a:ext uri="{FF2B5EF4-FFF2-40B4-BE49-F238E27FC236}">
+                <a16:creationId xmlns:a16="http://schemas.microsoft.com/office/drawing/2014/main" id="{87F7DFD0-0793-8B88-906F-34AF04CDE98F}"/>
               </a:ext>
             </a:extLst>
           </p:cNvPr>
@@ -5641,64 +7702,232 @@
         </p:nvSpPr>
         <p:spPr>
           <a:xfrm>
-            <a:off x="-77027" y="1679794"/>
-            <a:ext cx="7254875" cy="1622495"/>
+            <a:off x="61420" y="1382893"/>
+            <a:ext cx="6705600" cy="4038285"/>
           </a:xfrm>
           <a:prstGeom prst="rect">
             <a:avLst/>
           </a:prstGeom>
         </p:spPr>
         <p:txBody>
-          <a:bodyPr vert="horz" wrap="square" lIns="0" tIns="60960" rIns="0" bIns="0" rtlCol="0">
+          <a:bodyPr vert="horz" wrap="square" lIns="0" tIns="97790" rIns="0" bIns="0" rtlCol="0">
             <a:spAutoFit/>
           </a:bodyPr>
           <a:lstStyle/>
           <a:p>
-            <a:pPr marL="469900" marR="179070" lvl="1">
-              <a:lnSpc>
-                <a:spcPts val="3020"/>
-              </a:lnSpc>
+            <a:pPr marL="469900" lvl="1">
               <a:spcBef>
-                <a:spcPts val="480"/>
+                <a:spcPts val="770"/>
               </a:spcBef>
               <a:tabLst>
                 <a:tab pos="241300" algn="l"/>
               </a:tabLst>
             </a:pPr>
             <a:r>
-              <a:rPr lang="it-IT" sz="1600" spc="-10" dirty="0">
-                <a:latin typeface="Calibri"/>
-                <a:cs typeface="Calibri"/>
-              </a:rPr>
-              <a:t>Tramite l’intermediazione con room viene facilitato tutto il meccanismo di comunicazione con il database, inoltre tramite un meccanismo di astrazione il programmatore sa esattamente il livello di astrazione con cui dover interagire.</a:t>
-            </a:r>
-          </a:p>
-          <a:p>
-            <a:pPr marL="469900" marR="179070" lvl="1">
-              <a:lnSpc>
-                <a:spcPts val="3020"/>
-              </a:lnSpc>
+              <a:rPr lang="it-IT" dirty="0">
+                <a:latin typeface="Calibri"/>
+                <a:cs typeface="Calibri"/>
+              </a:rPr>
+              <a:t>Con la nostra piattaforma hai la possibilità di fare una ricerca approfondita sugli utenti sulla base di </a:t>
+            </a:r>
+          </a:p>
+          <a:p>
+            <a:pPr marL="755650" lvl="1" indent="-285750">
               <a:spcBef>
-                <a:spcPts val="480"/>
+                <a:spcPts val="770"/>
+              </a:spcBef>
+              <a:buFont typeface="Arial" panose="020B0604020202020204" pitchFamily="34" charset="0"/>
+              <a:buChar char="•"/>
+              <a:tabLst>
+                <a:tab pos="241300" algn="l"/>
+              </a:tabLst>
+            </a:pPr>
+            <a:r>
+              <a:rPr lang="it-IT" dirty="0">
+                <a:latin typeface="Calibri"/>
+                <a:cs typeface="Calibri"/>
+              </a:rPr>
+              <a:t>I tre parametri valutati nei </a:t>
+            </a:r>
+            <a:r>
+              <a:rPr lang="it-IT" dirty="0" err="1">
+                <a:latin typeface="Calibri"/>
+                <a:cs typeface="Calibri"/>
+              </a:rPr>
+              <a:t>form</a:t>
+            </a:r>
+            <a:endParaRPr lang="it-IT" dirty="0">
+              <a:latin typeface="Calibri"/>
+              <a:cs typeface="Calibri"/>
+            </a:endParaRPr>
+          </a:p>
+          <a:p>
+            <a:pPr marL="755650" lvl="1" indent="-285750">
+              <a:spcBef>
+                <a:spcPts val="770"/>
+              </a:spcBef>
+              <a:buFont typeface="Arial" panose="020B0604020202020204" pitchFamily="34" charset="0"/>
+              <a:buChar char="•"/>
+              <a:tabLst>
+                <a:tab pos="241300" algn="l"/>
+              </a:tabLst>
+            </a:pPr>
+            <a:r>
+              <a:rPr lang="it-IT" dirty="0">
+                <a:solidFill>
+                  <a:srgbClr val="FF0000"/>
+                </a:solidFill>
+                <a:latin typeface="Calibri"/>
+                <a:cs typeface="Calibri"/>
+              </a:rPr>
+              <a:t>I tag personali </a:t>
+            </a:r>
+          </a:p>
+          <a:p>
+            <a:pPr marL="755650" lvl="1" indent="-285750">
+              <a:spcBef>
+                <a:spcPts val="770"/>
+              </a:spcBef>
+              <a:buFont typeface="Arial" panose="020B0604020202020204" pitchFamily="34" charset="0"/>
+              <a:buChar char="•"/>
+              <a:tabLst>
+                <a:tab pos="241300" algn="l"/>
+              </a:tabLst>
+            </a:pPr>
+            <a:r>
+              <a:rPr lang="it-IT" dirty="0">
+                <a:solidFill>
+                  <a:srgbClr val="FF0000"/>
+                </a:solidFill>
+                <a:latin typeface="Calibri"/>
+                <a:cs typeface="Calibri"/>
+              </a:rPr>
+              <a:t>Gli obiettivi personali </a:t>
+            </a:r>
+          </a:p>
+          <a:p>
+            <a:pPr marL="469900" lvl="1">
+              <a:spcBef>
+                <a:spcPts val="770"/>
               </a:spcBef>
               <a:tabLst>
                 <a:tab pos="241300" algn="l"/>
               </a:tabLst>
             </a:pPr>
             <a:r>
-              <a:rPr lang="it-IT" sz="1600" spc="-10" dirty="0">
-                <a:latin typeface="Calibri"/>
-                <a:cs typeface="Calibri"/>
-              </a:rPr>
-              <a:t>Grazie a questo livello di astrazione viene impossibilitato l’accesso diretto ai dati </a:t>
-            </a:r>
-          </a:p>
-        </p:txBody>
-      </p:sp>
+              <a:rPr lang="it-IT" dirty="0">
+                <a:latin typeface="Calibri"/>
+                <a:cs typeface="Calibri"/>
+              </a:rPr>
+              <a:t>Tramite queste diverse ricerche ci aspettiamo che l’utente riesca a trovare qualcuno che sia affine con il proprio carattere o che rispecchi quello che si desidera.</a:t>
+            </a:r>
+          </a:p>
+          <a:p>
+            <a:pPr marL="469900" lvl="1">
+              <a:spcBef>
+                <a:spcPts val="770"/>
+              </a:spcBef>
+              <a:tabLst>
+                <a:tab pos="241300" algn="l"/>
+              </a:tabLst>
+            </a:pPr>
+            <a:r>
+              <a:rPr lang="it-IT" dirty="0">
+                <a:latin typeface="Calibri"/>
+                <a:cs typeface="Calibri"/>
+              </a:rPr>
+              <a:t>Inoltre tramite la ricerca sugli obiettivi personali l’utente ha la possibilità di lasciarsi ispirare dagli obiettivi altrui e inoltre può comunicare con altri che lavorano su obiettivi simili al proprio. </a:t>
+            </a:r>
+          </a:p>
+          <a:p>
+            <a:pPr marL="469900" lvl="1">
+              <a:spcBef>
+                <a:spcPts val="770"/>
+              </a:spcBef>
+              <a:tabLst>
+                <a:tab pos="241300" algn="l"/>
+              </a:tabLst>
+            </a:pPr>
+            <a:endParaRPr lang="it-IT" dirty="0">
+              <a:solidFill>
+                <a:srgbClr val="FF0000"/>
+              </a:solidFill>
+              <a:latin typeface="Calibri"/>
+              <a:cs typeface="Calibri"/>
+            </a:endParaRPr>
+          </a:p>
+        </p:txBody>
+      </p:sp>
+      <p:pic>
+        <p:nvPicPr>
+          <p:cNvPr id="8" name="Immagine 7">
+            <a:extLst>
+              <a:ext uri="{FF2B5EF4-FFF2-40B4-BE49-F238E27FC236}">
+                <a16:creationId xmlns:a16="http://schemas.microsoft.com/office/drawing/2014/main" id="{9029AB80-60C3-A2CE-E4A8-190EF1CC10FB}"/>
+              </a:ext>
+            </a:extLst>
+          </p:cNvPr>
+          <p:cNvPicPr>
+            <a:picLocks noChangeAspect="1"/>
+          </p:cNvPicPr>
+          <p:nvPr/>
+        </p:nvPicPr>
+        <p:blipFill rotWithShape="1">
+          <a:blip r:embed="rId2"/>
+          <a:srcRect r="65706"/>
+          <a:stretch/>
+        </p:blipFill>
+        <p:spPr>
+          <a:xfrm>
+            <a:off x="7010400" y="101065"/>
+            <a:ext cx="1898406" cy="1402202"/>
+          </a:xfrm>
+          <a:prstGeom prst="rect">
+            <a:avLst/>
+          </a:prstGeom>
+        </p:spPr>
+      </p:pic>
+      <p:pic>
+        <p:nvPicPr>
+          <p:cNvPr id="10" name="Immagine 9">
+            <a:extLst>
+              <a:ext uri="{FF2B5EF4-FFF2-40B4-BE49-F238E27FC236}">
+                <a16:creationId xmlns:a16="http://schemas.microsoft.com/office/drawing/2014/main" id="{37DEA6A3-E1E9-F300-F10E-2DA0271EE63A}"/>
+              </a:ext>
+            </a:extLst>
+          </p:cNvPr>
+          <p:cNvPicPr>
+            <a:picLocks noChangeAspect="1"/>
+          </p:cNvPicPr>
+          <p:nvPr/>
+        </p:nvPicPr>
+        <p:blipFill>
+          <a:blip r:embed="rId3"/>
+          <a:stretch>
+            <a:fillRect/>
+          </a:stretch>
+        </p:blipFill>
+        <p:spPr>
+          <a:xfrm>
+            <a:off x="6589310" y="3650131"/>
+            <a:ext cx="2240752" cy="3022191"/>
+          </a:xfrm>
+          <a:prstGeom prst="rect">
+            <a:avLst/>
+          </a:prstGeom>
+          <a:effectLst>
+            <a:outerShdw blurRad="50800" dist="38100" algn="l" rotWithShape="0">
+              <a:prstClr val="black">
+                <a:alpha val="40000"/>
+              </a:prstClr>
+            </a:outerShdw>
+          </a:effectLst>
+        </p:spPr>
+      </p:pic>
     </p:spTree>
     <p:extLst>
       <p:ext uri="{BB962C8B-B14F-4D97-AF65-F5344CB8AC3E}">
-        <p14:creationId xmlns:p14="http://schemas.microsoft.com/office/powerpoint/2010/main" val="3581261143"/>
+        <p14:creationId xmlns:p14="http://schemas.microsoft.com/office/powerpoint/2010/main" val="955309476"/>
       </p:ext>
     </p:extLst>
   </p:cSld>
